--- a/docs/diagrams/ModelComponentClassDiagram.pptx
+++ b/docs/diagrams/ModelComponentClassDiagram.pptx
@@ -8,7 +8,7 @@
     <p:notesMasterId r:id="rId3"/>
   </p:notesMasterIdLst>
   <p:sldIdLst>
-    <p:sldId id="263" r:id="rId2"/>
+    <p:sldId id="264" r:id="rId2"/>
   </p:sldIdLst>
   <p:sldSz cx="9144000" cy="6858000" type="screen4x3"/>
   <p:notesSz cx="6858000" cy="9144000"/>
@@ -208,7 +208,7 @@
           <a:p>
             <a:fld id="{F5CC4B3F-88C1-4FFA-B1B6-F41C21DC6924}" type="datetimeFigureOut">
               <a:rPr lang="en-US" smtClean="0"/>
-              <a:t>6/27/2018</a:t>
+              <a:t>11/9/2018</a:t>
             </a:fld>
             <a:endParaRPr lang="en-US"/>
           </a:p>
@@ -654,7 +654,7 @@
           <a:p>
             <a:fld id="{78C97017-6FC3-485B-9764-EAC9E56C1D49}" type="datetimeFigureOut">
               <a:rPr lang="en-US" smtClean="0"/>
-              <a:t>6/27/2018</a:t>
+              <a:t>11/9/2018</a:t>
             </a:fld>
             <a:endParaRPr lang="en-US"/>
           </a:p>
@@ -822,7 +822,7 @@
           <a:p>
             <a:fld id="{78C97017-6FC3-485B-9764-EAC9E56C1D49}" type="datetimeFigureOut">
               <a:rPr lang="en-US" smtClean="0"/>
-              <a:t>6/27/2018</a:t>
+              <a:t>11/9/2018</a:t>
             </a:fld>
             <a:endParaRPr lang="en-US"/>
           </a:p>
@@ -1000,7 +1000,7 @@
           <a:p>
             <a:fld id="{78C97017-6FC3-485B-9764-EAC9E56C1D49}" type="datetimeFigureOut">
               <a:rPr lang="en-US" smtClean="0"/>
-              <a:t>6/27/2018</a:t>
+              <a:t>11/9/2018</a:t>
             </a:fld>
             <a:endParaRPr lang="en-US"/>
           </a:p>
@@ -1168,7 +1168,7 @@
           <a:p>
             <a:fld id="{78C97017-6FC3-485B-9764-EAC9E56C1D49}" type="datetimeFigureOut">
               <a:rPr lang="en-US" smtClean="0"/>
-              <a:t>6/27/2018</a:t>
+              <a:t>11/9/2018</a:t>
             </a:fld>
             <a:endParaRPr lang="en-US"/>
           </a:p>
@@ -1413,7 +1413,7 @@
           <a:p>
             <a:fld id="{78C97017-6FC3-485B-9764-EAC9E56C1D49}" type="datetimeFigureOut">
               <a:rPr lang="en-US" smtClean="0"/>
-              <a:t>6/27/2018</a:t>
+              <a:t>11/9/2018</a:t>
             </a:fld>
             <a:endParaRPr lang="en-US"/>
           </a:p>
@@ -1698,7 +1698,7 @@
           <a:p>
             <a:fld id="{78C97017-6FC3-485B-9764-EAC9E56C1D49}" type="datetimeFigureOut">
               <a:rPr lang="en-US" smtClean="0"/>
-              <a:t>6/27/2018</a:t>
+              <a:t>11/9/2018</a:t>
             </a:fld>
             <a:endParaRPr lang="en-US"/>
           </a:p>
@@ -2117,7 +2117,7 @@
           <a:p>
             <a:fld id="{78C97017-6FC3-485B-9764-EAC9E56C1D49}" type="datetimeFigureOut">
               <a:rPr lang="en-US" smtClean="0"/>
-              <a:t>6/27/2018</a:t>
+              <a:t>11/9/2018</a:t>
             </a:fld>
             <a:endParaRPr lang="en-US"/>
           </a:p>
@@ -2234,7 +2234,7 @@
           <a:p>
             <a:fld id="{78C97017-6FC3-485B-9764-EAC9E56C1D49}" type="datetimeFigureOut">
               <a:rPr lang="en-US" smtClean="0"/>
-              <a:t>6/27/2018</a:t>
+              <a:t>11/9/2018</a:t>
             </a:fld>
             <a:endParaRPr lang="en-US"/>
           </a:p>
@@ -2329,7 +2329,7 @@
           <a:p>
             <a:fld id="{78C97017-6FC3-485B-9764-EAC9E56C1D49}" type="datetimeFigureOut">
               <a:rPr lang="en-US" smtClean="0"/>
-              <a:t>6/27/2018</a:t>
+              <a:t>11/9/2018</a:t>
             </a:fld>
             <a:endParaRPr lang="en-US"/>
           </a:p>
@@ -2604,7 +2604,7 @@
           <a:p>
             <a:fld id="{78C97017-6FC3-485B-9764-EAC9E56C1D49}" type="datetimeFigureOut">
               <a:rPr lang="en-US" smtClean="0"/>
-              <a:t>6/27/2018</a:t>
+              <a:t>11/9/2018</a:t>
             </a:fld>
             <a:endParaRPr lang="en-US"/>
           </a:p>
@@ -2856,7 +2856,7 @@
           <a:p>
             <a:fld id="{78C97017-6FC3-485B-9764-EAC9E56C1D49}" type="datetimeFigureOut">
               <a:rPr lang="en-US" smtClean="0"/>
-              <a:t>6/27/2018</a:t>
+              <a:t>11/9/2018</a:t>
             </a:fld>
             <a:endParaRPr lang="en-US"/>
           </a:p>
@@ -3067,7 +3067,7 @@
           <a:p>
             <a:fld id="{78C97017-6FC3-485B-9764-EAC9E56C1D49}" type="datetimeFigureOut">
               <a:rPr lang="en-US" smtClean="0"/>
-              <a:t>6/27/2018</a:t>
+              <a:t>11/9/2018</a:t>
             </a:fld>
             <a:endParaRPr lang="en-US"/>
           </a:p>
@@ -3444,14 +3444,20 @@
       </p:grpSpPr>
       <p:sp>
         <p:nvSpPr>
-          <p:cNvPr id="118" name="Rectangle 65"/>
+          <p:cNvPr id="225" name="Rectangle 65">
+            <a:extLst>
+              <a:ext uri="{FF2B5EF4-FFF2-40B4-BE49-F238E27FC236}">
+                <a16:creationId xmlns:a16="http://schemas.microsoft.com/office/drawing/2014/main" id="{2EF92560-F7E3-4496-8662-61A2D1BAB6B8}"/>
+              </a:ext>
+            </a:extLst>
+          </p:cNvPr>
           <p:cNvSpPr/>
           <p:nvPr/>
         </p:nvSpPr>
         <p:spPr>
           <a:xfrm>
-            <a:off x="1119865" y="1600200"/>
-            <a:ext cx="7490735" cy="3124200"/>
+            <a:off x="111564" y="-98059"/>
+            <a:ext cx="8744174" cy="8317981"/>
           </a:xfrm>
           <a:prstGeom prst="roundRect">
             <a:avLst>
@@ -3503,6 +3509,51 @@
           </a:p>
         </p:txBody>
       </p:sp>
+      <p:cxnSp>
+        <p:nvCxnSpPr>
+          <p:cNvPr id="95" name="Elbow Connector 63"/>
+          <p:cNvCxnSpPr>
+            <a:cxnSpLocks/>
+            <a:stCxn id="92" idx="1"/>
+            <a:endCxn id="93" idx="3"/>
+          </p:cNvCxnSpPr>
+          <p:nvPr/>
+        </p:nvCxnSpPr>
+        <p:spPr>
+          <a:xfrm rot="10800000">
+            <a:off x="3225525" y="1042214"/>
+            <a:ext cx="478139" cy="1657"/>
+          </a:xfrm>
+          <a:prstGeom prst="bentConnector3">
+            <a:avLst>
+              <a:gd name="adj1" fmla="val 50000"/>
+            </a:avLst>
+          </a:prstGeom>
+          <a:ln w="19050">
+            <a:solidFill>
+              <a:srgbClr val="7030A0"/>
+            </a:solidFill>
+            <a:prstDash val="sysDot"/>
+            <a:headEnd type="none" w="med" len="med"/>
+            <a:tailEnd type="none" w="med" len="med"/>
+          </a:ln>
+          <a:effectLst/>
+        </p:spPr>
+        <p:style>
+          <a:lnRef idx="1">
+            <a:schemeClr val="accent2"/>
+          </a:lnRef>
+          <a:fillRef idx="2">
+            <a:schemeClr val="accent2"/>
+          </a:fillRef>
+          <a:effectRef idx="1">
+            <a:schemeClr val="accent2"/>
+          </a:effectRef>
+          <a:fontRef idx="minor">
+            <a:schemeClr val="dk1"/>
+          </a:fontRef>
+        </p:style>
+      </p:cxnSp>
       <p:sp>
         <p:nvSpPr>
           <p:cNvPr id="2" name="Rectangle 8"/>
@@ -3511,7 +3562,7 @@
         </p:nvSpPr>
         <p:spPr>
           <a:xfrm>
-            <a:off x="2877180" y="3463240"/>
+            <a:off x="2086447" y="7392131"/>
             <a:ext cx="1093635" cy="346760"/>
           </a:xfrm>
           <a:prstGeom prst="rect">
@@ -3570,8 +3621,8 @@
         </p:nvSpPr>
         <p:spPr>
           <a:xfrm rot="16200000">
-            <a:off x="1661548" y="3097750"/>
-            <a:ext cx="1093635" cy="346760"/>
+            <a:off x="-1875989" y="4296223"/>
+            <a:ext cx="6538580" cy="346760"/>
           </a:xfrm>
           <a:prstGeom prst="rect">
             <a:avLst/>
@@ -3626,20 +3677,17 @@
           <p:cNvPr id="107" name="Elbow Connector 106"/>
           <p:cNvCxnSpPr>
             <a:cxnSpLocks/>
-            <a:stCxn id="9" idx="1"/>
             <a:endCxn id="62" idx="2"/>
           </p:cNvCxnSpPr>
           <p:nvPr/>
         </p:nvCxnSpPr>
         <p:spPr>
-          <a:xfrm rot="5400000" flipH="1" flipV="1">
-            <a:off x="4131507" y="1281685"/>
-            <a:ext cx="613122" cy="4459404"/>
-          </a:xfrm>
-          <a:prstGeom prst="bentConnector3">
-            <a:avLst>
-              <a:gd name="adj1" fmla="val -26668"/>
-            </a:avLst>
+          <a:xfrm flipV="1">
+            <a:off x="1600119" y="1892482"/>
+            <a:ext cx="4252586" cy="143002"/>
+          </a:xfrm>
+          <a:prstGeom prst="bentConnector2">
+            <a:avLst/>
           </a:prstGeom>
           <a:ln w="19050">
             <a:solidFill>
@@ -3674,7 +3722,7 @@
         </p:nvSpPr>
         <p:spPr>
           <a:xfrm rot="16200000">
-            <a:off x="956202" y="2861202"/>
+            <a:off x="141137" y="1337202"/>
             <a:ext cx="1093635" cy="346760"/>
           </a:xfrm>
           <a:prstGeom prst="rect">
@@ -3744,7 +3792,7 @@
         </p:nvSpPr>
         <p:spPr>
           <a:xfrm rot="16200000">
-            <a:off x="1626910" y="2952291"/>
+            <a:off x="811845" y="1428291"/>
             <a:ext cx="270504" cy="175523"/>
           </a:xfrm>
           <a:prstGeom prst="triangle">
@@ -3794,7 +3842,7 @@
         </p:nvCxnSpPr>
         <p:spPr>
           <a:xfrm>
-            <a:off x="2609828" y="3636620"/>
+            <a:off x="1819095" y="7565511"/>
             <a:ext cx="267352" cy="0"/>
           </a:xfrm>
           <a:prstGeom prst="straightConnector1">
@@ -3832,7 +3880,7 @@
         </p:nvCxnSpPr>
         <p:spPr>
           <a:xfrm>
-            <a:off x="910091" y="3040053"/>
+            <a:off x="95026" y="1516053"/>
             <a:ext cx="419548" cy="2860"/>
           </a:xfrm>
           <a:prstGeom prst="bentConnector3">
@@ -3877,7 +3925,7 @@
         </p:nvCxnSpPr>
         <p:spPr>
           <a:xfrm flipV="1">
-            <a:off x="1849924" y="3040052"/>
+            <a:off x="1034859" y="1516052"/>
             <a:ext cx="216105" cy="1"/>
           </a:xfrm>
           <a:prstGeom prst="line">
@@ -3916,7 +3964,7 @@
         </p:nvSpPr>
         <p:spPr>
           <a:xfrm>
-            <a:off x="2373780" y="3549930"/>
+            <a:off x="1583047" y="7478821"/>
             <a:ext cx="236048" cy="173380"/>
           </a:xfrm>
           <a:prstGeom prst="flowChartDecision">
@@ -3961,8 +4009,8 @@
         </p:nvSpPr>
         <p:spPr>
           <a:xfrm>
-            <a:off x="2825280" y="2846162"/>
-            <a:ext cx="1490560" cy="334856"/>
+            <a:off x="1971341" y="1522567"/>
+            <a:ext cx="1447688" cy="346760"/>
           </a:xfrm>
           <a:prstGeom prst="rect">
             <a:avLst/>
@@ -3994,7 +4042,7 @@
           <a:p>
             <a:pPr algn="ctr"/>
             <a:r>
-              <a:rPr lang="en-US" sz="1050" dirty="0" err="1" smtClean="0">
+              <a:rPr lang="en-US" sz="1050" dirty="0" err="1">
                 <a:solidFill>
                   <a:srgbClr val="7030A0"/>
                 </a:solidFill>
@@ -4020,8 +4068,8 @@
         </p:nvCxnSpPr>
         <p:spPr>
           <a:xfrm>
-            <a:off x="2624360" y="3003033"/>
-            <a:ext cx="200920" cy="10557"/>
+            <a:off x="1809295" y="1690689"/>
+            <a:ext cx="162046" cy="5258"/>
           </a:xfrm>
           <a:prstGeom prst="straightConnector1">
             <a:avLst/>
@@ -4058,7 +4106,7 @@
         </p:nvSpPr>
         <p:spPr>
           <a:xfrm>
-            <a:off x="2388312" y="2916343"/>
+            <a:off x="1573247" y="1603999"/>
             <a:ext cx="236048" cy="173380"/>
           </a:xfrm>
           <a:prstGeom prst="flowChartDecision">
@@ -4103,8 +4151,8 @@
         </p:nvSpPr>
         <p:spPr>
           <a:xfrm>
-            <a:off x="4692650" y="2846162"/>
-            <a:ext cx="1156969" cy="346760"/>
+            <a:off x="3790042" y="1551090"/>
+            <a:ext cx="1314071" cy="346760"/>
           </a:xfrm>
           <a:prstGeom prst="rect">
             <a:avLst/>
@@ -4159,7 +4207,7 @@
         </p:nvSpPr>
         <p:spPr>
           <a:xfrm>
-            <a:off x="4324972" y="2920532"/>
+            <a:off x="3418181" y="1635857"/>
             <a:ext cx="236048" cy="173380"/>
           </a:xfrm>
           <a:prstGeom prst="flowChartDecision">
@@ -4198,6 +4246,48 @@
           </a:p>
         </p:txBody>
       </p:sp>
+      <p:cxnSp>
+        <p:nvCxnSpPr>
+          <p:cNvPr id="30" name="Elbow Connector 29"/>
+          <p:cNvCxnSpPr>
+            <a:cxnSpLocks/>
+            <a:stCxn id="51" idx="3"/>
+            <a:endCxn id="49" idx="1"/>
+          </p:cNvCxnSpPr>
+          <p:nvPr/>
+        </p:nvCxnSpPr>
+        <p:spPr>
+          <a:xfrm>
+            <a:off x="3654229" y="1722547"/>
+            <a:ext cx="135813" cy="1923"/>
+          </a:xfrm>
+          <a:prstGeom prst="bentConnector3">
+            <a:avLst/>
+          </a:prstGeom>
+          <a:ln w="19050">
+            <a:solidFill>
+              <a:srgbClr val="7030A0"/>
+            </a:solidFill>
+            <a:headEnd type="none" w="med" len="med"/>
+            <a:tailEnd type="arrow" w="med" len="med"/>
+          </a:ln>
+          <a:effectLst/>
+        </p:spPr>
+        <p:style>
+          <a:lnRef idx="1">
+            <a:schemeClr val="accent2"/>
+          </a:lnRef>
+          <a:fillRef idx="2">
+            <a:schemeClr val="accent2"/>
+          </a:fillRef>
+          <a:effectRef idx="1">
+            <a:schemeClr val="accent2"/>
+          </a:effectRef>
+          <a:fontRef idx="minor">
+            <a:schemeClr val="dk1"/>
+          </a:fontRef>
+        </p:style>
+      </p:cxnSp>
       <p:sp>
         <p:nvSpPr>
           <p:cNvPr id="62" name="Rectangle 8"/>
@@ -4206,7 +4296,7 @@
         </p:nvSpPr>
         <p:spPr>
           <a:xfrm>
-            <a:off x="6313677" y="2858066"/>
+            <a:off x="5498612" y="1545722"/>
             <a:ext cx="708186" cy="346760"/>
           </a:xfrm>
           <a:prstGeom prst="rect">
@@ -4262,7 +4352,7 @@
         </p:nvSpPr>
         <p:spPr>
           <a:xfrm>
-            <a:off x="5858751" y="2941676"/>
+            <a:off x="5103395" y="1628721"/>
             <a:ext cx="236048" cy="173380"/>
           </a:xfrm>
           <a:prstGeom prst="flowChartDecision">
@@ -4303,6 +4393,7 @@
         <p:nvCxnSpPr>
           <p:cNvPr id="64" name="Elbow Connector 63"/>
           <p:cNvCxnSpPr>
+            <a:cxnSpLocks/>
             <a:stCxn id="63" idx="3"/>
             <a:endCxn id="62" idx="1"/>
           </p:cNvCxnSpPr>
@@ -4310,8 +4401,8 @@
         </p:nvCxnSpPr>
         <p:spPr>
           <a:xfrm>
-            <a:off x="6094799" y="3028366"/>
-            <a:ext cx="218878" cy="3080"/>
+            <a:off x="5339443" y="1715411"/>
+            <a:ext cx="159169" cy="3691"/>
           </a:xfrm>
           <a:prstGeom prst="bentConnector3">
             <a:avLst/>
@@ -4348,8 +4439,8 @@
         </p:nvSpPr>
         <p:spPr>
           <a:xfrm>
-            <a:off x="7712397" y="2564238"/>
-            <a:ext cx="708186" cy="285783"/>
+            <a:off x="6896481" y="1253090"/>
+            <a:ext cx="1044000" cy="288000"/>
           </a:xfrm>
           <a:prstGeom prst="rect">
             <a:avLst/>
@@ -4386,7 +4477,7 @@
                   <a:srgbClr val="7030A0"/>
                 </a:solidFill>
               </a:rPr>
-              <a:t>Name</a:t>
+              <a:t>Email</a:t>
             </a:r>
             <a:endParaRPr lang="en-SG" sz="1050" dirty="0">
               <a:solidFill>
@@ -4404,7 +4495,7 @@
         </p:nvSpPr>
         <p:spPr>
           <a:xfrm>
-            <a:off x="7041947" y="2948201"/>
+            <a:off x="6226882" y="1635857"/>
             <a:ext cx="236048" cy="173380"/>
           </a:xfrm>
           <a:prstGeom prst="flowChartDecision">
@@ -4453,7 +4544,7 @@
         </p:nvCxnSpPr>
         <p:spPr>
           <a:xfrm flipV="1">
-            <a:off x="7277995" y="2706821"/>
+            <a:off x="6462930" y="1394477"/>
             <a:ext cx="434402" cy="327761"/>
           </a:xfrm>
           <a:prstGeom prst="bentConnector3">
@@ -4491,8 +4582,8 @@
         </p:nvSpPr>
         <p:spPr>
           <a:xfrm>
-            <a:off x="7712397" y="2887216"/>
-            <a:ext cx="708186" cy="285783"/>
+            <a:off x="6897330" y="1574871"/>
+            <a:ext cx="1044000" cy="288000"/>
           </a:xfrm>
           <a:prstGeom prst="rect">
             <a:avLst/>
@@ -4529,7 +4620,7 @@
                   <a:srgbClr val="7030A0"/>
                 </a:solidFill>
               </a:rPr>
-              <a:t>Phone</a:t>
+              <a:t>Department</a:t>
             </a:r>
             <a:endParaRPr lang="en-SG" sz="1050" dirty="0">
               <a:solidFill>
@@ -4543,6 +4634,7 @@
         <p:nvCxnSpPr>
           <p:cNvPr id="81" name="Elbow Connector 80"/>
           <p:cNvCxnSpPr>
+            <a:cxnSpLocks/>
             <a:stCxn id="78" idx="3"/>
             <a:endCxn id="80" idx="1"/>
           </p:cNvCxnSpPr>
@@ -4550,8 +4642,8 @@
         </p:nvCxnSpPr>
         <p:spPr>
           <a:xfrm flipV="1">
-            <a:off x="7277995" y="3030108"/>
-            <a:ext cx="434402" cy="4783"/>
+            <a:off x="6462930" y="1718871"/>
+            <a:ext cx="434400" cy="3676"/>
           </a:xfrm>
           <a:prstGeom prst="bentConnector3">
             <a:avLst/>
@@ -4588,8 +4680,8 @@
         </p:nvSpPr>
         <p:spPr>
           <a:xfrm>
-            <a:off x="7712397" y="3210194"/>
-            <a:ext cx="708186" cy="285783"/>
+            <a:off x="6897332" y="1897849"/>
+            <a:ext cx="1044000" cy="288000"/>
           </a:xfrm>
           <a:prstGeom prst="rect">
             <a:avLst/>
@@ -4626,7 +4718,7 @@
                   <a:srgbClr val="7030A0"/>
                 </a:solidFill>
               </a:rPr>
-              <a:t>Email</a:t>
+              <a:t>Rank/Position</a:t>
             </a:r>
             <a:endParaRPr lang="en-SG" sz="1050" dirty="0">
               <a:solidFill>
@@ -4640,6 +4732,7 @@
         <p:nvCxnSpPr>
           <p:cNvPr id="84" name="Elbow Connector 83"/>
           <p:cNvCxnSpPr>
+            <a:cxnSpLocks/>
             <a:stCxn id="78" idx="3"/>
             <a:endCxn id="83" idx="1"/>
           </p:cNvCxnSpPr>
@@ -4647,8 +4740,8 @@
         </p:nvCxnSpPr>
         <p:spPr>
           <a:xfrm>
-            <a:off x="7277995" y="3034891"/>
-            <a:ext cx="434402" cy="318195"/>
+            <a:off x="6462930" y="1722547"/>
+            <a:ext cx="434402" cy="319302"/>
           </a:xfrm>
           <a:prstGeom prst="bentConnector3">
             <a:avLst/>
@@ -4685,8 +4778,8 @@
         </p:nvSpPr>
         <p:spPr>
           <a:xfrm>
-            <a:off x="7712397" y="3533171"/>
-            <a:ext cx="708186" cy="285783"/>
+            <a:off x="6897331" y="2220826"/>
+            <a:ext cx="1044000" cy="288000"/>
           </a:xfrm>
           <a:prstGeom prst="rect">
             <a:avLst/>
@@ -4737,6 +4830,7 @@
         <p:nvCxnSpPr>
           <p:cNvPr id="86" name="Elbow Connector 85"/>
           <p:cNvCxnSpPr>
+            <a:cxnSpLocks/>
             <a:stCxn id="78" idx="3"/>
             <a:endCxn id="85" idx="1"/>
           </p:cNvCxnSpPr>
@@ -4744,8 +4838,8 @@
         </p:nvCxnSpPr>
         <p:spPr>
           <a:xfrm>
-            <a:off x="7277995" y="3034891"/>
-            <a:ext cx="434402" cy="641172"/>
+            <a:off x="6462930" y="1722547"/>
+            <a:ext cx="434401" cy="642279"/>
           </a:xfrm>
           <a:prstGeom prst="bentConnector3">
             <a:avLst/>
@@ -4774,92 +4868,40 @@
           </a:fontRef>
         </p:style>
       </p:cxnSp>
-      <p:cxnSp>
-        <p:nvCxnSpPr>
-          <p:cNvPr id="97" name="Elbow Connector 63"/>
-          <p:cNvCxnSpPr>
-            <a:stCxn id="99" idx="3"/>
-          </p:cNvCxnSpPr>
-          <p:nvPr/>
-        </p:nvCxnSpPr>
-        <p:spPr>
-          <a:xfrm rot="5400000">
-            <a:off x="3553611" y="2687559"/>
-            <a:ext cx="293825" cy="5938"/>
-          </a:xfrm>
-          <a:prstGeom prst="bentConnector3">
-            <a:avLst>
-              <a:gd name="adj1" fmla="val 50000"/>
-            </a:avLst>
-          </a:prstGeom>
-          <a:ln w="19050">
-            <a:solidFill>
-              <a:srgbClr val="7030A0"/>
-            </a:solidFill>
-            <a:prstDash val="sysDot"/>
-            <a:headEnd type="none" w="med" len="med"/>
-            <a:tailEnd type="none" w="med" len="med"/>
-          </a:ln>
-          <a:effectLst/>
-        </p:spPr>
-        <p:style>
-          <a:lnRef idx="1">
-            <a:schemeClr val="accent2"/>
-          </a:lnRef>
-          <a:fillRef idx="2">
-            <a:schemeClr val="accent2"/>
-          </a:fillRef>
-          <a:effectRef idx="1">
-            <a:schemeClr val="accent2"/>
-          </a:effectRef>
-          <a:fontRef idx="minor">
-            <a:schemeClr val="dk1"/>
-          </a:fontRef>
-        </p:style>
-      </p:cxnSp>
-      <p:sp>
-        <p:nvSpPr>
-          <p:cNvPr id="99" name="Isosceles Triangle 102"/>
-          <p:cNvSpPr/>
-          <p:nvPr/>
-        </p:nvSpPr>
-        <p:spPr>
-          <a:xfrm rot="10800000" flipV="1">
-            <a:off x="3562299" y="2386554"/>
-            <a:ext cx="282387" cy="157062"/>
-          </a:xfrm>
-          <a:prstGeom prst="triangle">
-            <a:avLst/>
-          </a:prstGeom>
-          <a:ln w="19050">
-            <a:solidFill>
-              <a:srgbClr val="7030A0"/>
-            </a:solidFill>
-          </a:ln>
-          <a:effectLst/>
-        </p:spPr>
-        <p:style>
-          <a:lnRef idx="1">
-            <a:schemeClr val="accent4"/>
-          </a:lnRef>
-          <a:fillRef idx="2">
-            <a:schemeClr val="accent4"/>
-          </a:fillRef>
-          <a:effectRef idx="1">
-            <a:schemeClr val="accent4"/>
-          </a:effectRef>
-          <a:fontRef idx="minor">
-            <a:schemeClr val="dk1"/>
-          </a:fontRef>
-        </p:style>
-        <p:txBody>
-          <a:bodyPr rtlCol="0" anchor="ctr"/>
-          <a:lstStyle/>
-          <a:p>
-            <a:pPr algn="ctr"/>
-            <a:endParaRPr lang="en-SG" sz="1050" b="1">
+      <p:sp>
+        <p:nvSpPr>
+          <p:cNvPr id="114" name="TextBox 113"/>
+          <p:cNvSpPr txBox="1"/>
+          <p:nvPr/>
+        </p:nvSpPr>
+        <p:spPr>
+          <a:xfrm>
+            <a:off x="5023379" y="2012953"/>
+            <a:ext cx="881018" cy="261610"/>
+          </a:xfrm>
+          <a:prstGeom prst="rect">
+            <a:avLst/>
+          </a:prstGeom>
+          <a:noFill/>
+        </p:spPr>
+        <p:txBody>
+          <a:bodyPr wrap="square" rtlCol="0">
+            <a:spAutoFit/>
+          </a:bodyPr>
+          <a:lstStyle/>
+          <a:p>
+            <a:pPr algn="r"/>
+            <a:r>
+              <a:rPr lang="en-US" sz="1100" dirty="0">
+                <a:solidFill>
+                  <a:srgbClr val="7030A0"/>
+                </a:solidFill>
+              </a:rPr>
+              <a:t>filtered list</a:t>
+            </a:r>
+            <a:endParaRPr lang="en-SG" sz="1100" dirty="0">
               <a:solidFill>
-                <a:srgbClr val="92D050"/>
+                <a:srgbClr val="7030A0"/>
               </a:solidFill>
             </a:endParaRPr>
           </a:p>
@@ -4867,14 +4909,14 @@
       </p:sp>
       <p:sp>
         <p:nvSpPr>
-          <p:cNvPr id="100" name="Rectangle 8"/>
+          <p:cNvPr id="122" name="Rectangle 8"/>
           <p:cNvSpPr/>
           <p:nvPr/>
         </p:nvSpPr>
         <p:spPr>
           <a:xfrm>
-            <a:off x="1260922" y="1998350"/>
-            <a:ext cx="1443661" cy="364396"/>
+            <a:off x="1237983" y="7834246"/>
+            <a:ext cx="1066800" cy="346760"/>
           </a:xfrm>
           <a:prstGeom prst="rect">
             <a:avLst/>
@@ -4926,124 +4968,6 @@
                   <a:srgbClr val="7030A0"/>
                 </a:solidFill>
               </a:rPr>
-              <a:t>ReadOnlyAddressBook</a:t>
-            </a:r>
-            <a:endParaRPr lang="en-SG" sz="1050" dirty="0">
-              <a:solidFill>
-                <a:srgbClr val="7030A0"/>
-              </a:solidFill>
-            </a:endParaRPr>
-          </a:p>
-        </p:txBody>
-      </p:sp>
-      <p:sp>
-        <p:nvSpPr>
-          <p:cNvPr id="114" name="TextBox 113"/>
-          <p:cNvSpPr txBox="1"/>
-          <p:nvPr/>
-        </p:nvSpPr>
-        <p:spPr>
-          <a:xfrm rot="16200000">
-            <a:off x="6362886" y="3586305"/>
-            <a:ext cx="881018" cy="261610"/>
-          </a:xfrm>
-          <a:prstGeom prst="rect">
-            <a:avLst/>
-          </a:prstGeom>
-          <a:noFill/>
-        </p:spPr>
-        <p:txBody>
-          <a:bodyPr wrap="square" rtlCol="0">
-            <a:spAutoFit/>
-          </a:bodyPr>
-          <a:lstStyle/>
-          <a:p>
-            <a:pPr algn="r"/>
-            <a:r>
-              <a:rPr lang="en-US" sz="1100" dirty="0">
-                <a:solidFill>
-                  <a:srgbClr val="7030A0"/>
-                </a:solidFill>
-              </a:rPr>
-              <a:t>filtered list</a:t>
-            </a:r>
-            <a:endParaRPr lang="en-SG" sz="1100" dirty="0">
-              <a:solidFill>
-                <a:srgbClr val="7030A0"/>
-              </a:solidFill>
-            </a:endParaRPr>
-          </a:p>
-        </p:txBody>
-      </p:sp>
-      <p:sp>
-        <p:nvSpPr>
-          <p:cNvPr id="122" name="Rectangle 8"/>
-          <p:cNvSpPr/>
-          <p:nvPr/>
-        </p:nvSpPr>
-        <p:spPr>
-          <a:xfrm>
-            <a:off x="2057401" y="4239491"/>
-            <a:ext cx="1066800" cy="346760"/>
-          </a:xfrm>
-          <a:prstGeom prst="rect">
-            <a:avLst/>
-          </a:prstGeom>
-          <a:ln w="19050">
-            <a:solidFill>
-              <a:srgbClr val="7030A0"/>
-            </a:solidFill>
-          </a:ln>
-          <a:effectLst/>
-        </p:spPr>
-        <p:style>
-          <a:lnRef idx="1">
-            <a:schemeClr val="accent4"/>
-          </a:lnRef>
-          <a:fillRef idx="2">
-            <a:schemeClr val="accent4"/>
-          </a:fillRef>
-          <a:effectRef idx="1">
-            <a:schemeClr val="accent4"/>
-          </a:effectRef>
-          <a:fontRef idx="minor">
-            <a:schemeClr val="dk1"/>
-          </a:fontRef>
-        </p:style>
-        <p:txBody>
-          <a:bodyPr rtlCol="0" anchor="ctr"/>
-          <a:lstStyle/>
-          <a:p>
-            <a:pPr algn="ctr"/>
-            <a:r>
-              <a:rPr lang="en-US" sz="1050" dirty="0">
-                <a:solidFill>
-                  <a:srgbClr val="7030A0"/>
-                </a:solidFill>
-              </a:rPr>
-              <a:t>&lt;&lt;interface&gt;&gt;</a:t>
-            </a:r>
-            <a:r>
-              <a:rPr lang="en-US" sz="1050">
-                <a:solidFill>
-                  <a:srgbClr val="7030A0"/>
-                </a:solidFill>
-              </a:rPr>
-              <a:t/>
-            </a:r>
-            <a:br>
-              <a:rPr lang="en-US" sz="1050">
-                <a:solidFill>
-                  <a:srgbClr val="7030A0"/>
-                </a:solidFill>
-              </a:rPr>
-            </a:br>
-            <a:r>
-              <a:rPr lang="en-US" sz="1050" dirty="0" err="1">
-                <a:solidFill>
-                  <a:srgbClr val="7030A0"/>
-                </a:solidFill>
-              </a:rPr>
               <a:t>ObservableList</a:t>
             </a:r>
             <a:endParaRPr lang="en-SG" sz="1050" dirty="0">
@@ -5065,8 +4989,8 @@
         </p:nvCxnSpPr>
         <p:spPr>
           <a:xfrm rot="16200000" flipH="1">
-            <a:off x="1364475" y="3719944"/>
-            <a:ext cx="831471" cy="554381"/>
+            <a:off x="-2012144" y="4757499"/>
+            <a:ext cx="5950226" cy="550028"/>
           </a:xfrm>
           <a:prstGeom prst="bentConnector2">
             <a:avLst/>
@@ -5104,7 +5028,7 @@
         </p:nvSpPr>
         <p:spPr>
           <a:xfrm>
-            <a:off x="4429979" y="3111479"/>
+            <a:off x="3509907" y="1746520"/>
             <a:ext cx="189257" cy="178683"/>
           </a:xfrm>
           <a:prstGeom prst="rect">
@@ -5143,7 +5067,7 @@
         </p:nvSpPr>
         <p:spPr>
           <a:xfrm>
-            <a:off x="6135256" y="3097917"/>
+            <a:off x="5320191" y="1785573"/>
             <a:ext cx="189257" cy="178683"/>
           </a:xfrm>
           <a:prstGeom prst="rect">
@@ -5182,8 +5106,8 @@
         </p:nvSpPr>
         <p:spPr>
           <a:xfrm>
-            <a:off x="2573394" y="2756715"/>
-            <a:ext cx="170110" cy="137542"/>
+            <a:off x="1745102" y="1441474"/>
+            <a:ext cx="78378" cy="193767"/>
           </a:xfrm>
           <a:prstGeom prst="rect">
             <a:avLst/>
@@ -5221,7 +5145,7 @@
         </p:nvSpPr>
         <p:spPr>
           <a:xfrm>
-            <a:off x="2707070" y="3667737"/>
+            <a:off x="1916337" y="7596628"/>
             <a:ext cx="189257" cy="178683"/>
           </a:xfrm>
           <a:prstGeom prst="rect">
@@ -5260,7 +5184,7 @@
         </p:nvSpPr>
         <p:spPr>
           <a:xfrm>
-            <a:off x="6449896" y="3204826"/>
+            <a:off x="5634831" y="1892482"/>
             <a:ext cx="189257" cy="178683"/>
           </a:xfrm>
           <a:prstGeom prst="rect">
@@ -5291,12 +5215,60 @@
           </a:p>
         </p:txBody>
       </p:sp>
-      <p:sp>
-        <p:nvSpPr>
-          <p:cNvPr id="52" name="Rectangle 8">
+      <p:cxnSp>
+        <p:nvCxnSpPr>
+          <p:cNvPr id="59" name="Elbow Connector 63">
             <a:extLst>
               <a:ext uri="{FF2B5EF4-FFF2-40B4-BE49-F238E27FC236}">
-                <a16:creationId xmlns:a16="http://schemas.microsoft.com/office/drawing/2014/main" id="{ABDCDBD2-131A-4B66-A2F2-43BBEE82C773}"/>
+                <a16:creationId xmlns:a16="http://schemas.microsoft.com/office/drawing/2014/main" id="{E2D6A56C-A223-4236-A1F0-7EFEBA2FC940}"/>
+              </a:ext>
+            </a:extLst>
+          </p:cNvPr>
+          <p:cNvCxnSpPr>
+            <a:cxnSpLocks/>
+            <a:stCxn id="78" idx="3"/>
+            <a:endCxn id="67" idx="1"/>
+          </p:cNvCxnSpPr>
+          <p:nvPr/>
+        </p:nvCxnSpPr>
+        <p:spPr>
+          <a:xfrm flipV="1">
+            <a:off x="6462930" y="124606"/>
+            <a:ext cx="435217" cy="1597941"/>
+          </a:xfrm>
+          <a:prstGeom prst="bentConnector3">
+            <a:avLst/>
+          </a:prstGeom>
+          <a:ln w="19050">
+            <a:solidFill>
+              <a:srgbClr val="7030A0"/>
+            </a:solidFill>
+            <a:headEnd type="none" w="med" len="med"/>
+            <a:tailEnd type="arrow" w="med" len="med"/>
+          </a:ln>
+          <a:effectLst/>
+        </p:spPr>
+        <p:style>
+          <a:lnRef idx="1">
+            <a:schemeClr val="accent2"/>
+          </a:lnRef>
+          <a:fillRef idx="2">
+            <a:schemeClr val="accent2"/>
+          </a:fillRef>
+          <a:effectRef idx="1">
+            <a:schemeClr val="accent2"/>
+          </a:effectRef>
+          <a:fontRef idx="minor">
+            <a:schemeClr val="dk1"/>
+          </a:fontRef>
+        </p:style>
+      </p:cxnSp>
+      <p:sp>
+        <p:nvSpPr>
+          <p:cNvPr id="67" name="Rectangle 8">
+            <a:extLst>
+              <a:ext uri="{FF2B5EF4-FFF2-40B4-BE49-F238E27FC236}">
+                <a16:creationId xmlns:a16="http://schemas.microsoft.com/office/drawing/2014/main" id="{36D68104-33BB-4C8F-B764-F3F0B25E592B}"/>
               </a:ext>
             </a:extLst>
           </p:cNvPr>
@@ -5305,8 +5277,8 @@
         </p:nvSpPr>
         <p:spPr>
           <a:xfrm>
-            <a:off x="7712397" y="2228817"/>
-            <a:ext cx="708186" cy="285783"/>
+            <a:off x="6898147" y="-19394"/>
+            <a:ext cx="1044000" cy="288000"/>
           </a:xfrm>
           <a:prstGeom prst="rect">
             <a:avLst/>
@@ -5353,26 +5325,2330 @@
           </a:p>
         </p:txBody>
       </p:sp>
+      <p:sp>
+        <p:nvSpPr>
+          <p:cNvPr id="68" name="TextBox 67">
+            <a:extLst>
+              <a:ext uri="{FF2B5EF4-FFF2-40B4-BE49-F238E27FC236}">
+                <a16:creationId xmlns:a16="http://schemas.microsoft.com/office/drawing/2014/main" id="{18A2ABF0-4DA8-43EE-BACE-A737C4E4CFEC}"/>
+              </a:ext>
+            </a:extLst>
+          </p:cNvPr>
+          <p:cNvSpPr txBox="1"/>
+          <p:nvPr/>
+        </p:nvSpPr>
+        <p:spPr>
+          <a:xfrm>
+            <a:off x="6656446" y="-8080"/>
+            <a:ext cx="189257" cy="178683"/>
+          </a:xfrm>
+          <a:prstGeom prst="rect">
+            <a:avLst/>
+          </a:prstGeom>
+          <a:noFill/>
+        </p:spPr>
+        <p:txBody>
+          <a:bodyPr wrap="square" lIns="0" tIns="0" rIns="0" bIns="0" rtlCol="0">
+            <a:noAutofit/>
+          </a:bodyPr>
+          <a:lstStyle/>
+          <a:p>
+            <a:pPr algn="ctr"/>
+            <a:r>
+              <a:rPr lang="en-US" sz="1100" dirty="0">
+                <a:solidFill>
+                  <a:srgbClr val="7030A0"/>
+                </a:solidFill>
+              </a:rPr>
+              <a:t>*</a:t>
+            </a:r>
+            <a:endParaRPr lang="en-SG" sz="1100" dirty="0">
+              <a:solidFill>
+                <a:srgbClr val="7030A0"/>
+              </a:solidFill>
+            </a:endParaRPr>
+          </a:p>
+        </p:txBody>
+      </p:sp>
+      <p:sp>
+        <p:nvSpPr>
+          <p:cNvPr id="69" name="TextBox 68">
+            <a:extLst>
+              <a:ext uri="{FF2B5EF4-FFF2-40B4-BE49-F238E27FC236}">
+                <a16:creationId xmlns:a16="http://schemas.microsoft.com/office/drawing/2014/main" id="{8CF9406A-39C7-4163-8880-BB65541FC08E}"/>
+              </a:ext>
+            </a:extLst>
+          </p:cNvPr>
+          <p:cNvSpPr txBox="1"/>
+          <p:nvPr/>
+        </p:nvSpPr>
+        <p:spPr>
+          <a:xfrm>
+            <a:off x="3552035" y="1421517"/>
+            <a:ext cx="189257" cy="178683"/>
+          </a:xfrm>
+          <a:prstGeom prst="rect">
+            <a:avLst/>
+          </a:prstGeom>
+          <a:noFill/>
+        </p:spPr>
+        <p:txBody>
+          <a:bodyPr wrap="square" lIns="0" tIns="0" rIns="0" bIns="0" rtlCol="0">
+            <a:noAutofit/>
+          </a:bodyPr>
+          <a:lstStyle/>
+          <a:p>
+            <a:pPr algn="ctr"/>
+            <a:endParaRPr lang="en-SG" sz="1100" dirty="0">
+              <a:solidFill>
+                <a:srgbClr val="7030A0"/>
+              </a:solidFill>
+            </a:endParaRPr>
+          </a:p>
+        </p:txBody>
+      </p:sp>
       <p:cxnSp>
         <p:nvCxnSpPr>
-          <p:cNvPr id="53" name="Elbow Connector 78">
+          <p:cNvPr id="90" name="Elbow Connector 63"/>
+          <p:cNvCxnSpPr>
+            <a:cxnSpLocks/>
+            <a:stCxn id="91" idx="3"/>
+            <a:endCxn id="46" idx="0"/>
+          </p:cNvCxnSpPr>
+          <p:nvPr/>
+        </p:nvCxnSpPr>
+        <p:spPr>
+          <a:xfrm rot="16200000" flipH="1">
+            <a:off x="2630109" y="1457490"/>
+            <a:ext cx="130151" cy="1"/>
+          </a:xfrm>
+          <a:prstGeom prst="bentConnector3">
+            <a:avLst>
+              <a:gd name="adj1" fmla="val 50000"/>
+            </a:avLst>
+          </a:prstGeom>
+          <a:ln w="19050">
+            <a:solidFill>
+              <a:srgbClr val="7030A0"/>
+            </a:solidFill>
+            <a:prstDash val="sysDot"/>
+            <a:headEnd type="none" w="med" len="med"/>
+            <a:tailEnd type="none" w="med" len="med"/>
+          </a:ln>
+          <a:effectLst/>
+        </p:spPr>
+        <p:style>
+          <a:lnRef idx="1">
+            <a:schemeClr val="accent2"/>
+          </a:lnRef>
+          <a:fillRef idx="2">
+            <a:schemeClr val="accent2"/>
+          </a:fillRef>
+          <a:effectRef idx="1">
+            <a:schemeClr val="accent2"/>
+          </a:effectRef>
+          <a:fontRef idx="minor">
+            <a:schemeClr val="dk1"/>
+          </a:fontRef>
+        </p:style>
+      </p:cxnSp>
+      <p:sp>
+        <p:nvSpPr>
+          <p:cNvPr id="91" name="Isosceles Triangle 102"/>
+          <p:cNvSpPr/>
+          <p:nvPr/>
+        </p:nvSpPr>
+        <p:spPr>
+          <a:xfrm rot="10800000" flipV="1">
+            <a:off x="2553991" y="1235354"/>
+            <a:ext cx="282387" cy="157062"/>
+          </a:xfrm>
+          <a:prstGeom prst="triangle">
+            <a:avLst/>
+          </a:prstGeom>
+          <a:ln w="19050">
+            <a:solidFill>
+              <a:srgbClr val="7030A0"/>
+            </a:solidFill>
+          </a:ln>
+          <a:effectLst/>
+        </p:spPr>
+        <p:style>
+          <a:lnRef idx="1">
+            <a:schemeClr val="accent4"/>
+          </a:lnRef>
+          <a:fillRef idx="2">
+            <a:schemeClr val="accent4"/>
+          </a:fillRef>
+          <a:effectRef idx="1">
+            <a:schemeClr val="accent4"/>
+          </a:effectRef>
+          <a:fontRef idx="minor">
+            <a:schemeClr val="dk1"/>
+          </a:fontRef>
+        </p:style>
+        <p:txBody>
+          <a:bodyPr rtlCol="0" anchor="ctr"/>
+          <a:lstStyle/>
+          <a:p>
+            <a:pPr algn="ctr"/>
+            <a:endParaRPr lang="en-SG" sz="1050" b="1">
+              <a:solidFill>
+                <a:srgbClr val="92D050"/>
+              </a:solidFill>
+            </a:endParaRPr>
+          </a:p>
+        </p:txBody>
+      </p:sp>
+      <p:sp>
+        <p:nvSpPr>
+          <p:cNvPr id="92" name="Rectangle 8"/>
+          <p:cNvSpPr/>
+          <p:nvPr/>
+        </p:nvSpPr>
+        <p:spPr>
+          <a:xfrm>
+            <a:off x="3703663" y="861672"/>
+            <a:ext cx="1601528" cy="364396"/>
+          </a:xfrm>
+          <a:prstGeom prst="rect">
+            <a:avLst/>
+          </a:prstGeom>
+          <a:ln w="19050">
+            <a:solidFill>
+              <a:srgbClr val="7030A0"/>
+            </a:solidFill>
+          </a:ln>
+          <a:effectLst/>
+        </p:spPr>
+        <p:style>
+          <a:lnRef idx="1">
+            <a:schemeClr val="accent4"/>
+          </a:lnRef>
+          <a:fillRef idx="2">
+            <a:schemeClr val="accent4"/>
+          </a:fillRef>
+          <a:effectRef idx="1">
+            <a:schemeClr val="accent4"/>
+          </a:effectRef>
+          <a:fontRef idx="minor">
+            <a:schemeClr val="dk1"/>
+          </a:fontRef>
+        </p:style>
+        <p:txBody>
+          <a:bodyPr rtlCol="0" anchor="ctr"/>
+          <a:lstStyle/>
+          <a:p>
+            <a:pPr algn="ctr"/>
+            <a:r>
+              <a:rPr lang="en-US" sz="1050" dirty="0">
+                <a:solidFill>
+                  <a:srgbClr val="7030A0"/>
+                </a:solidFill>
+              </a:rPr>
+              <a:t>&lt;&lt;interface&gt;&gt;</a:t>
+            </a:r>
+            <a:br>
+              <a:rPr lang="en-US" sz="1050" dirty="0">
+                <a:solidFill>
+                  <a:srgbClr val="7030A0"/>
+                </a:solidFill>
+              </a:rPr>
+            </a:br>
+            <a:r>
+              <a:rPr lang="en-US" sz="1050" dirty="0" err="1">
+                <a:solidFill>
+                  <a:srgbClr val="7030A0"/>
+                </a:solidFill>
+              </a:rPr>
+              <a:t>ReadOnlyAddressBook</a:t>
+            </a:r>
+            <a:endParaRPr lang="en-SG" sz="1050" dirty="0">
+              <a:solidFill>
+                <a:srgbClr val="7030A0"/>
+              </a:solidFill>
+            </a:endParaRPr>
+          </a:p>
+        </p:txBody>
+      </p:sp>
+      <p:sp>
+        <p:nvSpPr>
+          <p:cNvPr id="93" name="Rectangle 8"/>
+          <p:cNvSpPr/>
+          <p:nvPr/>
+        </p:nvSpPr>
+        <p:spPr>
+          <a:xfrm>
+            <a:off x="2164841" y="860015"/>
+            <a:ext cx="1060683" cy="364396"/>
+          </a:xfrm>
+          <a:prstGeom prst="rect">
+            <a:avLst/>
+          </a:prstGeom>
+          <a:ln w="19050">
+            <a:solidFill>
+              <a:srgbClr val="7030A0"/>
+            </a:solidFill>
+          </a:ln>
+          <a:effectLst/>
+        </p:spPr>
+        <p:style>
+          <a:lnRef idx="1">
+            <a:schemeClr val="accent4"/>
+          </a:lnRef>
+          <a:fillRef idx="2">
+            <a:schemeClr val="accent4"/>
+          </a:fillRef>
+          <a:effectRef idx="1">
+            <a:schemeClr val="accent4"/>
+          </a:effectRef>
+          <a:fontRef idx="minor">
+            <a:schemeClr val="dk1"/>
+          </a:fontRef>
+        </p:style>
+        <p:txBody>
+          <a:bodyPr rtlCol="0" anchor="ctr"/>
+          <a:lstStyle/>
+          <a:p>
+            <a:pPr algn="ctr"/>
+            <a:r>
+              <a:rPr lang="en-US" sz="1050" dirty="0" err="1">
+                <a:solidFill>
+                  <a:srgbClr val="7030A0"/>
+                </a:solidFill>
+              </a:rPr>
+              <a:t>AddressBook</a:t>
+            </a:r>
+            <a:endParaRPr lang="en-SG" sz="1050" dirty="0">
+              <a:solidFill>
+                <a:srgbClr val="7030A0"/>
+              </a:solidFill>
+            </a:endParaRPr>
+          </a:p>
+        </p:txBody>
+      </p:sp>
+      <p:sp>
+        <p:nvSpPr>
+          <p:cNvPr id="94" name="Isosceles Triangle 102"/>
+          <p:cNvSpPr/>
+          <p:nvPr/>
+        </p:nvSpPr>
+        <p:spPr>
+          <a:xfrm rot="5400000">
+            <a:off x="3462354" y="951527"/>
+            <a:ext cx="271014" cy="187417"/>
+          </a:xfrm>
+          <a:prstGeom prst="triangle">
+            <a:avLst>
+              <a:gd name="adj" fmla="val 44517"/>
+            </a:avLst>
+          </a:prstGeom>
+          <a:solidFill>
+            <a:schemeClr val="accent4">
+              <a:lumMod val="20000"/>
+              <a:lumOff val="80000"/>
+            </a:schemeClr>
+          </a:solidFill>
+          <a:ln w="19050">
+            <a:solidFill>
+              <a:srgbClr val="7030A0"/>
+            </a:solidFill>
+          </a:ln>
+          <a:effectLst/>
+        </p:spPr>
+        <p:style>
+          <a:lnRef idx="1">
+            <a:schemeClr val="accent6"/>
+          </a:lnRef>
+          <a:fillRef idx="2">
+            <a:schemeClr val="accent6"/>
+          </a:fillRef>
+          <a:effectRef idx="1">
+            <a:schemeClr val="accent6"/>
+          </a:effectRef>
+          <a:fontRef idx="minor">
+            <a:schemeClr val="dk1"/>
+          </a:fontRef>
+        </p:style>
+        <p:txBody>
+          <a:bodyPr rtlCol="0" anchor="ctr"/>
+          <a:lstStyle/>
+          <a:p>
+            <a:pPr algn="ctr"/>
+            <a:endParaRPr lang="en-SG" sz="1050"/>
+          </a:p>
+        </p:txBody>
+      </p:sp>
+      <p:cxnSp>
+        <p:nvCxnSpPr>
+          <p:cNvPr id="77" name="Elbow Connector 63">
             <a:extLst>
               <a:ext uri="{FF2B5EF4-FFF2-40B4-BE49-F238E27FC236}">
-                <a16:creationId xmlns:a16="http://schemas.microsoft.com/office/drawing/2014/main" id="{B97967F8-618A-448B-81FD-CDFD4AF0EC64}"/>
+                <a16:creationId xmlns:a16="http://schemas.microsoft.com/office/drawing/2014/main" id="{B6E71986-60C1-46EB-A313-83A56BEDB552}"/>
+              </a:ext>
+            </a:extLst>
+          </p:cNvPr>
+          <p:cNvCxnSpPr>
+            <a:cxnSpLocks/>
+            <a:stCxn id="135" idx="1"/>
+            <a:endCxn id="136" idx="3"/>
+          </p:cNvCxnSpPr>
+          <p:nvPr/>
+        </p:nvCxnSpPr>
+        <p:spPr>
+          <a:xfrm rot="10800000">
+            <a:off x="3222930" y="3317482"/>
+            <a:ext cx="478139" cy="1657"/>
+          </a:xfrm>
+          <a:prstGeom prst="bentConnector3">
+            <a:avLst>
+              <a:gd name="adj1" fmla="val 50000"/>
+            </a:avLst>
+          </a:prstGeom>
+          <a:ln w="19050">
+            <a:solidFill>
+              <a:srgbClr val="7030A0"/>
+            </a:solidFill>
+            <a:prstDash val="sysDot"/>
+            <a:headEnd type="none" w="med" len="med"/>
+            <a:tailEnd type="none" w="med" len="med"/>
+          </a:ln>
+          <a:effectLst/>
+        </p:spPr>
+        <p:style>
+          <a:lnRef idx="1">
+            <a:schemeClr val="accent2"/>
+          </a:lnRef>
+          <a:fillRef idx="2">
+            <a:schemeClr val="accent2"/>
+          </a:fillRef>
+          <a:effectRef idx="1">
+            <a:schemeClr val="accent2"/>
+          </a:effectRef>
+          <a:fontRef idx="minor">
+            <a:schemeClr val="dk1"/>
+          </a:fontRef>
+        </p:style>
+      </p:cxnSp>
+      <p:cxnSp>
+        <p:nvCxnSpPr>
+          <p:cNvPr id="82" name="Elbow Connector 106">
+            <a:extLst>
+              <a:ext uri="{FF2B5EF4-FFF2-40B4-BE49-F238E27FC236}">
+                <a16:creationId xmlns:a16="http://schemas.microsoft.com/office/drawing/2014/main" id="{40A4E3CB-19C7-48CD-8BBB-D52621960A2A}"/>
+              </a:ext>
+            </a:extLst>
+          </p:cNvPr>
+          <p:cNvCxnSpPr>
+            <a:cxnSpLocks/>
+          </p:cNvCxnSpPr>
+          <p:nvPr/>
+        </p:nvCxnSpPr>
+        <p:spPr>
+          <a:xfrm flipV="1">
+            <a:off x="1603904" y="4114800"/>
+            <a:ext cx="4252586" cy="143002"/>
+          </a:xfrm>
+          <a:prstGeom prst="bentConnector2">
+            <a:avLst/>
+          </a:prstGeom>
+          <a:ln w="19050">
+            <a:solidFill>
+              <a:srgbClr val="7030A0"/>
+            </a:solidFill>
+            <a:prstDash val="solid"/>
+            <a:headEnd type="none" w="med" len="med"/>
+            <a:tailEnd type="arrow" w="med" len="med"/>
+          </a:ln>
+          <a:effectLst/>
+        </p:spPr>
+        <p:style>
+          <a:lnRef idx="1">
+            <a:schemeClr val="accent2"/>
+          </a:lnRef>
+          <a:fillRef idx="2">
+            <a:schemeClr val="accent2"/>
+          </a:fillRef>
+          <a:effectRef idx="1">
+            <a:schemeClr val="accent2"/>
+          </a:effectRef>
+          <a:fontRef idx="minor">
+            <a:schemeClr val="dk1"/>
+          </a:fontRef>
+        </p:style>
+      </p:cxnSp>
+      <p:sp>
+        <p:nvSpPr>
+          <p:cNvPr id="87" name="Rectangle 8">
+            <a:extLst>
+              <a:ext uri="{FF2B5EF4-FFF2-40B4-BE49-F238E27FC236}">
+                <a16:creationId xmlns:a16="http://schemas.microsoft.com/office/drawing/2014/main" id="{DEBBE632-2C44-4D57-93E7-9AC56C62DA0F}"/>
+              </a:ext>
+            </a:extLst>
+          </p:cNvPr>
+          <p:cNvSpPr/>
+          <p:nvPr/>
+        </p:nvSpPr>
+        <p:spPr>
+          <a:xfrm>
+            <a:off x="1975126" y="3756441"/>
+            <a:ext cx="1447688" cy="346760"/>
+          </a:xfrm>
+          <a:prstGeom prst="rect">
+            <a:avLst/>
+          </a:prstGeom>
+          <a:ln w="19050">
+            <a:solidFill>
+              <a:srgbClr val="7030A0"/>
+            </a:solidFill>
+          </a:ln>
+          <a:effectLst/>
+        </p:spPr>
+        <p:style>
+          <a:lnRef idx="1">
+            <a:schemeClr val="accent4"/>
+          </a:lnRef>
+          <a:fillRef idx="2">
+            <a:schemeClr val="accent4"/>
+          </a:fillRef>
+          <a:effectRef idx="1">
+            <a:schemeClr val="accent4"/>
+          </a:effectRef>
+          <a:fontRef idx="minor">
+            <a:schemeClr val="dk1"/>
+          </a:fontRef>
+        </p:style>
+        <p:txBody>
+          <a:bodyPr rtlCol="0" anchor="ctr"/>
+          <a:lstStyle/>
+          <a:p>
+            <a:pPr algn="ctr"/>
+            <a:r>
+              <a:rPr lang="en-US" sz="1050" dirty="0" err="1">
+                <a:solidFill>
+                  <a:srgbClr val="7030A0"/>
+                </a:solidFill>
+              </a:rPr>
+              <a:t>VersionedScheduleList</a:t>
+            </a:r>
+            <a:endParaRPr lang="en-SG" sz="1050" dirty="0">
+              <a:solidFill>
+                <a:srgbClr val="7030A0"/>
+              </a:solidFill>
+            </a:endParaRPr>
+          </a:p>
+        </p:txBody>
+      </p:sp>
+      <p:cxnSp>
+        <p:nvCxnSpPr>
+          <p:cNvPr id="88" name="Straight Arrow Connector 87">
+            <a:extLst>
+              <a:ext uri="{FF2B5EF4-FFF2-40B4-BE49-F238E27FC236}">
+                <a16:creationId xmlns:a16="http://schemas.microsoft.com/office/drawing/2014/main" id="{A6FB440A-86D6-4A84-BA10-ADA80E6CE06D}"/>
+              </a:ext>
+            </a:extLst>
+          </p:cNvPr>
+          <p:cNvCxnSpPr>
+            <a:stCxn id="89" idx="3"/>
+            <a:endCxn id="87" idx="1"/>
+          </p:cNvCxnSpPr>
+          <p:nvPr/>
+        </p:nvCxnSpPr>
+        <p:spPr>
+          <a:xfrm>
+            <a:off x="1813080" y="3924563"/>
+            <a:ext cx="162046" cy="5258"/>
+          </a:xfrm>
+          <a:prstGeom prst="straightConnector1">
+            <a:avLst/>
+          </a:prstGeom>
+          <a:ln w="19050">
+            <a:solidFill>
+              <a:srgbClr val="7030A0"/>
+            </a:solidFill>
+            <a:headEnd type="none" w="med" len="med"/>
+            <a:tailEnd type="arrow" w="med" len="med"/>
+          </a:ln>
+          <a:effectLst/>
+        </p:spPr>
+        <p:style>
+          <a:lnRef idx="1">
+            <a:schemeClr val="accent2"/>
+          </a:lnRef>
+          <a:fillRef idx="2">
+            <a:schemeClr val="accent2"/>
+          </a:fillRef>
+          <a:effectRef idx="1">
+            <a:schemeClr val="accent2"/>
+          </a:effectRef>
+          <a:fontRef idx="minor">
+            <a:schemeClr val="dk1"/>
+          </a:fontRef>
+        </p:style>
+      </p:cxnSp>
+      <p:sp>
+        <p:nvSpPr>
+          <p:cNvPr id="89" name="Flowchart: Decision 96">
+            <a:extLst>
+              <a:ext uri="{FF2B5EF4-FFF2-40B4-BE49-F238E27FC236}">
+                <a16:creationId xmlns:a16="http://schemas.microsoft.com/office/drawing/2014/main" id="{4D668D17-4493-49A3-A704-54DA93FCC8A1}"/>
+              </a:ext>
+            </a:extLst>
+          </p:cNvPr>
+          <p:cNvSpPr/>
+          <p:nvPr/>
+        </p:nvSpPr>
+        <p:spPr>
+          <a:xfrm>
+            <a:off x="1577032" y="3837873"/>
+            <a:ext cx="236048" cy="173380"/>
+          </a:xfrm>
+          <a:prstGeom prst="flowChartDecision">
+            <a:avLst/>
+          </a:prstGeom>
+          <a:noFill/>
+          <a:ln w="19050">
+            <a:solidFill>
+              <a:srgbClr val="7030A0"/>
+            </a:solidFill>
+          </a:ln>
+          <a:effectLst/>
+        </p:spPr>
+        <p:style>
+          <a:lnRef idx="1">
+            <a:schemeClr val="accent6"/>
+          </a:lnRef>
+          <a:fillRef idx="2">
+            <a:schemeClr val="accent6"/>
+          </a:fillRef>
+          <a:effectRef idx="1">
+            <a:schemeClr val="accent6"/>
+          </a:effectRef>
+          <a:fontRef idx="minor">
+            <a:schemeClr val="dk1"/>
+          </a:fontRef>
+        </p:style>
+        <p:txBody>
+          <a:bodyPr rtlCol="0" anchor="ctr"/>
+          <a:lstStyle/>
+          <a:p>
+            <a:pPr algn="ctr"/>
+            <a:endParaRPr lang="en-US" sz="1050"/>
+          </a:p>
+        </p:txBody>
+      </p:sp>
+      <p:sp>
+        <p:nvSpPr>
+          <p:cNvPr id="96" name="Rectangle 8">
+            <a:extLst>
+              <a:ext uri="{FF2B5EF4-FFF2-40B4-BE49-F238E27FC236}">
+                <a16:creationId xmlns:a16="http://schemas.microsoft.com/office/drawing/2014/main" id="{91B3BD59-79AE-4AF3-970B-0CA1B6F5D865}"/>
+              </a:ext>
+            </a:extLst>
+          </p:cNvPr>
+          <p:cNvSpPr/>
+          <p:nvPr/>
+        </p:nvSpPr>
+        <p:spPr>
+          <a:xfrm>
+            <a:off x="3793402" y="3784964"/>
+            <a:ext cx="1314497" cy="346760"/>
+          </a:xfrm>
+          <a:prstGeom prst="rect">
+            <a:avLst/>
+          </a:prstGeom>
+          <a:ln w="19050">
+            <a:solidFill>
+              <a:srgbClr val="7030A0"/>
+            </a:solidFill>
+          </a:ln>
+          <a:effectLst/>
+        </p:spPr>
+        <p:style>
+          <a:lnRef idx="1">
+            <a:schemeClr val="accent4"/>
+          </a:lnRef>
+          <a:fillRef idx="2">
+            <a:schemeClr val="accent4"/>
+          </a:fillRef>
+          <a:effectRef idx="1">
+            <a:schemeClr val="accent4"/>
+          </a:effectRef>
+          <a:fontRef idx="minor">
+            <a:schemeClr val="dk1"/>
+          </a:fontRef>
+        </p:style>
+        <p:txBody>
+          <a:bodyPr rtlCol="0" anchor="ctr"/>
+          <a:lstStyle/>
+          <a:p>
+            <a:pPr algn="ctr"/>
+            <a:r>
+              <a:rPr lang="en-US" sz="1050" dirty="0" err="1">
+                <a:solidFill>
+                  <a:srgbClr val="7030A0"/>
+                </a:solidFill>
+              </a:rPr>
+              <a:t>UniqueScheduleList</a:t>
+            </a:r>
+            <a:endParaRPr lang="en-SG" sz="1050" dirty="0">
+              <a:solidFill>
+                <a:srgbClr val="7030A0"/>
+              </a:solidFill>
+            </a:endParaRPr>
+          </a:p>
+        </p:txBody>
+      </p:sp>
+      <p:sp>
+        <p:nvSpPr>
+          <p:cNvPr id="97" name="Flowchart: Decision 96">
+            <a:extLst>
+              <a:ext uri="{FF2B5EF4-FFF2-40B4-BE49-F238E27FC236}">
+                <a16:creationId xmlns:a16="http://schemas.microsoft.com/office/drawing/2014/main" id="{5F5A4EC8-CB87-40C2-8B10-4EB21D9DC552}"/>
+              </a:ext>
+            </a:extLst>
+          </p:cNvPr>
+          <p:cNvSpPr/>
+          <p:nvPr/>
+        </p:nvSpPr>
+        <p:spPr>
+          <a:xfrm>
+            <a:off x="3421966" y="3869731"/>
+            <a:ext cx="236048" cy="173380"/>
+          </a:xfrm>
+          <a:prstGeom prst="flowChartDecision">
+            <a:avLst/>
+          </a:prstGeom>
+          <a:solidFill>
+            <a:srgbClr val="7030A0"/>
+          </a:solidFill>
+          <a:ln w="19050">
+            <a:solidFill>
+              <a:srgbClr val="7030A0"/>
+            </a:solidFill>
+          </a:ln>
+          <a:effectLst/>
+        </p:spPr>
+        <p:style>
+          <a:lnRef idx="1">
+            <a:schemeClr val="accent6"/>
+          </a:lnRef>
+          <a:fillRef idx="2">
+            <a:schemeClr val="accent6"/>
+          </a:fillRef>
+          <a:effectRef idx="1">
+            <a:schemeClr val="accent6"/>
+          </a:effectRef>
+          <a:fontRef idx="minor">
+            <a:schemeClr val="dk1"/>
+          </a:fontRef>
+        </p:style>
+        <p:txBody>
+          <a:bodyPr rtlCol="0" anchor="ctr"/>
+          <a:lstStyle/>
+          <a:p>
+            <a:pPr algn="ctr"/>
+            <a:endParaRPr lang="en-US" sz="1050"/>
+          </a:p>
+        </p:txBody>
+      </p:sp>
+      <p:cxnSp>
+        <p:nvCxnSpPr>
+          <p:cNvPr id="98" name="Elbow Connector 29">
+            <a:extLst>
+              <a:ext uri="{FF2B5EF4-FFF2-40B4-BE49-F238E27FC236}">
+                <a16:creationId xmlns:a16="http://schemas.microsoft.com/office/drawing/2014/main" id="{4C758B85-BE79-4683-A181-E05B36759CAD}"/>
+              </a:ext>
+            </a:extLst>
+          </p:cNvPr>
+          <p:cNvCxnSpPr>
+            <a:cxnSpLocks/>
+            <a:stCxn id="97" idx="3"/>
+            <a:endCxn id="96" idx="1"/>
+          </p:cNvCxnSpPr>
+          <p:nvPr/>
+        </p:nvCxnSpPr>
+        <p:spPr>
+          <a:xfrm>
+            <a:off x="3658014" y="3956421"/>
+            <a:ext cx="135388" cy="1923"/>
+          </a:xfrm>
+          <a:prstGeom prst="bentConnector3">
+            <a:avLst/>
+          </a:prstGeom>
+          <a:ln w="19050">
+            <a:solidFill>
+              <a:srgbClr val="7030A0"/>
+            </a:solidFill>
+            <a:headEnd type="none" w="med" len="med"/>
+            <a:tailEnd type="arrow" w="med" len="med"/>
+          </a:ln>
+          <a:effectLst/>
+        </p:spPr>
+        <p:style>
+          <a:lnRef idx="1">
+            <a:schemeClr val="accent2"/>
+          </a:lnRef>
+          <a:fillRef idx="2">
+            <a:schemeClr val="accent2"/>
+          </a:fillRef>
+          <a:effectRef idx="1">
+            <a:schemeClr val="accent2"/>
+          </a:effectRef>
+          <a:fontRef idx="minor">
+            <a:schemeClr val="dk1"/>
+          </a:fontRef>
+        </p:style>
+      </p:cxnSp>
+      <p:sp>
+        <p:nvSpPr>
+          <p:cNvPr id="99" name="Rectangle 8">
+            <a:extLst>
+              <a:ext uri="{FF2B5EF4-FFF2-40B4-BE49-F238E27FC236}">
+                <a16:creationId xmlns:a16="http://schemas.microsoft.com/office/drawing/2014/main" id="{4F0E516F-6D96-43A3-8CCC-F1CB1151D068}"/>
+              </a:ext>
+            </a:extLst>
+          </p:cNvPr>
+          <p:cNvSpPr/>
+          <p:nvPr/>
+        </p:nvSpPr>
+        <p:spPr>
+          <a:xfrm>
+            <a:off x="5502397" y="3779596"/>
+            <a:ext cx="708186" cy="346760"/>
+          </a:xfrm>
+          <a:prstGeom prst="rect">
+            <a:avLst/>
+          </a:prstGeom>
+          <a:ln w="19050">
+            <a:solidFill>
+              <a:srgbClr val="7030A0"/>
+            </a:solidFill>
+          </a:ln>
+          <a:effectLst/>
+        </p:spPr>
+        <p:style>
+          <a:lnRef idx="1">
+            <a:schemeClr val="accent4"/>
+          </a:lnRef>
+          <a:fillRef idx="2">
+            <a:schemeClr val="accent4"/>
+          </a:fillRef>
+          <a:effectRef idx="1">
+            <a:schemeClr val="accent4"/>
+          </a:effectRef>
+          <a:fontRef idx="minor">
+            <a:schemeClr val="dk1"/>
+          </a:fontRef>
+        </p:style>
+        <p:txBody>
+          <a:bodyPr rtlCol="0" anchor="ctr"/>
+          <a:lstStyle/>
+          <a:p>
+            <a:pPr algn="ctr"/>
+            <a:r>
+              <a:rPr lang="en-US" sz="1050" dirty="0">
+                <a:solidFill>
+                  <a:srgbClr val="7030A0"/>
+                </a:solidFill>
+              </a:rPr>
+              <a:t>Schedule</a:t>
+            </a:r>
+            <a:endParaRPr lang="en-SG" sz="1050" dirty="0">
+              <a:solidFill>
+                <a:srgbClr val="7030A0"/>
+              </a:solidFill>
+            </a:endParaRPr>
+          </a:p>
+        </p:txBody>
+      </p:sp>
+      <p:sp>
+        <p:nvSpPr>
+          <p:cNvPr id="100" name="Flowchart: Decision 96">
+            <a:extLst>
+              <a:ext uri="{FF2B5EF4-FFF2-40B4-BE49-F238E27FC236}">
+                <a16:creationId xmlns:a16="http://schemas.microsoft.com/office/drawing/2014/main" id="{5854E950-3C0B-4DDC-A971-26FA27C7588D}"/>
+              </a:ext>
+            </a:extLst>
+          </p:cNvPr>
+          <p:cNvSpPr/>
+          <p:nvPr/>
+        </p:nvSpPr>
+        <p:spPr>
+          <a:xfrm>
+            <a:off x="5107180" y="3862595"/>
+            <a:ext cx="236048" cy="173380"/>
+          </a:xfrm>
+          <a:prstGeom prst="flowChartDecision">
+            <a:avLst/>
+          </a:prstGeom>
+          <a:noFill/>
+          <a:ln w="19050">
+            <a:solidFill>
+              <a:srgbClr val="7030A0"/>
+            </a:solidFill>
+          </a:ln>
+          <a:effectLst/>
+        </p:spPr>
+        <p:style>
+          <a:lnRef idx="1">
+            <a:schemeClr val="accent6"/>
+          </a:lnRef>
+          <a:fillRef idx="2">
+            <a:schemeClr val="accent6"/>
+          </a:fillRef>
+          <a:effectRef idx="1">
+            <a:schemeClr val="accent6"/>
+          </a:effectRef>
+          <a:fontRef idx="minor">
+            <a:schemeClr val="dk1"/>
+          </a:fontRef>
+        </p:style>
+        <p:txBody>
+          <a:bodyPr rtlCol="0" anchor="ctr"/>
+          <a:lstStyle/>
+          <a:p>
+            <a:pPr algn="ctr"/>
+            <a:endParaRPr lang="en-US" sz="1050"/>
+          </a:p>
+        </p:txBody>
+      </p:sp>
+      <p:cxnSp>
+        <p:nvCxnSpPr>
+          <p:cNvPr id="101" name="Elbow Connector 63">
+            <a:extLst>
+              <a:ext uri="{FF2B5EF4-FFF2-40B4-BE49-F238E27FC236}">
+                <a16:creationId xmlns:a16="http://schemas.microsoft.com/office/drawing/2014/main" id="{6F4A44BA-86D2-4078-AE98-91FF156CA049}"/>
+              </a:ext>
+            </a:extLst>
+          </p:cNvPr>
+          <p:cNvCxnSpPr>
+            <a:cxnSpLocks/>
+            <a:stCxn id="100" idx="3"/>
+            <a:endCxn id="99" idx="1"/>
+          </p:cNvCxnSpPr>
+          <p:nvPr/>
+        </p:nvCxnSpPr>
+        <p:spPr>
+          <a:xfrm>
+            <a:off x="5343228" y="3949285"/>
+            <a:ext cx="159169" cy="3691"/>
+          </a:xfrm>
+          <a:prstGeom prst="bentConnector3">
+            <a:avLst/>
+          </a:prstGeom>
+          <a:ln w="19050">
+            <a:solidFill>
+              <a:srgbClr val="7030A0"/>
+            </a:solidFill>
+            <a:headEnd type="none" w="med" len="med"/>
+            <a:tailEnd type="arrow" w="med" len="med"/>
+          </a:ln>
+          <a:effectLst/>
+        </p:spPr>
+        <p:style>
+          <a:lnRef idx="1">
+            <a:schemeClr val="accent2"/>
+          </a:lnRef>
+          <a:fillRef idx="2">
+            <a:schemeClr val="accent2"/>
+          </a:fillRef>
+          <a:effectRef idx="1">
+            <a:schemeClr val="accent2"/>
+          </a:effectRef>
+          <a:fontRef idx="minor">
+            <a:schemeClr val="dk1"/>
+          </a:fontRef>
+        </p:style>
+      </p:cxnSp>
+      <p:sp>
+        <p:nvSpPr>
+          <p:cNvPr id="103" name="Flowchart: Decision 96">
+            <a:extLst>
+              <a:ext uri="{FF2B5EF4-FFF2-40B4-BE49-F238E27FC236}">
+                <a16:creationId xmlns:a16="http://schemas.microsoft.com/office/drawing/2014/main" id="{54DA4859-6006-485B-9A46-A95CF8FA0DFD}"/>
+              </a:ext>
+            </a:extLst>
+          </p:cNvPr>
+          <p:cNvSpPr/>
+          <p:nvPr/>
+        </p:nvSpPr>
+        <p:spPr>
+          <a:xfrm>
+            <a:off x="6230667" y="3869731"/>
+            <a:ext cx="236048" cy="173380"/>
+          </a:xfrm>
+          <a:prstGeom prst="flowChartDecision">
+            <a:avLst/>
+          </a:prstGeom>
+          <a:solidFill>
+            <a:srgbClr val="7030A0"/>
+          </a:solidFill>
+          <a:ln w="19050">
+            <a:solidFill>
+              <a:srgbClr val="7030A0"/>
+            </a:solidFill>
+          </a:ln>
+          <a:effectLst/>
+        </p:spPr>
+        <p:style>
+          <a:lnRef idx="1">
+            <a:schemeClr val="accent6"/>
+          </a:lnRef>
+          <a:fillRef idx="2">
+            <a:schemeClr val="accent6"/>
+          </a:fillRef>
+          <a:effectRef idx="1">
+            <a:schemeClr val="accent6"/>
+          </a:effectRef>
+          <a:fontRef idx="minor">
+            <a:schemeClr val="dk1"/>
+          </a:fontRef>
+        </p:style>
+        <p:txBody>
+          <a:bodyPr rtlCol="0" anchor="ctr"/>
+          <a:lstStyle/>
+          <a:p>
+            <a:pPr algn="ctr"/>
+            <a:endParaRPr lang="en-US" sz="1050"/>
+          </a:p>
+        </p:txBody>
+      </p:sp>
+      <p:cxnSp>
+        <p:nvCxnSpPr>
+          <p:cNvPr id="104" name="Elbow Connector 78">
+            <a:extLst>
+              <a:ext uri="{FF2B5EF4-FFF2-40B4-BE49-F238E27FC236}">
+                <a16:creationId xmlns:a16="http://schemas.microsoft.com/office/drawing/2014/main" id="{3DB2C880-EB9E-4EEB-90D1-81323E405FF0}"/>
+              </a:ext>
+            </a:extLst>
+          </p:cNvPr>
+          <p:cNvCxnSpPr>
+            <a:cxnSpLocks/>
+            <a:stCxn id="103" idx="3"/>
+            <a:endCxn id="143" idx="1"/>
+          </p:cNvCxnSpPr>
+          <p:nvPr/>
+        </p:nvCxnSpPr>
+        <p:spPr>
+          <a:xfrm flipV="1">
+            <a:off x="6466715" y="3313619"/>
+            <a:ext cx="424984" cy="642802"/>
+          </a:xfrm>
+          <a:prstGeom prst="bentConnector3">
+            <a:avLst>
+              <a:gd name="adj1" fmla="val 29829"/>
+            </a:avLst>
+          </a:prstGeom>
+          <a:ln w="19050">
+            <a:solidFill>
+              <a:srgbClr val="7030A0"/>
+            </a:solidFill>
+            <a:headEnd type="none" w="med" len="med"/>
+            <a:tailEnd type="arrow" w="med" len="med"/>
+          </a:ln>
+          <a:effectLst/>
+        </p:spPr>
+        <p:style>
+          <a:lnRef idx="1">
+            <a:schemeClr val="accent2"/>
+          </a:lnRef>
+          <a:fillRef idx="2">
+            <a:schemeClr val="accent2"/>
+          </a:fillRef>
+          <a:effectRef idx="1">
+            <a:schemeClr val="accent2"/>
+          </a:effectRef>
+          <a:fontRef idx="minor">
+            <a:schemeClr val="dk1"/>
+          </a:fontRef>
+        </p:style>
+      </p:cxnSp>
+      <p:sp>
+        <p:nvSpPr>
+          <p:cNvPr id="105" name="Rectangle 8">
+            <a:extLst>
+              <a:ext uri="{FF2B5EF4-FFF2-40B4-BE49-F238E27FC236}">
+                <a16:creationId xmlns:a16="http://schemas.microsoft.com/office/drawing/2014/main" id="{3F95DD97-02BA-4C37-8C75-D691E3D7FA3C}"/>
+              </a:ext>
+            </a:extLst>
+          </p:cNvPr>
+          <p:cNvSpPr/>
+          <p:nvPr/>
+        </p:nvSpPr>
+        <p:spPr>
+          <a:xfrm>
+            <a:off x="6903502" y="3493812"/>
+            <a:ext cx="1044000" cy="288000"/>
+          </a:xfrm>
+          <a:prstGeom prst="rect">
+            <a:avLst/>
+          </a:prstGeom>
+          <a:ln w="19050">
+            <a:solidFill>
+              <a:srgbClr val="7030A0"/>
+            </a:solidFill>
+          </a:ln>
+          <a:effectLst/>
+        </p:spPr>
+        <p:style>
+          <a:lnRef idx="1">
+            <a:schemeClr val="accent4"/>
+          </a:lnRef>
+          <a:fillRef idx="2">
+            <a:schemeClr val="accent4"/>
+          </a:fillRef>
+          <a:effectRef idx="1">
+            <a:schemeClr val="accent4"/>
+          </a:effectRef>
+          <a:fontRef idx="minor">
+            <a:schemeClr val="dk1"/>
+          </a:fontRef>
+        </p:style>
+        <p:txBody>
+          <a:bodyPr rtlCol="0" anchor="ctr"/>
+          <a:lstStyle/>
+          <a:p>
+            <a:pPr algn="ctr"/>
+            <a:r>
+              <a:rPr lang="en-US" sz="1050" dirty="0">
+                <a:solidFill>
+                  <a:srgbClr val="7030A0"/>
+                </a:solidFill>
+              </a:rPr>
+              <a:t>Date</a:t>
+            </a:r>
+            <a:endParaRPr lang="en-SG" sz="1050" dirty="0">
+              <a:solidFill>
+                <a:srgbClr val="7030A0"/>
+              </a:solidFill>
+            </a:endParaRPr>
+          </a:p>
+        </p:txBody>
+      </p:sp>
+      <p:cxnSp>
+        <p:nvCxnSpPr>
+          <p:cNvPr id="106" name="Elbow Connector 80">
+            <a:extLst>
+              <a:ext uri="{FF2B5EF4-FFF2-40B4-BE49-F238E27FC236}">
+                <a16:creationId xmlns:a16="http://schemas.microsoft.com/office/drawing/2014/main" id="{CEF11BE8-A81E-47CE-BBF0-53FAF17A5809}"/>
+              </a:ext>
+            </a:extLst>
+          </p:cNvPr>
+          <p:cNvCxnSpPr>
+            <a:cxnSpLocks/>
+            <a:stCxn id="103" idx="3"/>
+            <a:endCxn id="105" idx="1"/>
+          </p:cNvCxnSpPr>
+          <p:nvPr/>
+        </p:nvCxnSpPr>
+        <p:spPr>
+          <a:xfrm flipV="1">
+            <a:off x="6466715" y="3637812"/>
+            <a:ext cx="436787" cy="318609"/>
+          </a:xfrm>
+          <a:prstGeom prst="bentConnector3">
+            <a:avLst/>
+          </a:prstGeom>
+          <a:ln w="19050">
+            <a:solidFill>
+              <a:srgbClr val="7030A0"/>
+            </a:solidFill>
+            <a:headEnd type="none" w="med" len="med"/>
+            <a:tailEnd type="arrow" w="med" len="med"/>
+          </a:ln>
+          <a:effectLst/>
+        </p:spPr>
+        <p:style>
+          <a:lnRef idx="1">
+            <a:schemeClr val="accent2"/>
+          </a:lnRef>
+          <a:fillRef idx="2">
+            <a:schemeClr val="accent2"/>
+          </a:fillRef>
+          <a:effectRef idx="1">
+            <a:schemeClr val="accent2"/>
+          </a:effectRef>
+          <a:fontRef idx="minor">
+            <a:schemeClr val="dk1"/>
+          </a:fontRef>
+        </p:style>
+      </p:cxnSp>
+      <p:sp>
+        <p:nvSpPr>
+          <p:cNvPr id="108" name="Rectangle 8">
+            <a:extLst>
+              <a:ext uri="{FF2B5EF4-FFF2-40B4-BE49-F238E27FC236}">
+                <a16:creationId xmlns:a16="http://schemas.microsoft.com/office/drawing/2014/main" id="{08576885-5BCD-480D-93A2-090B31520505}"/>
+              </a:ext>
+            </a:extLst>
+          </p:cNvPr>
+          <p:cNvSpPr/>
+          <p:nvPr/>
+        </p:nvSpPr>
+        <p:spPr>
+          <a:xfrm>
+            <a:off x="6903502" y="3816790"/>
+            <a:ext cx="1044000" cy="288000"/>
+          </a:xfrm>
+          <a:prstGeom prst="rect">
+            <a:avLst/>
+          </a:prstGeom>
+          <a:ln w="19050">
+            <a:solidFill>
+              <a:srgbClr val="7030A0"/>
+            </a:solidFill>
+          </a:ln>
+          <a:effectLst/>
+        </p:spPr>
+        <p:style>
+          <a:lnRef idx="1">
+            <a:schemeClr val="accent4"/>
+          </a:lnRef>
+          <a:fillRef idx="2">
+            <a:schemeClr val="accent4"/>
+          </a:fillRef>
+          <a:effectRef idx="1">
+            <a:schemeClr val="accent4"/>
+          </a:effectRef>
+          <a:fontRef idx="minor">
+            <a:schemeClr val="dk1"/>
+          </a:fontRef>
+        </p:style>
+        <p:txBody>
+          <a:bodyPr rtlCol="0" anchor="ctr"/>
+          <a:lstStyle/>
+          <a:p>
+            <a:pPr algn="ctr"/>
+            <a:r>
+              <a:rPr lang="en-US" sz="1050" dirty="0">
+                <a:solidFill>
+                  <a:srgbClr val="7030A0"/>
+                </a:solidFill>
+              </a:rPr>
+              <a:t>Type</a:t>
+            </a:r>
+            <a:endParaRPr lang="en-SG" sz="1050" dirty="0">
+              <a:solidFill>
+                <a:srgbClr val="7030A0"/>
+              </a:solidFill>
+            </a:endParaRPr>
+          </a:p>
+        </p:txBody>
+      </p:sp>
+      <p:cxnSp>
+        <p:nvCxnSpPr>
+          <p:cNvPr id="109" name="Elbow Connector 83">
+            <a:extLst>
+              <a:ext uri="{FF2B5EF4-FFF2-40B4-BE49-F238E27FC236}">
+                <a16:creationId xmlns:a16="http://schemas.microsoft.com/office/drawing/2014/main" id="{4778DA34-DEEE-4C35-837D-C1312E0D28AF}"/>
+              </a:ext>
+            </a:extLst>
+          </p:cNvPr>
+          <p:cNvCxnSpPr>
+            <a:cxnSpLocks/>
+            <a:stCxn id="103" idx="3"/>
+            <a:endCxn id="108" idx="1"/>
+          </p:cNvCxnSpPr>
+          <p:nvPr/>
+        </p:nvCxnSpPr>
+        <p:spPr>
+          <a:xfrm>
+            <a:off x="6466715" y="3956421"/>
+            <a:ext cx="436787" cy="4369"/>
+          </a:xfrm>
+          <a:prstGeom prst="bentConnector3">
+            <a:avLst/>
+          </a:prstGeom>
+          <a:ln w="19050">
+            <a:solidFill>
+              <a:srgbClr val="7030A0"/>
+            </a:solidFill>
+            <a:headEnd type="none" w="med" len="med"/>
+            <a:tailEnd type="arrow" w="med" len="med"/>
+          </a:ln>
+          <a:effectLst/>
+        </p:spPr>
+        <p:style>
+          <a:lnRef idx="1">
+            <a:schemeClr val="accent2"/>
+          </a:lnRef>
+          <a:fillRef idx="2">
+            <a:schemeClr val="accent2"/>
+          </a:fillRef>
+          <a:effectRef idx="1">
+            <a:schemeClr val="accent2"/>
+          </a:effectRef>
+          <a:fontRef idx="minor">
+            <a:schemeClr val="dk1"/>
+          </a:fontRef>
+        </p:style>
+      </p:cxnSp>
+      <p:sp>
+        <p:nvSpPr>
+          <p:cNvPr id="110" name="Rectangle 8">
+            <a:extLst>
+              <a:ext uri="{FF2B5EF4-FFF2-40B4-BE49-F238E27FC236}">
+                <a16:creationId xmlns:a16="http://schemas.microsoft.com/office/drawing/2014/main" id="{B71D438E-8804-407C-97EF-F98EF01CB009}"/>
+              </a:ext>
+            </a:extLst>
+          </p:cNvPr>
+          <p:cNvSpPr/>
+          <p:nvPr/>
+        </p:nvSpPr>
+        <p:spPr>
+          <a:xfrm>
+            <a:off x="6903502" y="4139767"/>
+            <a:ext cx="1044000" cy="288000"/>
+          </a:xfrm>
+          <a:prstGeom prst="rect">
+            <a:avLst/>
+          </a:prstGeom>
+          <a:ln w="19050">
+            <a:solidFill>
+              <a:srgbClr val="7030A0"/>
+            </a:solidFill>
+          </a:ln>
+          <a:effectLst/>
+        </p:spPr>
+        <p:style>
+          <a:lnRef idx="1">
+            <a:schemeClr val="accent4"/>
+          </a:lnRef>
+          <a:fillRef idx="2">
+            <a:schemeClr val="accent4"/>
+          </a:fillRef>
+          <a:effectRef idx="1">
+            <a:schemeClr val="accent4"/>
+          </a:effectRef>
+          <a:fontRef idx="minor">
+            <a:schemeClr val="dk1"/>
+          </a:fontRef>
+        </p:style>
+        <p:txBody>
+          <a:bodyPr rtlCol="0" anchor="ctr"/>
+          <a:lstStyle/>
+          <a:p>
+            <a:pPr algn="ctr"/>
+            <a:r>
+              <a:rPr lang="en-US" sz="1050" dirty="0">
+                <a:solidFill>
+                  <a:srgbClr val="7030A0"/>
+                </a:solidFill>
+              </a:rPr>
+              <a:t>Year</a:t>
+            </a:r>
+            <a:endParaRPr lang="en-SG" sz="1050" dirty="0">
+              <a:solidFill>
+                <a:srgbClr val="7030A0"/>
+              </a:solidFill>
+            </a:endParaRPr>
+          </a:p>
+        </p:txBody>
+      </p:sp>
+      <p:cxnSp>
+        <p:nvCxnSpPr>
+          <p:cNvPr id="111" name="Elbow Connector 85">
+            <a:extLst>
+              <a:ext uri="{FF2B5EF4-FFF2-40B4-BE49-F238E27FC236}">
+                <a16:creationId xmlns:a16="http://schemas.microsoft.com/office/drawing/2014/main" id="{48BCF08B-111F-4BE1-B6D5-320A24869B03}"/>
+              </a:ext>
+            </a:extLst>
+          </p:cNvPr>
+          <p:cNvCxnSpPr>
+            <a:cxnSpLocks/>
+            <a:stCxn id="103" idx="3"/>
+            <a:endCxn id="110" idx="1"/>
+          </p:cNvCxnSpPr>
+          <p:nvPr/>
+        </p:nvCxnSpPr>
+        <p:spPr>
+          <a:xfrm>
+            <a:off x="6466715" y="3956421"/>
+            <a:ext cx="436787" cy="327346"/>
+          </a:xfrm>
+          <a:prstGeom prst="bentConnector3">
+            <a:avLst/>
+          </a:prstGeom>
+          <a:ln w="19050">
+            <a:solidFill>
+              <a:srgbClr val="7030A0"/>
+            </a:solidFill>
+            <a:headEnd type="none" w="med" len="med"/>
+            <a:tailEnd type="arrow" w="med" len="med"/>
+          </a:ln>
+          <a:effectLst/>
+        </p:spPr>
+        <p:style>
+          <a:lnRef idx="1">
+            <a:schemeClr val="accent2"/>
+          </a:lnRef>
+          <a:fillRef idx="2">
+            <a:schemeClr val="accent2"/>
+          </a:fillRef>
+          <a:effectRef idx="1">
+            <a:schemeClr val="accent2"/>
+          </a:effectRef>
+          <a:fontRef idx="minor">
+            <a:schemeClr val="dk1"/>
+          </a:fontRef>
+        </p:style>
+      </p:cxnSp>
+      <p:sp>
+        <p:nvSpPr>
+          <p:cNvPr id="112" name="TextBox 111">
+            <a:extLst>
+              <a:ext uri="{FF2B5EF4-FFF2-40B4-BE49-F238E27FC236}">
+                <a16:creationId xmlns:a16="http://schemas.microsoft.com/office/drawing/2014/main" id="{54C2F2C4-883E-46ED-8B52-0850B57F3444}"/>
+              </a:ext>
+            </a:extLst>
+          </p:cNvPr>
+          <p:cNvSpPr txBox="1"/>
+          <p:nvPr/>
+        </p:nvSpPr>
+        <p:spPr>
+          <a:xfrm>
+            <a:off x="5070131" y="4204237"/>
+            <a:ext cx="881018" cy="261610"/>
+          </a:xfrm>
+          <a:prstGeom prst="rect">
+            <a:avLst/>
+          </a:prstGeom>
+          <a:noFill/>
+        </p:spPr>
+        <p:txBody>
+          <a:bodyPr wrap="square" rtlCol="0">
+            <a:spAutoFit/>
+          </a:bodyPr>
+          <a:lstStyle/>
+          <a:p>
+            <a:pPr algn="r"/>
+            <a:r>
+              <a:rPr lang="en-US" sz="1100" dirty="0">
+                <a:solidFill>
+                  <a:srgbClr val="7030A0"/>
+                </a:solidFill>
+              </a:rPr>
+              <a:t>filtered list</a:t>
+            </a:r>
+            <a:endParaRPr lang="en-SG" sz="1100" dirty="0">
+              <a:solidFill>
+                <a:srgbClr val="7030A0"/>
+              </a:solidFill>
+            </a:endParaRPr>
+          </a:p>
+        </p:txBody>
+      </p:sp>
+      <p:sp>
+        <p:nvSpPr>
+          <p:cNvPr id="113" name="TextBox 112">
+            <a:extLst>
+              <a:ext uri="{FF2B5EF4-FFF2-40B4-BE49-F238E27FC236}">
+                <a16:creationId xmlns:a16="http://schemas.microsoft.com/office/drawing/2014/main" id="{40978944-7137-4D8D-8273-6720D3E3DA86}"/>
+              </a:ext>
+            </a:extLst>
+          </p:cNvPr>
+          <p:cNvSpPr txBox="1"/>
+          <p:nvPr/>
+        </p:nvSpPr>
+        <p:spPr>
+          <a:xfrm>
+            <a:off x="3513692" y="3980394"/>
+            <a:ext cx="189257" cy="178683"/>
+          </a:xfrm>
+          <a:prstGeom prst="rect">
+            <a:avLst/>
+          </a:prstGeom>
+          <a:noFill/>
+        </p:spPr>
+        <p:txBody>
+          <a:bodyPr wrap="square" lIns="0" tIns="0" rIns="0" bIns="0" rtlCol="0">
+            <a:noAutofit/>
+          </a:bodyPr>
+          <a:lstStyle/>
+          <a:p>
+            <a:pPr algn="ctr"/>
+            <a:r>
+              <a:rPr lang="en-US" sz="1100" dirty="0">
+                <a:solidFill>
+                  <a:srgbClr val="7030A0"/>
+                </a:solidFill>
+              </a:rPr>
+              <a:t>1</a:t>
+            </a:r>
+            <a:endParaRPr lang="en-SG" sz="1100" dirty="0">
+              <a:solidFill>
+                <a:srgbClr val="7030A0"/>
+              </a:solidFill>
+            </a:endParaRPr>
+          </a:p>
+        </p:txBody>
+      </p:sp>
+      <p:sp>
+        <p:nvSpPr>
+          <p:cNvPr id="115" name="TextBox 114">
+            <a:extLst>
+              <a:ext uri="{FF2B5EF4-FFF2-40B4-BE49-F238E27FC236}">
+                <a16:creationId xmlns:a16="http://schemas.microsoft.com/office/drawing/2014/main" id="{4B877EBE-3A5A-4A62-BF9C-6BE929B022E9}"/>
+              </a:ext>
+            </a:extLst>
+          </p:cNvPr>
+          <p:cNvSpPr txBox="1"/>
+          <p:nvPr/>
+        </p:nvSpPr>
+        <p:spPr>
+          <a:xfrm>
+            <a:off x="5323976" y="4019447"/>
+            <a:ext cx="189257" cy="178683"/>
+          </a:xfrm>
+          <a:prstGeom prst="rect">
+            <a:avLst/>
+          </a:prstGeom>
+          <a:noFill/>
+        </p:spPr>
+        <p:txBody>
+          <a:bodyPr wrap="square" lIns="0" tIns="0" rIns="0" bIns="0" rtlCol="0">
+            <a:noAutofit/>
+          </a:bodyPr>
+          <a:lstStyle/>
+          <a:p>
+            <a:pPr algn="ctr"/>
+            <a:r>
+              <a:rPr lang="en-US" sz="1100" dirty="0">
+                <a:solidFill>
+                  <a:srgbClr val="7030A0"/>
+                </a:solidFill>
+              </a:rPr>
+              <a:t>*</a:t>
+            </a:r>
+            <a:endParaRPr lang="en-SG" sz="1100" dirty="0">
+              <a:solidFill>
+                <a:srgbClr val="7030A0"/>
+              </a:solidFill>
+            </a:endParaRPr>
+          </a:p>
+        </p:txBody>
+      </p:sp>
+      <p:sp>
+        <p:nvSpPr>
+          <p:cNvPr id="116" name="TextBox 115">
+            <a:extLst>
+              <a:ext uri="{FF2B5EF4-FFF2-40B4-BE49-F238E27FC236}">
+                <a16:creationId xmlns:a16="http://schemas.microsoft.com/office/drawing/2014/main" id="{E8FF18EB-DFF6-4D9E-8745-0DD52424808D}"/>
+              </a:ext>
+            </a:extLst>
+          </p:cNvPr>
+          <p:cNvSpPr txBox="1"/>
+          <p:nvPr/>
+        </p:nvSpPr>
+        <p:spPr>
+          <a:xfrm>
+            <a:off x="1748887" y="3675348"/>
+            <a:ext cx="78378" cy="193767"/>
+          </a:xfrm>
+          <a:prstGeom prst="rect">
+            <a:avLst/>
+          </a:prstGeom>
+          <a:noFill/>
+        </p:spPr>
+        <p:txBody>
+          <a:bodyPr wrap="square" lIns="0" tIns="0" rIns="0" bIns="0" rtlCol="0">
+            <a:noAutofit/>
+          </a:bodyPr>
+          <a:lstStyle/>
+          <a:p>
+            <a:pPr algn="ctr"/>
+            <a:r>
+              <a:rPr lang="en-US" sz="1100" dirty="0">
+                <a:solidFill>
+                  <a:srgbClr val="7030A0"/>
+                </a:solidFill>
+              </a:rPr>
+              <a:t>1</a:t>
+            </a:r>
+            <a:endParaRPr lang="en-SG" sz="1100" dirty="0">
+              <a:solidFill>
+                <a:srgbClr val="7030A0"/>
+              </a:solidFill>
+            </a:endParaRPr>
+          </a:p>
+        </p:txBody>
+      </p:sp>
+      <p:sp>
+        <p:nvSpPr>
+          <p:cNvPr id="117" name="TextBox 116">
+            <a:extLst>
+              <a:ext uri="{FF2B5EF4-FFF2-40B4-BE49-F238E27FC236}">
+                <a16:creationId xmlns:a16="http://schemas.microsoft.com/office/drawing/2014/main" id="{9CE3FE12-FE4D-4617-AD92-AEC1DC7A97D0}"/>
+              </a:ext>
+            </a:extLst>
+          </p:cNvPr>
+          <p:cNvSpPr txBox="1"/>
+          <p:nvPr/>
+        </p:nvSpPr>
+        <p:spPr>
+          <a:xfrm>
+            <a:off x="5638616" y="4126356"/>
+            <a:ext cx="189257" cy="178683"/>
+          </a:xfrm>
+          <a:prstGeom prst="rect">
+            <a:avLst/>
+          </a:prstGeom>
+          <a:noFill/>
+        </p:spPr>
+        <p:txBody>
+          <a:bodyPr wrap="square" lIns="0" tIns="0" rIns="0" bIns="0" rtlCol="0">
+            <a:noAutofit/>
+          </a:bodyPr>
+          <a:lstStyle/>
+          <a:p>
+            <a:pPr algn="ctr"/>
+            <a:r>
+              <a:rPr lang="en-US" sz="1100" dirty="0">
+                <a:solidFill>
+                  <a:srgbClr val="7030A0"/>
+                </a:solidFill>
+              </a:rPr>
+              <a:t>1</a:t>
+            </a:r>
+            <a:endParaRPr lang="en-SG" sz="1100" dirty="0">
+              <a:solidFill>
+                <a:srgbClr val="7030A0"/>
+              </a:solidFill>
+            </a:endParaRPr>
+          </a:p>
+        </p:txBody>
+      </p:sp>
+      <p:sp>
+        <p:nvSpPr>
+          <p:cNvPr id="125" name="TextBox 124">
+            <a:extLst>
+              <a:ext uri="{FF2B5EF4-FFF2-40B4-BE49-F238E27FC236}">
+                <a16:creationId xmlns:a16="http://schemas.microsoft.com/office/drawing/2014/main" id="{2C13A69F-A973-430C-A4DA-BE5B50304EEB}"/>
+              </a:ext>
+            </a:extLst>
+          </p:cNvPr>
+          <p:cNvSpPr txBox="1"/>
+          <p:nvPr/>
+        </p:nvSpPr>
+        <p:spPr>
+          <a:xfrm>
+            <a:off x="5838361" y="3429000"/>
+            <a:ext cx="189257" cy="178683"/>
+          </a:xfrm>
+          <a:prstGeom prst="rect">
+            <a:avLst/>
+          </a:prstGeom>
+          <a:noFill/>
+        </p:spPr>
+        <p:txBody>
+          <a:bodyPr wrap="square" lIns="0" tIns="0" rIns="0" bIns="0" rtlCol="0">
+            <a:noAutofit/>
+          </a:bodyPr>
+          <a:lstStyle/>
+          <a:p>
+            <a:pPr algn="ctr"/>
+            <a:endParaRPr lang="en-SG" sz="1100" dirty="0">
+              <a:solidFill>
+                <a:srgbClr val="7030A0"/>
+              </a:solidFill>
+            </a:endParaRPr>
+          </a:p>
+        </p:txBody>
+      </p:sp>
+      <p:cxnSp>
+        <p:nvCxnSpPr>
+          <p:cNvPr id="133" name="Elbow Connector 63">
+            <a:extLst>
+              <a:ext uri="{FF2B5EF4-FFF2-40B4-BE49-F238E27FC236}">
+                <a16:creationId xmlns:a16="http://schemas.microsoft.com/office/drawing/2014/main" id="{DE4A8D35-ADA0-479F-9673-E2C43892D3B4}"/>
+              </a:ext>
+            </a:extLst>
+          </p:cNvPr>
+          <p:cNvCxnSpPr>
+            <a:cxnSpLocks/>
+            <a:endCxn id="87" idx="0"/>
+          </p:cNvCxnSpPr>
+          <p:nvPr/>
+        </p:nvCxnSpPr>
+        <p:spPr>
+          <a:xfrm rot="16200000" flipH="1">
+            <a:off x="2542791" y="3600262"/>
+            <a:ext cx="312356" cy="1"/>
+          </a:xfrm>
+          <a:prstGeom prst="bentConnector3">
+            <a:avLst>
+              <a:gd name="adj1" fmla="val 50000"/>
+            </a:avLst>
+          </a:prstGeom>
+          <a:ln w="19050">
+            <a:solidFill>
+              <a:srgbClr val="7030A0"/>
+            </a:solidFill>
+            <a:prstDash val="sysDot"/>
+            <a:headEnd type="none" w="med" len="med"/>
+            <a:tailEnd type="none" w="med" len="med"/>
+          </a:ln>
+          <a:effectLst/>
+        </p:spPr>
+        <p:style>
+          <a:lnRef idx="1">
+            <a:schemeClr val="accent2"/>
+          </a:lnRef>
+          <a:fillRef idx="2">
+            <a:schemeClr val="accent2"/>
+          </a:fillRef>
+          <a:effectRef idx="1">
+            <a:schemeClr val="accent2"/>
+          </a:effectRef>
+          <a:fontRef idx="minor">
+            <a:schemeClr val="dk1"/>
+          </a:fontRef>
+        </p:style>
+      </p:cxnSp>
+      <p:sp>
+        <p:nvSpPr>
+          <p:cNvPr id="134" name="Isosceles Triangle 102">
+            <a:extLst>
+              <a:ext uri="{FF2B5EF4-FFF2-40B4-BE49-F238E27FC236}">
+                <a16:creationId xmlns:a16="http://schemas.microsoft.com/office/drawing/2014/main" id="{68E1C881-BA19-4D51-A086-DFF5C0A03190}"/>
+              </a:ext>
+            </a:extLst>
+          </p:cNvPr>
+          <p:cNvSpPr/>
+          <p:nvPr/>
+        </p:nvSpPr>
+        <p:spPr>
+          <a:xfrm rot="10800000" flipV="1">
+            <a:off x="2551396" y="3510622"/>
+            <a:ext cx="282387" cy="157062"/>
+          </a:xfrm>
+          <a:prstGeom prst="triangle">
+            <a:avLst/>
+          </a:prstGeom>
+          <a:ln w="19050">
+            <a:solidFill>
+              <a:srgbClr val="7030A0"/>
+            </a:solidFill>
+          </a:ln>
+          <a:effectLst/>
+        </p:spPr>
+        <p:style>
+          <a:lnRef idx="1">
+            <a:schemeClr val="accent4"/>
+          </a:lnRef>
+          <a:fillRef idx="2">
+            <a:schemeClr val="accent4"/>
+          </a:fillRef>
+          <a:effectRef idx="1">
+            <a:schemeClr val="accent4"/>
+          </a:effectRef>
+          <a:fontRef idx="minor">
+            <a:schemeClr val="dk1"/>
+          </a:fontRef>
+        </p:style>
+        <p:txBody>
+          <a:bodyPr rtlCol="0" anchor="ctr"/>
+          <a:lstStyle/>
+          <a:p>
+            <a:pPr algn="ctr"/>
+            <a:endParaRPr lang="en-SG" sz="1050" b="1">
+              <a:solidFill>
+                <a:srgbClr val="92D050"/>
+              </a:solidFill>
+            </a:endParaRPr>
+          </a:p>
+        </p:txBody>
+      </p:sp>
+      <p:sp>
+        <p:nvSpPr>
+          <p:cNvPr id="135" name="Rectangle 8">
+            <a:extLst>
+              <a:ext uri="{FF2B5EF4-FFF2-40B4-BE49-F238E27FC236}">
+                <a16:creationId xmlns:a16="http://schemas.microsoft.com/office/drawing/2014/main" id="{03E99618-5291-4062-B727-0081299DECEE}"/>
+              </a:ext>
+            </a:extLst>
+          </p:cNvPr>
+          <p:cNvSpPr/>
+          <p:nvPr/>
+        </p:nvSpPr>
+        <p:spPr>
+          <a:xfrm>
+            <a:off x="3701068" y="3136940"/>
+            <a:ext cx="1608287" cy="364396"/>
+          </a:xfrm>
+          <a:prstGeom prst="rect">
+            <a:avLst/>
+          </a:prstGeom>
+          <a:ln w="19050">
+            <a:solidFill>
+              <a:srgbClr val="7030A0"/>
+            </a:solidFill>
+          </a:ln>
+          <a:effectLst/>
+        </p:spPr>
+        <p:style>
+          <a:lnRef idx="1">
+            <a:schemeClr val="accent4"/>
+          </a:lnRef>
+          <a:fillRef idx="2">
+            <a:schemeClr val="accent4"/>
+          </a:fillRef>
+          <a:effectRef idx="1">
+            <a:schemeClr val="accent4"/>
+          </a:effectRef>
+          <a:fontRef idx="minor">
+            <a:schemeClr val="dk1"/>
+          </a:fontRef>
+        </p:style>
+        <p:txBody>
+          <a:bodyPr rtlCol="0" anchor="ctr"/>
+          <a:lstStyle/>
+          <a:p>
+            <a:pPr algn="ctr"/>
+            <a:r>
+              <a:rPr lang="en-US" sz="1050" dirty="0">
+                <a:solidFill>
+                  <a:srgbClr val="7030A0"/>
+                </a:solidFill>
+              </a:rPr>
+              <a:t>&lt;&lt;interface&gt;&gt;</a:t>
+            </a:r>
+            <a:br>
+              <a:rPr lang="en-US" sz="1050" dirty="0">
+                <a:solidFill>
+                  <a:srgbClr val="7030A0"/>
+                </a:solidFill>
+              </a:rPr>
+            </a:br>
+            <a:r>
+              <a:rPr lang="en-US" sz="1050" dirty="0" err="1">
+                <a:solidFill>
+                  <a:srgbClr val="7030A0"/>
+                </a:solidFill>
+              </a:rPr>
+              <a:t>ReadOnlyScheduleList</a:t>
+            </a:r>
+            <a:endParaRPr lang="en-SG" sz="1050" dirty="0">
+              <a:solidFill>
+                <a:srgbClr val="7030A0"/>
+              </a:solidFill>
+            </a:endParaRPr>
+          </a:p>
+        </p:txBody>
+      </p:sp>
+      <p:sp>
+        <p:nvSpPr>
+          <p:cNvPr id="136" name="Rectangle 8">
+            <a:extLst>
+              <a:ext uri="{FF2B5EF4-FFF2-40B4-BE49-F238E27FC236}">
+                <a16:creationId xmlns:a16="http://schemas.microsoft.com/office/drawing/2014/main" id="{F4DB2D56-8528-4F6D-A60F-58C4D68B0326}"/>
+              </a:ext>
+            </a:extLst>
+          </p:cNvPr>
+          <p:cNvSpPr/>
+          <p:nvPr/>
+        </p:nvSpPr>
+        <p:spPr>
+          <a:xfrm>
+            <a:off x="2162246" y="3135283"/>
+            <a:ext cx="1060683" cy="364396"/>
+          </a:xfrm>
+          <a:prstGeom prst="rect">
+            <a:avLst/>
+          </a:prstGeom>
+          <a:ln w="19050">
+            <a:solidFill>
+              <a:srgbClr val="7030A0"/>
+            </a:solidFill>
+          </a:ln>
+          <a:effectLst/>
+        </p:spPr>
+        <p:style>
+          <a:lnRef idx="1">
+            <a:schemeClr val="accent4"/>
+          </a:lnRef>
+          <a:fillRef idx="2">
+            <a:schemeClr val="accent4"/>
+          </a:fillRef>
+          <a:effectRef idx="1">
+            <a:schemeClr val="accent4"/>
+          </a:effectRef>
+          <a:fontRef idx="minor">
+            <a:schemeClr val="dk1"/>
+          </a:fontRef>
+        </p:style>
+        <p:txBody>
+          <a:bodyPr rtlCol="0" anchor="ctr"/>
+          <a:lstStyle/>
+          <a:p>
+            <a:pPr algn="ctr"/>
+            <a:r>
+              <a:rPr lang="en-US" sz="1050" dirty="0" err="1">
+                <a:solidFill>
+                  <a:srgbClr val="7030A0"/>
+                </a:solidFill>
+              </a:rPr>
+              <a:t>ScheduleList</a:t>
+            </a:r>
+            <a:endParaRPr lang="en-SG" sz="1050" dirty="0">
+              <a:solidFill>
+                <a:srgbClr val="7030A0"/>
+              </a:solidFill>
+            </a:endParaRPr>
+          </a:p>
+        </p:txBody>
+      </p:sp>
+      <p:sp>
+        <p:nvSpPr>
+          <p:cNvPr id="137" name="Isosceles Triangle 102">
+            <a:extLst>
+              <a:ext uri="{FF2B5EF4-FFF2-40B4-BE49-F238E27FC236}">
+                <a16:creationId xmlns:a16="http://schemas.microsoft.com/office/drawing/2014/main" id="{A238A459-D99A-4CA3-B636-9967E7A0363E}"/>
+              </a:ext>
+            </a:extLst>
+          </p:cNvPr>
+          <p:cNvSpPr/>
+          <p:nvPr/>
+        </p:nvSpPr>
+        <p:spPr>
+          <a:xfrm rot="5400000">
+            <a:off x="3459759" y="3226795"/>
+            <a:ext cx="271014" cy="187417"/>
+          </a:xfrm>
+          <a:prstGeom prst="triangle">
+            <a:avLst>
+              <a:gd name="adj" fmla="val 44517"/>
+            </a:avLst>
+          </a:prstGeom>
+          <a:solidFill>
+            <a:schemeClr val="accent4">
+              <a:lumMod val="20000"/>
+              <a:lumOff val="80000"/>
+            </a:schemeClr>
+          </a:solidFill>
+          <a:ln w="19050">
+            <a:solidFill>
+              <a:srgbClr val="7030A0"/>
+            </a:solidFill>
+          </a:ln>
+          <a:effectLst/>
+        </p:spPr>
+        <p:style>
+          <a:lnRef idx="1">
+            <a:schemeClr val="accent6"/>
+          </a:lnRef>
+          <a:fillRef idx="2">
+            <a:schemeClr val="accent6"/>
+          </a:fillRef>
+          <a:effectRef idx="1">
+            <a:schemeClr val="accent6"/>
+          </a:effectRef>
+          <a:fontRef idx="minor">
+            <a:schemeClr val="dk1"/>
+          </a:fontRef>
+        </p:style>
+        <p:txBody>
+          <a:bodyPr rtlCol="0" anchor="ctr"/>
+          <a:lstStyle/>
+          <a:p>
+            <a:pPr algn="ctr"/>
+            <a:endParaRPr lang="en-SG" sz="1050"/>
+          </a:p>
+        </p:txBody>
+      </p:sp>
+      <p:sp>
+        <p:nvSpPr>
+          <p:cNvPr id="138" name="Rectangle 8">
+            <a:extLst>
+              <a:ext uri="{FF2B5EF4-FFF2-40B4-BE49-F238E27FC236}">
+                <a16:creationId xmlns:a16="http://schemas.microsoft.com/office/drawing/2014/main" id="{54234115-AEE0-47B1-98C0-6584C0B02A19}"/>
+              </a:ext>
+            </a:extLst>
+          </p:cNvPr>
+          <p:cNvSpPr/>
+          <p:nvPr/>
+        </p:nvSpPr>
+        <p:spPr>
+          <a:xfrm>
+            <a:off x="6896481" y="620896"/>
+            <a:ext cx="1044000" cy="288000"/>
+          </a:xfrm>
+          <a:prstGeom prst="rect">
+            <a:avLst/>
+          </a:prstGeom>
+          <a:ln w="19050">
+            <a:solidFill>
+              <a:srgbClr val="7030A0"/>
+            </a:solidFill>
+          </a:ln>
+          <a:effectLst/>
+        </p:spPr>
+        <p:style>
+          <a:lnRef idx="1">
+            <a:schemeClr val="accent4"/>
+          </a:lnRef>
+          <a:fillRef idx="2">
+            <a:schemeClr val="accent4"/>
+          </a:fillRef>
+          <a:effectRef idx="1">
+            <a:schemeClr val="accent4"/>
+          </a:effectRef>
+          <a:fontRef idx="minor">
+            <a:schemeClr val="dk1"/>
+          </a:fontRef>
+        </p:style>
+        <p:txBody>
+          <a:bodyPr rtlCol="0" anchor="ctr"/>
+          <a:lstStyle/>
+          <a:p>
+            <a:pPr algn="ctr"/>
+            <a:r>
+              <a:rPr lang="en-US" sz="1050" dirty="0" err="1">
+                <a:solidFill>
+                  <a:srgbClr val="7030A0"/>
+                </a:solidFill>
+              </a:rPr>
+              <a:t>DateOfBirth</a:t>
+            </a:r>
+            <a:endParaRPr lang="en-SG" sz="1050" dirty="0">
+              <a:solidFill>
+                <a:srgbClr val="7030A0"/>
+              </a:solidFill>
+            </a:endParaRPr>
+          </a:p>
+        </p:txBody>
+      </p:sp>
+      <p:sp>
+        <p:nvSpPr>
+          <p:cNvPr id="139" name="Rectangle 8">
+            <a:extLst>
+              <a:ext uri="{FF2B5EF4-FFF2-40B4-BE49-F238E27FC236}">
+                <a16:creationId xmlns:a16="http://schemas.microsoft.com/office/drawing/2014/main" id="{216530A7-FA65-4E0F-AAE1-ABD040D27BEB}"/>
+              </a:ext>
+            </a:extLst>
+          </p:cNvPr>
+          <p:cNvSpPr/>
+          <p:nvPr/>
+        </p:nvSpPr>
+        <p:spPr>
+          <a:xfrm>
+            <a:off x="6896481" y="304799"/>
+            <a:ext cx="1044000" cy="288000"/>
+          </a:xfrm>
+          <a:prstGeom prst="rect">
+            <a:avLst/>
+          </a:prstGeom>
+          <a:ln w="19050">
+            <a:solidFill>
+              <a:srgbClr val="7030A0"/>
+            </a:solidFill>
+          </a:ln>
+          <a:effectLst/>
+        </p:spPr>
+        <p:style>
+          <a:lnRef idx="1">
+            <a:schemeClr val="accent4"/>
+          </a:lnRef>
+          <a:fillRef idx="2">
+            <a:schemeClr val="accent4"/>
+          </a:fillRef>
+          <a:effectRef idx="1">
+            <a:schemeClr val="accent4"/>
+          </a:effectRef>
+          <a:fontRef idx="minor">
+            <a:schemeClr val="dk1"/>
+          </a:fontRef>
+        </p:style>
+        <p:txBody>
+          <a:bodyPr rtlCol="0" anchor="ctr"/>
+          <a:lstStyle/>
+          <a:p>
+            <a:pPr algn="ctr"/>
+            <a:r>
+              <a:rPr lang="en-US" sz="1050" dirty="0">
+                <a:solidFill>
+                  <a:srgbClr val="7030A0"/>
+                </a:solidFill>
+              </a:rPr>
+              <a:t>Name</a:t>
+            </a:r>
+            <a:endParaRPr lang="en-SG" sz="1050" dirty="0">
+              <a:solidFill>
+                <a:srgbClr val="7030A0"/>
+              </a:solidFill>
+            </a:endParaRPr>
+          </a:p>
+        </p:txBody>
+      </p:sp>
+      <p:sp>
+        <p:nvSpPr>
+          <p:cNvPr id="140" name="Rectangle 8">
+            <a:extLst>
+              <a:ext uri="{FF2B5EF4-FFF2-40B4-BE49-F238E27FC236}">
+                <a16:creationId xmlns:a16="http://schemas.microsoft.com/office/drawing/2014/main" id="{FC2A66E1-5D06-473D-A677-C865F5846EC7}"/>
+              </a:ext>
+            </a:extLst>
+          </p:cNvPr>
+          <p:cNvSpPr/>
+          <p:nvPr/>
+        </p:nvSpPr>
+        <p:spPr>
+          <a:xfrm>
+            <a:off x="6901115" y="936822"/>
+            <a:ext cx="1044000" cy="288000"/>
+          </a:xfrm>
+          <a:prstGeom prst="rect">
+            <a:avLst/>
+          </a:prstGeom>
+          <a:ln w="19050">
+            <a:solidFill>
+              <a:srgbClr val="7030A0"/>
+            </a:solidFill>
+          </a:ln>
+          <a:effectLst/>
+        </p:spPr>
+        <p:style>
+          <a:lnRef idx="1">
+            <a:schemeClr val="accent4"/>
+          </a:lnRef>
+          <a:fillRef idx="2">
+            <a:schemeClr val="accent4"/>
+          </a:fillRef>
+          <a:effectRef idx="1">
+            <a:schemeClr val="accent4"/>
+          </a:effectRef>
+          <a:fontRef idx="minor">
+            <a:schemeClr val="dk1"/>
+          </a:fontRef>
+        </p:style>
+        <p:txBody>
+          <a:bodyPr rtlCol="0" anchor="ctr"/>
+          <a:lstStyle/>
+          <a:p>
+            <a:pPr algn="ctr"/>
+            <a:r>
+              <a:rPr lang="en-US" sz="1050" dirty="0">
+                <a:solidFill>
+                  <a:srgbClr val="7030A0"/>
+                </a:solidFill>
+              </a:rPr>
+              <a:t>Phone</a:t>
+            </a:r>
+            <a:endParaRPr lang="en-SG" sz="1050" dirty="0">
+              <a:solidFill>
+                <a:srgbClr val="7030A0"/>
+              </a:solidFill>
+            </a:endParaRPr>
+          </a:p>
+        </p:txBody>
+      </p:sp>
+      <p:sp>
+        <p:nvSpPr>
+          <p:cNvPr id="141" name="Rectangle 8">
+            <a:extLst>
+              <a:ext uri="{FF2B5EF4-FFF2-40B4-BE49-F238E27FC236}">
+                <a16:creationId xmlns:a16="http://schemas.microsoft.com/office/drawing/2014/main" id="{C747AF3E-0D26-4C7B-BB0E-77F1342989D1}"/>
+              </a:ext>
+            </a:extLst>
+          </p:cNvPr>
+          <p:cNvSpPr/>
+          <p:nvPr/>
+        </p:nvSpPr>
+        <p:spPr>
+          <a:xfrm>
+            <a:off x="6896481" y="2535163"/>
+            <a:ext cx="1044000" cy="288000"/>
+          </a:xfrm>
+          <a:prstGeom prst="rect">
+            <a:avLst/>
+          </a:prstGeom>
+          <a:ln w="19050">
+            <a:solidFill>
+              <a:srgbClr val="7030A0"/>
+            </a:solidFill>
+          </a:ln>
+          <a:effectLst/>
+        </p:spPr>
+        <p:style>
+          <a:lnRef idx="1">
+            <a:schemeClr val="accent4"/>
+          </a:lnRef>
+          <a:fillRef idx="2">
+            <a:schemeClr val="accent4"/>
+          </a:fillRef>
+          <a:effectRef idx="1">
+            <a:schemeClr val="accent4"/>
+          </a:effectRef>
+          <a:fontRef idx="minor">
+            <a:schemeClr val="dk1"/>
+          </a:fontRef>
+        </p:style>
+        <p:txBody>
+          <a:bodyPr rtlCol="0" anchor="ctr"/>
+          <a:lstStyle/>
+          <a:p>
+            <a:pPr algn="ctr"/>
+            <a:r>
+              <a:rPr lang="en-US" sz="1050" dirty="0">
+                <a:solidFill>
+                  <a:srgbClr val="7030A0"/>
+                </a:solidFill>
+              </a:rPr>
+              <a:t>Salary</a:t>
+            </a:r>
+            <a:endParaRPr lang="en-SG" sz="1050" dirty="0">
+              <a:solidFill>
+                <a:srgbClr val="7030A0"/>
+              </a:solidFill>
+            </a:endParaRPr>
+          </a:p>
+        </p:txBody>
+      </p:sp>
+      <p:sp>
+        <p:nvSpPr>
+          <p:cNvPr id="142" name="Rectangle 8">
+            <a:extLst>
+              <a:ext uri="{FF2B5EF4-FFF2-40B4-BE49-F238E27FC236}">
+                <a16:creationId xmlns:a16="http://schemas.microsoft.com/office/drawing/2014/main" id="{058A05DD-163A-4C39-9BED-6D66ED1EB494}"/>
+              </a:ext>
+            </a:extLst>
+          </p:cNvPr>
+          <p:cNvSpPr/>
+          <p:nvPr/>
+        </p:nvSpPr>
+        <p:spPr>
+          <a:xfrm>
+            <a:off x="6898147" y="2849499"/>
+            <a:ext cx="1044000" cy="288000"/>
+          </a:xfrm>
+          <a:prstGeom prst="rect">
+            <a:avLst/>
+          </a:prstGeom>
+          <a:ln w="19050">
+            <a:solidFill>
+              <a:srgbClr val="7030A0"/>
+            </a:solidFill>
+          </a:ln>
+          <a:effectLst/>
+        </p:spPr>
+        <p:style>
+          <a:lnRef idx="1">
+            <a:schemeClr val="accent4"/>
+          </a:lnRef>
+          <a:fillRef idx="2">
+            <a:schemeClr val="accent4"/>
+          </a:fillRef>
+          <a:effectRef idx="1">
+            <a:schemeClr val="accent4"/>
+          </a:effectRef>
+          <a:fontRef idx="minor">
+            <a:schemeClr val="dk1"/>
+          </a:fontRef>
+        </p:style>
+        <p:txBody>
+          <a:bodyPr rtlCol="0" anchor="ctr"/>
+          <a:lstStyle/>
+          <a:p>
+            <a:pPr algn="ctr"/>
+            <a:r>
+              <a:rPr lang="en-US" sz="1050" dirty="0">
+                <a:solidFill>
+                  <a:srgbClr val="7030A0"/>
+                </a:solidFill>
+              </a:rPr>
+              <a:t>Bonus</a:t>
+            </a:r>
+            <a:endParaRPr lang="en-SG" sz="1050" dirty="0">
+              <a:solidFill>
+                <a:srgbClr val="7030A0"/>
+              </a:solidFill>
+            </a:endParaRPr>
+          </a:p>
+        </p:txBody>
+      </p:sp>
+      <p:sp>
+        <p:nvSpPr>
+          <p:cNvPr id="143" name="Rectangle 8">
+            <a:extLst>
+              <a:ext uri="{FF2B5EF4-FFF2-40B4-BE49-F238E27FC236}">
+                <a16:creationId xmlns:a16="http://schemas.microsoft.com/office/drawing/2014/main" id="{2F34C674-1E3A-46DA-9C0E-FC2A2998A04F}"/>
+              </a:ext>
+            </a:extLst>
+          </p:cNvPr>
+          <p:cNvSpPr/>
+          <p:nvPr/>
+        </p:nvSpPr>
+        <p:spPr>
+          <a:xfrm>
+            <a:off x="6891699" y="3169619"/>
+            <a:ext cx="1044000" cy="288000"/>
+          </a:xfrm>
+          <a:prstGeom prst="rect">
+            <a:avLst/>
+          </a:prstGeom>
+          <a:ln w="19050">
+            <a:solidFill>
+              <a:srgbClr val="7030A0"/>
+            </a:solidFill>
+          </a:ln>
+          <a:effectLst/>
+        </p:spPr>
+        <p:style>
+          <a:lnRef idx="1">
+            <a:schemeClr val="accent4"/>
+          </a:lnRef>
+          <a:fillRef idx="2">
+            <a:schemeClr val="accent4"/>
+          </a:fillRef>
+          <a:effectRef idx="1">
+            <a:schemeClr val="accent4"/>
+          </a:effectRef>
+          <a:fontRef idx="minor">
+            <a:schemeClr val="dk1"/>
+          </a:fontRef>
+        </p:style>
+        <p:txBody>
+          <a:bodyPr rtlCol="0" anchor="ctr"/>
+          <a:lstStyle/>
+          <a:p>
+            <a:pPr algn="ctr"/>
+            <a:r>
+              <a:rPr lang="en-US" sz="1050" dirty="0" err="1">
+                <a:solidFill>
+                  <a:srgbClr val="7030A0"/>
+                </a:solidFill>
+              </a:rPr>
+              <a:t>EmployeeId</a:t>
+            </a:r>
+            <a:endParaRPr lang="en-SG" sz="1050" dirty="0">
+              <a:solidFill>
+                <a:srgbClr val="7030A0"/>
+              </a:solidFill>
+            </a:endParaRPr>
+          </a:p>
+        </p:txBody>
+      </p:sp>
+      <p:cxnSp>
+        <p:nvCxnSpPr>
+          <p:cNvPr id="144" name="Elbow Connector 85">
+            <a:extLst>
+              <a:ext uri="{FF2B5EF4-FFF2-40B4-BE49-F238E27FC236}">
+                <a16:creationId xmlns:a16="http://schemas.microsoft.com/office/drawing/2014/main" id="{4B9627CD-891E-40EB-B6EA-85D283483832}"/>
               </a:ext>
             </a:extLst>
           </p:cNvPr>
           <p:cNvCxnSpPr>
             <a:cxnSpLocks/>
             <a:stCxn id="78" idx="3"/>
-            <a:endCxn id="52" idx="1"/>
+            <a:endCxn id="141" idx="1"/>
           </p:cNvCxnSpPr>
           <p:nvPr/>
         </p:nvCxnSpPr>
         <p:spPr>
-          <a:xfrm flipV="1">
-            <a:off x="7277995" y="2371709"/>
-            <a:ext cx="434402" cy="663182"/>
+          <a:xfrm>
+            <a:off x="6462930" y="1722547"/>
+            <a:ext cx="433551" cy="956616"/>
           </a:xfrm>
           <a:prstGeom prst="bentConnector3">
             <a:avLst>
@@ -5403,12 +7679,1228 @@
           </a:fontRef>
         </p:style>
       </p:cxnSp>
-      <p:sp>
-        <p:nvSpPr>
-          <p:cNvPr id="50" name="TextBox 49">
+      <p:cxnSp>
+        <p:nvCxnSpPr>
+          <p:cNvPr id="145" name="Elbow Connector 85">
             <a:extLst>
               <a:ext uri="{FF2B5EF4-FFF2-40B4-BE49-F238E27FC236}">
-                <a16:creationId xmlns:a16="http://schemas.microsoft.com/office/drawing/2014/main" id="{B3FA9D57-880F-49C4-AD0B-A64E30D6F403}"/>
+                <a16:creationId xmlns:a16="http://schemas.microsoft.com/office/drawing/2014/main" id="{A887E71E-4B9A-4EAF-A43B-48BEECF1FD8D}"/>
+              </a:ext>
+            </a:extLst>
+          </p:cNvPr>
+          <p:cNvCxnSpPr>
+            <a:cxnSpLocks/>
+            <a:stCxn id="78" idx="3"/>
+            <a:endCxn id="142" idx="1"/>
+          </p:cNvCxnSpPr>
+          <p:nvPr/>
+        </p:nvCxnSpPr>
+        <p:spPr>
+          <a:xfrm>
+            <a:off x="6462930" y="1722547"/>
+            <a:ext cx="435217" cy="1270952"/>
+          </a:xfrm>
+          <a:prstGeom prst="bentConnector3">
+            <a:avLst>
+              <a:gd name="adj1" fmla="val 50000"/>
+            </a:avLst>
+          </a:prstGeom>
+          <a:ln w="19050">
+            <a:solidFill>
+              <a:srgbClr val="7030A0"/>
+            </a:solidFill>
+            <a:headEnd type="none" w="med" len="med"/>
+            <a:tailEnd type="arrow" w="med" len="med"/>
+          </a:ln>
+          <a:effectLst/>
+        </p:spPr>
+        <p:style>
+          <a:lnRef idx="1">
+            <a:schemeClr val="accent2"/>
+          </a:lnRef>
+          <a:fillRef idx="2">
+            <a:schemeClr val="accent2"/>
+          </a:fillRef>
+          <a:effectRef idx="1">
+            <a:schemeClr val="accent2"/>
+          </a:effectRef>
+          <a:fontRef idx="minor">
+            <a:schemeClr val="dk1"/>
+          </a:fontRef>
+        </p:style>
+      </p:cxnSp>
+      <p:cxnSp>
+        <p:nvCxnSpPr>
+          <p:cNvPr id="146" name="Elbow Connector 85">
+            <a:extLst>
+              <a:ext uri="{FF2B5EF4-FFF2-40B4-BE49-F238E27FC236}">
+                <a16:creationId xmlns:a16="http://schemas.microsoft.com/office/drawing/2014/main" id="{F8BEC3D8-7E7E-4D07-BD52-961004937E81}"/>
+              </a:ext>
+            </a:extLst>
+          </p:cNvPr>
+          <p:cNvCxnSpPr>
+            <a:cxnSpLocks/>
+            <a:stCxn id="78" idx="3"/>
+            <a:endCxn id="143" idx="1"/>
+          </p:cNvCxnSpPr>
+          <p:nvPr/>
+        </p:nvCxnSpPr>
+        <p:spPr>
+          <a:xfrm>
+            <a:off x="6462930" y="1722547"/>
+            <a:ext cx="428769" cy="1591072"/>
+          </a:xfrm>
+          <a:prstGeom prst="bentConnector3">
+            <a:avLst>
+              <a:gd name="adj1" fmla="val 50000"/>
+            </a:avLst>
+          </a:prstGeom>
+          <a:ln w="19050">
+            <a:solidFill>
+              <a:srgbClr val="7030A0"/>
+            </a:solidFill>
+            <a:headEnd type="none" w="med" len="med"/>
+            <a:tailEnd type="arrow" w="med" len="med"/>
+          </a:ln>
+          <a:effectLst/>
+        </p:spPr>
+        <p:style>
+          <a:lnRef idx="1">
+            <a:schemeClr val="accent2"/>
+          </a:lnRef>
+          <a:fillRef idx="2">
+            <a:schemeClr val="accent2"/>
+          </a:fillRef>
+          <a:effectRef idx="1">
+            <a:schemeClr val="accent2"/>
+          </a:effectRef>
+          <a:fontRef idx="minor">
+            <a:schemeClr val="dk1"/>
+          </a:fontRef>
+        </p:style>
+      </p:cxnSp>
+      <p:cxnSp>
+        <p:nvCxnSpPr>
+          <p:cNvPr id="147" name="Elbow Connector 85">
+            <a:extLst>
+              <a:ext uri="{FF2B5EF4-FFF2-40B4-BE49-F238E27FC236}">
+                <a16:creationId xmlns:a16="http://schemas.microsoft.com/office/drawing/2014/main" id="{CC85D501-A535-4DE1-BC18-E3C392D29D1F}"/>
+              </a:ext>
+            </a:extLst>
+          </p:cNvPr>
+          <p:cNvCxnSpPr>
+            <a:cxnSpLocks/>
+            <a:stCxn id="78" idx="3"/>
+            <a:endCxn id="140" idx="1"/>
+          </p:cNvCxnSpPr>
+          <p:nvPr/>
+        </p:nvCxnSpPr>
+        <p:spPr>
+          <a:xfrm flipV="1">
+            <a:off x="6462930" y="1080822"/>
+            <a:ext cx="438185" cy="641725"/>
+          </a:xfrm>
+          <a:prstGeom prst="bentConnector3">
+            <a:avLst>
+              <a:gd name="adj1" fmla="val 50000"/>
+            </a:avLst>
+          </a:prstGeom>
+          <a:ln w="19050">
+            <a:solidFill>
+              <a:srgbClr val="7030A0"/>
+            </a:solidFill>
+            <a:headEnd type="none" w="med" len="med"/>
+            <a:tailEnd type="arrow" w="med" len="med"/>
+          </a:ln>
+          <a:effectLst/>
+        </p:spPr>
+        <p:style>
+          <a:lnRef idx="1">
+            <a:schemeClr val="accent2"/>
+          </a:lnRef>
+          <a:fillRef idx="2">
+            <a:schemeClr val="accent2"/>
+          </a:fillRef>
+          <a:effectRef idx="1">
+            <a:schemeClr val="accent2"/>
+          </a:effectRef>
+          <a:fontRef idx="minor">
+            <a:schemeClr val="dk1"/>
+          </a:fontRef>
+        </p:style>
+      </p:cxnSp>
+      <p:cxnSp>
+        <p:nvCxnSpPr>
+          <p:cNvPr id="148" name="Elbow Connector 85">
+            <a:extLst>
+              <a:ext uri="{FF2B5EF4-FFF2-40B4-BE49-F238E27FC236}">
+                <a16:creationId xmlns:a16="http://schemas.microsoft.com/office/drawing/2014/main" id="{C96206F9-EC73-4524-8AB4-952AA6B5B9D4}"/>
+              </a:ext>
+            </a:extLst>
+          </p:cNvPr>
+          <p:cNvCxnSpPr>
+            <a:cxnSpLocks/>
+            <a:stCxn id="78" idx="3"/>
+            <a:endCxn id="138" idx="1"/>
+          </p:cNvCxnSpPr>
+          <p:nvPr/>
+        </p:nvCxnSpPr>
+        <p:spPr>
+          <a:xfrm flipV="1">
+            <a:off x="6462930" y="764896"/>
+            <a:ext cx="433551" cy="957651"/>
+          </a:xfrm>
+          <a:prstGeom prst="bentConnector3">
+            <a:avLst>
+              <a:gd name="adj1" fmla="val 50000"/>
+            </a:avLst>
+          </a:prstGeom>
+          <a:ln w="19050">
+            <a:solidFill>
+              <a:srgbClr val="7030A0"/>
+            </a:solidFill>
+            <a:headEnd type="none" w="med" len="med"/>
+            <a:tailEnd type="arrow" w="med" len="med"/>
+          </a:ln>
+          <a:effectLst/>
+        </p:spPr>
+        <p:style>
+          <a:lnRef idx="1">
+            <a:schemeClr val="accent2"/>
+          </a:lnRef>
+          <a:fillRef idx="2">
+            <a:schemeClr val="accent2"/>
+          </a:fillRef>
+          <a:effectRef idx="1">
+            <a:schemeClr val="accent2"/>
+          </a:effectRef>
+          <a:fontRef idx="minor">
+            <a:schemeClr val="dk1"/>
+          </a:fontRef>
+        </p:style>
+      </p:cxnSp>
+      <p:cxnSp>
+        <p:nvCxnSpPr>
+          <p:cNvPr id="151" name="Elbow Connector 85">
+            <a:extLst>
+              <a:ext uri="{FF2B5EF4-FFF2-40B4-BE49-F238E27FC236}">
+                <a16:creationId xmlns:a16="http://schemas.microsoft.com/office/drawing/2014/main" id="{E52C97FF-95A5-4610-B5F7-3D89CDB0E554}"/>
+              </a:ext>
+            </a:extLst>
+          </p:cNvPr>
+          <p:cNvCxnSpPr>
+            <a:cxnSpLocks/>
+            <a:stCxn id="78" idx="3"/>
+            <a:endCxn id="139" idx="1"/>
+          </p:cNvCxnSpPr>
+          <p:nvPr/>
+        </p:nvCxnSpPr>
+        <p:spPr>
+          <a:xfrm flipV="1">
+            <a:off x="6462930" y="448799"/>
+            <a:ext cx="433551" cy="1273748"/>
+          </a:xfrm>
+          <a:prstGeom prst="bentConnector3">
+            <a:avLst>
+              <a:gd name="adj1" fmla="val 50000"/>
+            </a:avLst>
+          </a:prstGeom>
+          <a:ln w="19050">
+            <a:solidFill>
+              <a:srgbClr val="7030A0"/>
+            </a:solidFill>
+            <a:headEnd type="none" w="med" len="med"/>
+            <a:tailEnd type="arrow" w="med" len="med"/>
+          </a:ln>
+          <a:effectLst/>
+        </p:spPr>
+        <p:style>
+          <a:lnRef idx="1">
+            <a:schemeClr val="accent2"/>
+          </a:lnRef>
+          <a:fillRef idx="2">
+            <a:schemeClr val="accent2"/>
+          </a:fillRef>
+          <a:effectRef idx="1">
+            <a:schemeClr val="accent2"/>
+          </a:effectRef>
+          <a:fontRef idx="minor">
+            <a:schemeClr val="dk1"/>
+          </a:fontRef>
+        </p:style>
+      </p:cxnSp>
+      <p:cxnSp>
+        <p:nvCxnSpPr>
+          <p:cNvPr id="229" name="Elbow Connector 63">
+            <a:extLst>
+              <a:ext uri="{FF2B5EF4-FFF2-40B4-BE49-F238E27FC236}">
+                <a16:creationId xmlns:a16="http://schemas.microsoft.com/office/drawing/2014/main" id="{CE89F848-DEB9-43C4-9812-5725708E5680}"/>
+              </a:ext>
+            </a:extLst>
+          </p:cNvPr>
+          <p:cNvCxnSpPr>
+            <a:cxnSpLocks/>
+            <a:stCxn id="255" idx="1"/>
+            <a:endCxn id="256" idx="3"/>
+          </p:cNvCxnSpPr>
+          <p:nvPr/>
+        </p:nvCxnSpPr>
+        <p:spPr>
+          <a:xfrm rot="10800000">
+            <a:off x="3222930" y="4601799"/>
+            <a:ext cx="478139" cy="1657"/>
+          </a:xfrm>
+          <a:prstGeom prst="bentConnector3">
+            <a:avLst>
+              <a:gd name="adj1" fmla="val 50000"/>
+            </a:avLst>
+          </a:prstGeom>
+          <a:ln w="19050">
+            <a:solidFill>
+              <a:srgbClr val="7030A0"/>
+            </a:solidFill>
+            <a:prstDash val="sysDot"/>
+            <a:headEnd type="none" w="med" len="med"/>
+            <a:tailEnd type="none" w="med" len="med"/>
+          </a:ln>
+          <a:effectLst/>
+        </p:spPr>
+        <p:style>
+          <a:lnRef idx="1">
+            <a:schemeClr val="accent2"/>
+          </a:lnRef>
+          <a:fillRef idx="2">
+            <a:schemeClr val="accent2"/>
+          </a:fillRef>
+          <a:effectRef idx="1">
+            <a:schemeClr val="accent2"/>
+          </a:effectRef>
+          <a:fontRef idx="minor">
+            <a:schemeClr val="dk1"/>
+          </a:fontRef>
+        </p:style>
+      </p:cxnSp>
+      <p:cxnSp>
+        <p:nvCxnSpPr>
+          <p:cNvPr id="230" name="Elbow Connector 106">
+            <a:extLst>
+              <a:ext uri="{FF2B5EF4-FFF2-40B4-BE49-F238E27FC236}">
+                <a16:creationId xmlns:a16="http://schemas.microsoft.com/office/drawing/2014/main" id="{00E99C17-5551-440F-9F68-D64A146594A3}"/>
+              </a:ext>
+            </a:extLst>
+          </p:cNvPr>
+          <p:cNvCxnSpPr>
+            <a:cxnSpLocks/>
+            <a:endCxn id="237" idx="2"/>
+          </p:cNvCxnSpPr>
+          <p:nvPr/>
+        </p:nvCxnSpPr>
+        <p:spPr>
+          <a:xfrm flipV="1">
+            <a:off x="1603904" y="5623189"/>
+            <a:ext cx="4252586" cy="143002"/>
+          </a:xfrm>
+          <a:prstGeom prst="bentConnector2">
+            <a:avLst/>
+          </a:prstGeom>
+          <a:ln w="19050">
+            <a:solidFill>
+              <a:srgbClr val="7030A0"/>
+            </a:solidFill>
+            <a:prstDash val="solid"/>
+            <a:headEnd type="none" w="med" len="med"/>
+            <a:tailEnd type="arrow" w="med" len="med"/>
+          </a:ln>
+          <a:effectLst/>
+        </p:spPr>
+        <p:style>
+          <a:lnRef idx="1">
+            <a:schemeClr val="accent2"/>
+          </a:lnRef>
+          <a:fillRef idx="2">
+            <a:schemeClr val="accent2"/>
+          </a:fillRef>
+          <a:effectRef idx="1">
+            <a:schemeClr val="accent2"/>
+          </a:effectRef>
+          <a:fontRef idx="minor">
+            <a:schemeClr val="dk1"/>
+          </a:fontRef>
+        </p:style>
+      </p:cxnSp>
+      <p:sp>
+        <p:nvSpPr>
+          <p:cNvPr id="231" name="Rectangle 8">
+            <a:extLst>
+              <a:ext uri="{FF2B5EF4-FFF2-40B4-BE49-F238E27FC236}">
+                <a16:creationId xmlns:a16="http://schemas.microsoft.com/office/drawing/2014/main" id="{2A68EC73-6B5B-44F6-A72A-CB1A0D9205B4}"/>
+              </a:ext>
+            </a:extLst>
+          </p:cNvPr>
+          <p:cNvSpPr/>
+          <p:nvPr/>
+        </p:nvSpPr>
+        <p:spPr>
+          <a:xfrm>
+            <a:off x="1975126" y="5253274"/>
+            <a:ext cx="1447688" cy="346760"/>
+          </a:xfrm>
+          <a:prstGeom prst="rect">
+            <a:avLst/>
+          </a:prstGeom>
+          <a:ln w="19050">
+            <a:solidFill>
+              <a:srgbClr val="7030A0"/>
+            </a:solidFill>
+          </a:ln>
+          <a:effectLst/>
+        </p:spPr>
+        <p:style>
+          <a:lnRef idx="1">
+            <a:schemeClr val="accent4"/>
+          </a:lnRef>
+          <a:fillRef idx="2">
+            <a:schemeClr val="accent4"/>
+          </a:fillRef>
+          <a:effectRef idx="1">
+            <a:schemeClr val="accent4"/>
+          </a:effectRef>
+          <a:fontRef idx="minor">
+            <a:schemeClr val="dk1"/>
+          </a:fontRef>
+        </p:style>
+        <p:txBody>
+          <a:bodyPr rtlCol="0" anchor="ctr"/>
+          <a:lstStyle/>
+          <a:p>
+            <a:pPr algn="ctr"/>
+            <a:r>
+              <a:rPr lang="en-US" sz="1050" dirty="0" err="1">
+                <a:solidFill>
+                  <a:srgbClr val="7030A0"/>
+                </a:solidFill>
+              </a:rPr>
+              <a:t>VersionedExpensesList</a:t>
+            </a:r>
+            <a:endParaRPr lang="en-SG" sz="1050" dirty="0">
+              <a:solidFill>
+                <a:srgbClr val="7030A0"/>
+              </a:solidFill>
+            </a:endParaRPr>
+          </a:p>
+        </p:txBody>
+      </p:sp>
+      <p:cxnSp>
+        <p:nvCxnSpPr>
+          <p:cNvPr id="232" name="Straight Arrow Connector 231">
+            <a:extLst>
+              <a:ext uri="{FF2B5EF4-FFF2-40B4-BE49-F238E27FC236}">
+                <a16:creationId xmlns:a16="http://schemas.microsoft.com/office/drawing/2014/main" id="{24D36A80-325C-46A7-B761-6C12CD21CA67}"/>
+              </a:ext>
+            </a:extLst>
+          </p:cNvPr>
+          <p:cNvCxnSpPr>
+            <a:stCxn id="233" idx="3"/>
+            <a:endCxn id="231" idx="1"/>
+          </p:cNvCxnSpPr>
+          <p:nvPr/>
+        </p:nvCxnSpPr>
+        <p:spPr>
+          <a:xfrm>
+            <a:off x="1813080" y="5421396"/>
+            <a:ext cx="162046" cy="5258"/>
+          </a:xfrm>
+          <a:prstGeom prst="straightConnector1">
+            <a:avLst/>
+          </a:prstGeom>
+          <a:ln w="19050">
+            <a:solidFill>
+              <a:srgbClr val="7030A0"/>
+            </a:solidFill>
+            <a:headEnd type="none" w="med" len="med"/>
+            <a:tailEnd type="arrow" w="med" len="med"/>
+          </a:ln>
+          <a:effectLst/>
+        </p:spPr>
+        <p:style>
+          <a:lnRef idx="1">
+            <a:schemeClr val="accent2"/>
+          </a:lnRef>
+          <a:fillRef idx="2">
+            <a:schemeClr val="accent2"/>
+          </a:fillRef>
+          <a:effectRef idx="1">
+            <a:schemeClr val="accent2"/>
+          </a:effectRef>
+          <a:fontRef idx="minor">
+            <a:schemeClr val="dk1"/>
+          </a:fontRef>
+        </p:style>
+      </p:cxnSp>
+      <p:sp>
+        <p:nvSpPr>
+          <p:cNvPr id="233" name="Flowchart: Decision 96">
+            <a:extLst>
+              <a:ext uri="{FF2B5EF4-FFF2-40B4-BE49-F238E27FC236}">
+                <a16:creationId xmlns:a16="http://schemas.microsoft.com/office/drawing/2014/main" id="{32A90D04-C010-4963-BDF5-A6305B42126F}"/>
+              </a:ext>
+            </a:extLst>
+          </p:cNvPr>
+          <p:cNvSpPr/>
+          <p:nvPr/>
+        </p:nvSpPr>
+        <p:spPr>
+          <a:xfrm>
+            <a:off x="1577032" y="5334706"/>
+            <a:ext cx="236048" cy="173380"/>
+          </a:xfrm>
+          <a:prstGeom prst="flowChartDecision">
+            <a:avLst/>
+          </a:prstGeom>
+          <a:noFill/>
+          <a:ln w="19050">
+            <a:solidFill>
+              <a:srgbClr val="7030A0"/>
+            </a:solidFill>
+          </a:ln>
+          <a:effectLst/>
+        </p:spPr>
+        <p:style>
+          <a:lnRef idx="1">
+            <a:schemeClr val="accent6"/>
+          </a:lnRef>
+          <a:fillRef idx="2">
+            <a:schemeClr val="accent6"/>
+          </a:fillRef>
+          <a:effectRef idx="1">
+            <a:schemeClr val="accent6"/>
+          </a:effectRef>
+          <a:fontRef idx="minor">
+            <a:schemeClr val="dk1"/>
+          </a:fontRef>
+        </p:style>
+        <p:txBody>
+          <a:bodyPr rtlCol="0" anchor="ctr"/>
+          <a:lstStyle/>
+          <a:p>
+            <a:pPr algn="ctr"/>
+            <a:endParaRPr lang="en-US" sz="1050"/>
+          </a:p>
+        </p:txBody>
+      </p:sp>
+      <p:sp>
+        <p:nvSpPr>
+          <p:cNvPr id="234" name="Rectangle 8">
+            <a:extLst>
+              <a:ext uri="{FF2B5EF4-FFF2-40B4-BE49-F238E27FC236}">
+                <a16:creationId xmlns:a16="http://schemas.microsoft.com/office/drawing/2014/main" id="{E26E1A42-493D-4FF9-AFEC-75B53C638BB1}"/>
+              </a:ext>
+            </a:extLst>
+          </p:cNvPr>
+          <p:cNvSpPr/>
+          <p:nvPr/>
+        </p:nvSpPr>
+        <p:spPr>
+          <a:xfrm>
+            <a:off x="3793402" y="5281797"/>
+            <a:ext cx="1314497" cy="346760"/>
+          </a:xfrm>
+          <a:prstGeom prst="rect">
+            <a:avLst/>
+          </a:prstGeom>
+          <a:ln w="19050">
+            <a:solidFill>
+              <a:srgbClr val="7030A0"/>
+            </a:solidFill>
+          </a:ln>
+          <a:effectLst/>
+        </p:spPr>
+        <p:style>
+          <a:lnRef idx="1">
+            <a:schemeClr val="accent4"/>
+          </a:lnRef>
+          <a:fillRef idx="2">
+            <a:schemeClr val="accent4"/>
+          </a:fillRef>
+          <a:effectRef idx="1">
+            <a:schemeClr val="accent4"/>
+          </a:effectRef>
+          <a:fontRef idx="minor">
+            <a:schemeClr val="dk1"/>
+          </a:fontRef>
+        </p:style>
+        <p:txBody>
+          <a:bodyPr rtlCol="0" anchor="ctr"/>
+          <a:lstStyle/>
+          <a:p>
+            <a:pPr algn="ctr"/>
+            <a:r>
+              <a:rPr lang="en-US" sz="1050" dirty="0" err="1">
+                <a:solidFill>
+                  <a:srgbClr val="7030A0"/>
+                </a:solidFill>
+              </a:rPr>
+              <a:t>UniqueExpensesList</a:t>
+            </a:r>
+            <a:endParaRPr lang="en-SG" sz="1050" dirty="0">
+              <a:solidFill>
+                <a:srgbClr val="7030A0"/>
+              </a:solidFill>
+            </a:endParaRPr>
+          </a:p>
+        </p:txBody>
+      </p:sp>
+      <p:sp>
+        <p:nvSpPr>
+          <p:cNvPr id="235" name="Flowchart: Decision 234">
+            <a:extLst>
+              <a:ext uri="{FF2B5EF4-FFF2-40B4-BE49-F238E27FC236}">
+                <a16:creationId xmlns:a16="http://schemas.microsoft.com/office/drawing/2014/main" id="{1CF38D9C-56D0-4228-AF19-5FC92F2E893D}"/>
+              </a:ext>
+            </a:extLst>
+          </p:cNvPr>
+          <p:cNvSpPr/>
+          <p:nvPr/>
+        </p:nvSpPr>
+        <p:spPr>
+          <a:xfrm>
+            <a:off x="3421966" y="5366564"/>
+            <a:ext cx="236048" cy="173380"/>
+          </a:xfrm>
+          <a:prstGeom prst="flowChartDecision">
+            <a:avLst/>
+          </a:prstGeom>
+          <a:solidFill>
+            <a:srgbClr val="7030A0"/>
+          </a:solidFill>
+          <a:ln w="19050">
+            <a:solidFill>
+              <a:srgbClr val="7030A0"/>
+            </a:solidFill>
+          </a:ln>
+          <a:effectLst/>
+        </p:spPr>
+        <p:style>
+          <a:lnRef idx="1">
+            <a:schemeClr val="accent6"/>
+          </a:lnRef>
+          <a:fillRef idx="2">
+            <a:schemeClr val="accent6"/>
+          </a:fillRef>
+          <a:effectRef idx="1">
+            <a:schemeClr val="accent6"/>
+          </a:effectRef>
+          <a:fontRef idx="minor">
+            <a:schemeClr val="dk1"/>
+          </a:fontRef>
+        </p:style>
+        <p:txBody>
+          <a:bodyPr rtlCol="0" anchor="ctr"/>
+          <a:lstStyle/>
+          <a:p>
+            <a:pPr algn="ctr"/>
+            <a:endParaRPr lang="en-US" sz="1050"/>
+          </a:p>
+        </p:txBody>
+      </p:sp>
+      <p:cxnSp>
+        <p:nvCxnSpPr>
+          <p:cNvPr id="236" name="Elbow Connector 29">
+            <a:extLst>
+              <a:ext uri="{FF2B5EF4-FFF2-40B4-BE49-F238E27FC236}">
+                <a16:creationId xmlns:a16="http://schemas.microsoft.com/office/drawing/2014/main" id="{E61D596D-5E79-43C1-806F-660679662078}"/>
+              </a:ext>
+            </a:extLst>
+          </p:cNvPr>
+          <p:cNvCxnSpPr>
+            <a:cxnSpLocks/>
+            <a:stCxn id="235" idx="3"/>
+            <a:endCxn id="234" idx="1"/>
+          </p:cNvCxnSpPr>
+          <p:nvPr/>
+        </p:nvCxnSpPr>
+        <p:spPr>
+          <a:xfrm>
+            <a:off x="3658014" y="5453254"/>
+            <a:ext cx="135388" cy="1923"/>
+          </a:xfrm>
+          <a:prstGeom prst="bentConnector3">
+            <a:avLst/>
+          </a:prstGeom>
+          <a:ln w="19050">
+            <a:solidFill>
+              <a:srgbClr val="7030A0"/>
+            </a:solidFill>
+            <a:headEnd type="none" w="med" len="med"/>
+            <a:tailEnd type="arrow" w="med" len="med"/>
+          </a:ln>
+          <a:effectLst/>
+        </p:spPr>
+        <p:style>
+          <a:lnRef idx="1">
+            <a:schemeClr val="accent2"/>
+          </a:lnRef>
+          <a:fillRef idx="2">
+            <a:schemeClr val="accent2"/>
+          </a:fillRef>
+          <a:effectRef idx="1">
+            <a:schemeClr val="accent2"/>
+          </a:effectRef>
+          <a:fontRef idx="minor">
+            <a:schemeClr val="dk1"/>
+          </a:fontRef>
+        </p:style>
+      </p:cxnSp>
+      <p:sp>
+        <p:nvSpPr>
+          <p:cNvPr id="237" name="Rectangle 8">
+            <a:extLst>
+              <a:ext uri="{FF2B5EF4-FFF2-40B4-BE49-F238E27FC236}">
+                <a16:creationId xmlns:a16="http://schemas.microsoft.com/office/drawing/2014/main" id="{27640D25-06C4-48BA-95C5-11AD6E8CE765}"/>
+              </a:ext>
+            </a:extLst>
+          </p:cNvPr>
+          <p:cNvSpPr/>
+          <p:nvPr/>
+        </p:nvSpPr>
+        <p:spPr>
+          <a:xfrm>
+            <a:off x="5502397" y="5276429"/>
+            <a:ext cx="708186" cy="346760"/>
+          </a:xfrm>
+          <a:prstGeom prst="rect">
+            <a:avLst/>
+          </a:prstGeom>
+          <a:ln w="19050">
+            <a:solidFill>
+              <a:srgbClr val="7030A0"/>
+            </a:solidFill>
+          </a:ln>
+          <a:effectLst/>
+        </p:spPr>
+        <p:style>
+          <a:lnRef idx="1">
+            <a:schemeClr val="accent4"/>
+          </a:lnRef>
+          <a:fillRef idx="2">
+            <a:schemeClr val="accent4"/>
+          </a:fillRef>
+          <a:effectRef idx="1">
+            <a:schemeClr val="accent4"/>
+          </a:effectRef>
+          <a:fontRef idx="minor">
+            <a:schemeClr val="dk1"/>
+          </a:fontRef>
+        </p:style>
+        <p:txBody>
+          <a:bodyPr rtlCol="0" anchor="ctr"/>
+          <a:lstStyle/>
+          <a:p>
+            <a:pPr algn="ctr"/>
+            <a:r>
+              <a:rPr lang="en-US" sz="1050" dirty="0">
+                <a:solidFill>
+                  <a:srgbClr val="7030A0"/>
+                </a:solidFill>
+              </a:rPr>
+              <a:t>Expenses</a:t>
+            </a:r>
+            <a:endParaRPr lang="en-SG" sz="1050" dirty="0">
+              <a:solidFill>
+                <a:srgbClr val="7030A0"/>
+              </a:solidFill>
+            </a:endParaRPr>
+          </a:p>
+        </p:txBody>
+      </p:sp>
+      <p:sp>
+        <p:nvSpPr>
+          <p:cNvPr id="238" name="Flowchart: Decision 96">
+            <a:extLst>
+              <a:ext uri="{FF2B5EF4-FFF2-40B4-BE49-F238E27FC236}">
+                <a16:creationId xmlns:a16="http://schemas.microsoft.com/office/drawing/2014/main" id="{3B93A56D-E6CE-4119-B101-113DE5DC9512}"/>
+              </a:ext>
+            </a:extLst>
+          </p:cNvPr>
+          <p:cNvSpPr/>
+          <p:nvPr/>
+        </p:nvSpPr>
+        <p:spPr>
+          <a:xfrm>
+            <a:off x="5107180" y="5359428"/>
+            <a:ext cx="236048" cy="173380"/>
+          </a:xfrm>
+          <a:prstGeom prst="flowChartDecision">
+            <a:avLst/>
+          </a:prstGeom>
+          <a:noFill/>
+          <a:ln w="19050">
+            <a:solidFill>
+              <a:srgbClr val="7030A0"/>
+            </a:solidFill>
+          </a:ln>
+          <a:effectLst/>
+        </p:spPr>
+        <p:style>
+          <a:lnRef idx="1">
+            <a:schemeClr val="accent6"/>
+          </a:lnRef>
+          <a:fillRef idx="2">
+            <a:schemeClr val="accent6"/>
+          </a:fillRef>
+          <a:effectRef idx="1">
+            <a:schemeClr val="accent6"/>
+          </a:effectRef>
+          <a:fontRef idx="minor">
+            <a:schemeClr val="dk1"/>
+          </a:fontRef>
+        </p:style>
+        <p:txBody>
+          <a:bodyPr rtlCol="0" anchor="ctr"/>
+          <a:lstStyle/>
+          <a:p>
+            <a:pPr algn="ctr"/>
+            <a:endParaRPr lang="en-US" sz="1050"/>
+          </a:p>
+        </p:txBody>
+      </p:sp>
+      <p:cxnSp>
+        <p:nvCxnSpPr>
+          <p:cNvPr id="239" name="Elbow Connector 63">
+            <a:extLst>
+              <a:ext uri="{FF2B5EF4-FFF2-40B4-BE49-F238E27FC236}">
+                <a16:creationId xmlns:a16="http://schemas.microsoft.com/office/drawing/2014/main" id="{5F2072B5-9A16-43DF-BE74-9631328BBBE2}"/>
+              </a:ext>
+            </a:extLst>
+          </p:cNvPr>
+          <p:cNvCxnSpPr>
+            <a:cxnSpLocks/>
+            <a:stCxn id="238" idx="3"/>
+            <a:endCxn id="237" idx="1"/>
+          </p:cNvCxnSpPr>
+          <p:nvPr/>
+        </p:nvCxnSpPr>
+        <p:spPr>
+          <a:xfrm>
+            <a:off x="5343228" y="5446118"/>
+            <a:ext cx="159169" cy="3691"/>
+          </a:xfrm>
+          <a:prstGeom prst="bentConnector3">
+            <a:avLst/>
+          </a:prstGeom>
+          <a:ln w="19050">
+            <a:solidFill>
+              <a:srgbClr val="7030A0"/>
+            </a:solidFill>
+            <a:headEnd type="none" w="med" len="med"/>
+            <a:tailEnd type="arrow" w="med" len="med"/>
+          </a:ln>
+          <a:effectLst/>
+        </p:spPr>
+        <p:style>
+          <a:lnRef idx="1">
+            <a:schemeClr val="accent2"/>
+          </a:lnRef>
+          <a:fillRef idx="2">
+            <a:schemeClr val="accent2"/>
+          </a:fillRef>
+          <a:effectRef idx="1">
+            <a:schemeClr val="accent2"/>
+          </a:effectRef>
+          <a:fontRef idx="minor">
+            <a:schemeClr val="dk1"/>
+          </a:fontRef>
+        </p:style>
+      </p:cxnSp>
+      <p:sp>
+        <p:nvSpPr>
+          <p:cNvPr id="240" name="Flowchart: Decision 96">
+            <a:extLst>
+              <a:ext uri="{FF2B5EF4-FFF2-40B4-BE49-F238E27FC236}">
+                <a16:creationId xmlns:a16="http://schemas.microsoft.com/office/drawing/2014/main" id="{DC7B57BA-18B5-42D1-945B-A9B720471073}"/>
+              </a:ext>
+            </a:extLst>
+          </p:cNvPr>
+          <p:cNvSpPr/>
+          <p:nvPr/>
+        </p:nvSpPr>
+        <p:spPr>
+          <a:xfrm>
+            <a:off x="6230667" y="5366564"/>
+            <a:ext cx="236048" cy="173380"/>
+          </a:xfrm>
+          <a:prstGeom prst="flowChartDecision">
+            <a:avLst/>
+          </a:prstGeom>
+          <a:solidFill>
+            <a:srgbClr val="7030A0"/>
+          </a:solidFill>
+          <a:ln w="19050">
+            <a:solidFill>
+              <a:srgbClr val="7030A0"/>
+            </a:solidFill>
+          </a:ln>
+          <a:effectLst/>
+        </p:spPr>
+        <p:style>
+          <a:lnRef idx="1">
+            <a:schemeClr val="accent6"/>
+          </a:lnRef>
+          <a:fillRef idx="2">
+            <a:schemeClr val="accent6"/>
+          </a:fillRef>
+          <a:effectRef idx="1">
+            <a:schemeClr val="accent6"/>
+          </a:effectRef>
+          <a:fontRef idx="minor">
+            <a:schemeClr val="dk1"/>
+          </a:fontRef>
+        </p:style>
+        <p:txBody>
+          <a:bodyPr rtlCol="0" anchor="ctr"/>
+          <a:lstStyle/>
+          <a:p>
+            <a:pPr algn="ctr"/>
+            <a:endParaRPr lang="en-US" sz="1050"/>
+          </a:p>
+        </p:txBody>
+      </p:sp>
+      <p:sp>
+        <p:nvSpPr>
+          <p:cNvPr id="241" name="Rectangle 8">
+            <a:extLst>
+              <a:ext uri="{FF2B5EF4-FFF2-40B4-BE49-F238E27FC236}">
+                <a16:creationId xmlns:a16="http://schemas.microsoft.com/office/drawing/2014/main" id="{DBA2CB95-FEBF-426F-9ED6-F70DC139C05D}"/>
+              </a:ext>
+            </a:extLst>
+          </p:cNvPr>
+          <p:cNvSpPr/>
+          <p:nvPr/>
+        </p:nvSpPr>
+        <p:spPr>
+          <a:xfrm>
+            <a:off x="6903501" y="4990645"/>
+            <a:ext cx="1476000" cy="288000"/>
+          </a:xfrm>
+          <a:prstGeom prst="rect">
+            <a:avLst/>
+          </a:prstGeom>
+          <a:ln w="19050">
+            <a:solidFill>
+              <a:srgbClr val="7030A0"/>
+            </a:solidFill>
+          </a:ln>
+          <a:effectLst/>
+        </p:spPr>
+        <p:style>
+          <a:lnRef idx="1">
+            <a:schemeClr val="accent4"/>
+          </a:lnRef>
+          <a:fillRef idx="2">
+            <a:schemeClr val="accent4"/>
+          </a:fillRef>
+          <a:effectRef idx="1">
+            <a:schemeClr val="accent4"/>
+          </a:effectRef>
+          <a:fontRef idx="minor">
+            <a:schemeClr val="dk1"/>
+          </a:fontRef>
+        </p:style>
+        <p:txBody>
+          <a:bodyPr rtlCol="0" anchor="ctr"/>
+          <a:lstStyle/>
+          <a:p>
+            <a:pPr algn="ctr"/>
+            <a:r>
+              <a:rPr lang="en-US" sz="1050" dirty="0" err="1">
+                <a:solidFill>
+                  <a:srgbClr val="7030A0"/>
+                </a:solidFill>
+              </a:rPr>
+              <a:t>MedicalExpenses</a:t>
+            </a:r>
+            <a:endParaRPr lang="en-SG" sz="1050" dirty="0">
+              <a:solidFill>
+                <a:srgbClr val="7030A0"/>
+              </a:solidFill>
+            </a:endParaRPr>
+          </a:p>
+        </p:txBody>
+      </p:sp>
+      <p:cxnSp>
+        <p:nvCxnSpPr>
+          <p:cNvPr id="242" name="Elbow Connector 80">
+            <a:extLst>
+              <a:ext uri="{FF2B5EF4-FFF2-40B4-BE49-F238E27FC236}">
+                <a16:creationId xmlns:a16="http://schemas.microsoft.com/office/drawing/2014/main" id="{1BA89DCD-579D-489F-B470-0BBBB9E55FCF}"/>
+              </a:ext>
+            </a:extLst>
+          </p:cNvPr>
+          <p:cNvCxnSpPr>
+            <a:cxnSpLocks/>
+            <a:stCxn id="240" idx="3"/>
+            <a:endCxn id="241" idx="1"/>
+          </p:cNvCxnSpPr>
+          <p:nvPr/>
+        </p:nvCxnSpPr>
+        <p:spPr>
+          <a:xfrm flipV="1">
+            <a:off x="6466715" y="5134645"/>
+            <a:ext cx="436786" cy="318609"/>
+          </a:xfrm>
+          <a:prstGeom prst="bentConnector3">
+            <a:avLst/>
+          </a:prstGeom>
+          <a:ln w="19050">
+            <a:solidFill>
+              <a:srgbClr val="7030A0"/>
+            </a:solidFill>
+            <a:headEnd type="none" w="med" len="med"/>
+            <a:tailEnd type="arrow" w="med" len="med"/>
+          </a:ln>
+          <a:effectLst/>
+        </p:spPr>
+        <p:style>
+          <a:lnRef idx="1">
+            <a:schemeClr val="accent2"/>
+          </a:lnRef>
+          <a:fillRef idx="2">
+            <a:schemeClr val="accent2"/>
+          </a:fillRef>
+          <a:effectRef idx="1">
+            <a:schemeClr val="accent2"/>
+          </a:effectRef>
+          <a:fontRef idx="minor">
+            <a:schemeClr val="dk1"/>
+          </a:fontRef>
+        </p:style>
+      </p:cxnSp>
+      <p:sp>
+        <p:nvSpPr>
+          <p:cNvPr id="243" name="Rectangle 8">
+            <a:extLst>
+              <a:ext uri="{FF2B5EF4-FFF2-40B4-BE49-F238E27FC236}">
+                <a16:creationId xmlns:a16="http://schemas.microsoft.com/office/drawing/2014/main" id="{0393009A-3C19-44FD-8140-0BF3F05AD656}"/>
+              </a:ext>
+            </a:extLst>
+          </p:cNvPr>
+          <p:cNvSpPr/>
+          <p:nvPr/>
+        </p:nvSpPr>
+        <p:spPr>
+          <a:xfrm>
+            <a:off x="6903501" y="5313623"/>
+            <a:ext cx="1476000" cy="288000"/>
+          </a:xfrm>
+          <a:prstGeom prst="rect">
+            <a:avLst/>
+          </a:prstGeom>
+          <a:ln w="19050">
+            <a:solidFill>
+              <a:srgbClr val="7030A0"/>
+            </a:solidFill>
+          </a:ln>
+          <a:effectLst/>
+        </p:spPr>
+        <p:style>
+          <a:lnRef idx="1">
+            <a:schemeClr val="accent4"/>
+          </a:lnRef>
+          <a:fillRef idx="2">
+            <a:schemeClr val="accent4"/>
+          </a:fillRef>
+          <a:effectRef idx="1">
+            <a:schemeClr val="accent4"/>
+          </a:effectRef>
+          <a:fontRef idx="minor">
+            <a:schemeClr val="dk1"/>
+          </a:fontRef>
+        </p:style>
+        <p:txBody>
+          <a:bodyPr rtlCol="0" anchor="ctr"/>
+          <a:lstStyle/>
+          <a:p>
+            <a:pPr algn="ctr"/>
+            <a:r>
+              <a:rPr lang="en-US" sz="1050" dirty="0" err="1">
+                <a:solidFill>
+                  <a:srgbClr val="7030A0"/>
+                </a:solidFill>
+              </a:rPr>
+              <a:t>MiscellaneousExpenses</a:t>
+            </a:r>
+            <a:endParaRPr lang="en-SG" sz="1050" dirty="0">
+              <a:solidFill>
+                <a:srgbClr val="7030A0"/>
+              </a:solidFill>
+            </a:endParaRPr>
+          </a:p>
+        </p:txBody>
+      </p:sp>
+      <p:cxnSp>
+        <p:nvCxnSpPr>
+          <p:cNvPr id="244" name="Elbow Connector 83">
+            <a:extLst>
+              <a:ext uri="{FF2B5EF4-FFF2-40B4-BE49-F238E27FC236}">
+                <a16:creationId xmlns:a16="http://schemas.microsoft.com/office/drawing/2014/main" id="{676E1290-EBBA-4CF8-B68C-9A39E1000162}"/>
+              </a:ext>
+            </a:extLst>
+          </p:cNvPr>
+          <p:cNvCxnSpPr>
+            <a:cxnSpLocks/>
+            <a:stCxn id="240" idx="3"/>
+            <a:endCxn id="243" idx="1"/>
+          </p:cNvCxnSpPr>
+          <p:nvPr/>
+        </p:nvCxnSpPr>
+        <p:spPr>
+          <a:xfrm>
+            <a:off x="6466715" y="5453254"/>
+            <a:ext cx="436786" cy="4369"/>
+          </a:xfrm>
+          <a:prstGeom prst="bentConnector3">
+            <a:avLst/>
+          </a:prstGeom>
+          <a:ln w="19050">
+            <a:solidFill>
+              <a:srgbClr val="7030A0"/>
+            </a:solidFill>
+            <a:headEnd type="none" w="med" len="med"/>
+            <a:tailEnd type="arrow" w="med" len="med"/>
+          </a:ln>
+          <a:effectLst/>
+        </p:spPr>
+        <p:style>
+          <a:lnRef idx="1">
+            <a:schemeClr val="accent2"/>
+          </a:lnRef>
+          <a:fillRef idx="2">
+            <a:schemeClr val="accent2"/>
+          </a:fillRef>
+          <a:effectRef idx="1">
+            <a:schemeClr val="accent2"/>
+          </a:effectRef>
+          <a:fontRef idx="minor">
+            <a:schemeClr val="dk1"/>
+          </a:fontRef>
+        </p:style>
+      </p:cxnSp>
+      <p:sp>
+        <p:nvSpPr>
+          <p:cNvPr id="245" name="Rectangle 8">
+            <a:extLst>
+              <a:ext uri="{FF2B5EF4-FFF2-40B4-BE49-F238E27FC236}">
+                <a16:creationId xmlns:a16="http://schemas.microsoft.com/office/drawing/2014/main" id="{6FFD8961-5548-4FD8-91C0-7396E4AB9073}"/>
+              </a:ext>
+            </a:extLst>
+          </p:cNvPr>
+          <p:cNvSpPr/>
+          <p:nvPr/>
+        </p:nvSpPr>
+        <p:spPr>
+          <a:xfrm>
+            <a:off x="6903502" y="5636600"/>
+            <a:ext cx="1476000" cy="288000"/>
+          </a:xfrm>
+          <a:prstGeom prst="rect">
+            <a:avLst/>
+          </a:prstGeom>
+          <a:ln w="19050">
+            <a:solidFill>
+              <a:srgbClr val="7030A0"/>
+            </a:solidFill>
+          </a:ln>
+          <a:effectLst/>
+        </p:spPr>
+        <p:style>
+          <a:lnRef idx="1">
+            <a:schemeClr val="accent4"/>
+          </a:lnRef>
+          <a:fillRef idx="2">
+            <a:schemeClr val="accent4"/>
+          </a:fillRef>
+          <a:effectRef idx="1">
+            <a:schemeClr val="accent4"/>
+          </a:effectRef>
+          <a:fontRef idx="minor">
+            <a:schemeClr val="dk1"/>
+          </a:fontRef>
+        </p:style>
+        <p:txBody>
+          <a:bodyPr rtlCol="0" anchor="ctr"/>
+          <a:lstStyle/>
+          <a:p>
+            <a:pPr algn="ctr"/>
+            <a:r>
+              <a:rPr lang="en-US" sz="1050" dirty="0" err="1">
+                <a:solidFill>
+                  <a:srgbClr val="7030A0"/>
+                </a:solidFill>
+              </a:rPr>
+              <a:t>ExpensesAmount</a:t>
+            </a:r>
+            <a:endParaRPr lang="en-SG" sz="1050" dirty="0">
+              <a:solidFill>
+                <a:srgbClr val="7030A0"/>
+              </a:solidFill>
+            </a:endParaRPr>
+          </a:p>
+        </p:txBody>
+      </p:sp>
+      <p:cxnSp>
+        <p:nvCxnSpPr>
+          <p:cNvPr id="246" name="Elbow Connector 85">
+            <a:extLst>
+              <a:ext uri="{FF2B5EF4-FFF2-40B4-BE49-F238E27FC236}">
+                <a16:creationId xmlns:a16="http://schemas.microsoft.com/office/drawing/2014/main" id="{BA7EBB43-4A76-4CC1-B722-ABD169B906BF}"/>
+              </a:ext>
+            </a:extLst>
+          </p:cNvPr>
+          <p:cNvCxnSpPr>
+            <a:cxnSpLocks/>
+            <a:stCxn id="240" idx="3"/>
+            <a:endCxn id="245" idx="1"/>
+          </p:cNvCxnSpPr>
+          <p:nvPr/>
+        </p:nvCxnSpPr>
+        <p:spPr>
+          <a:xfrm>
+            <a:off x="6466715" y="5453254"/>
+            <a:ext cx="436787" cy="327346"/>
+          </a:xfrm>
+          <a:prstGeom prst="bentConnector3">
+            <a:avLst/>
+          </a:prstGeom>
+          <a:ln w="19050">
+            <a:solidFill>
+              <a:srgbClr val="7030A0"/>
+            </a:solidFill>
+            <a:headEnd type="none" w="med" len="med"/>
+            <a:tailEnd type="arrow" w="med" len="med"/>
+          </a:ln>
+          <a:effectLst/>
+        </p:spPr>
+        <p:style>
+          <a:lnRef idx="1">
+            <a:schemeClr val="accent2"/>
+          </a:lnRef>
+          <a:fillRef idx="2">
+            <a:schemeClr val="accent2"/>
+          </a:fillRef>
+          <a:effectRef idx="1">
+            <a:schemeClr val="accent2"/>
+          </a:effectRef>
+          <a:fontRef idx="minor">
+            <a:schemeClr val="dk1"/>
+          </a:fontRef>
+        </p:style>
+      </p:cxnSp>
+      <p:sp>
+        <p:nvSpPr>
+          <p:cNvPr id="247" name="TextBox 246">
+            <a:extLst>
+              <a:ext uri="{FF2B5EF4-FFF2-40B4-BE49-F238E27FC236}">
+                <a16:creationId xmlns:a16="http://schemas.microsoft.com/office/drawing/2014/main" id="{64FDC722-8AA8-4853-A87A-429AFC85252E}"/>
               </a:ext>
             </a:extLst>
           </p:cNvPr>
@@ -5417,7 +8909,97 @@
         </p:nvSpPr>
         <p:spPr>
           <a:xfrm>
-            <a:off x="7466243" y="2255711"/>
+            <a:off x="5027164" y="5743660"/>
+            <a:ext cx="881018" cy="261610"/>
+          </a:xfrm>
+          <a:prstGeom prst="rect">
+            <a:avLst/>
+          </a:prstGeom>
+          <a:noFill/>
+        </p:spPr>
+        <p:txBody>
+          <a:bodyPr wrap="square" rtlCol="0">
+            <a:spAutoFit/>
+          </a:bodyPr>
+          <a:lstStyle/>
+          <a:p>
+            <a:pPr algn="r"/>
+            <a:r>
+              <a:rPr lang="en-US" sz="1100" dirty="0">
+                <a:solidFill>
+                  <a:srgbClr val="7030A0"/>
+                </a:solidFill>
+              </a:rPr>
+              <a:t>filtered list</a:t>
+            </a:r>
+            <a:endParaRPr lang="en-SG" sz="1100" dirty="0">
+              <a:solidFill>
+                <a:srgbClr val="7030A0"/>
+              </a:solidFill>
+            </a:endParaRPr>
+          </a:p>
+        </p:txBody>
+      </p:sp>
+      <p:sp>
+        <p:nvSpPr>
+          <p:cNvPr id="248" name="TextBox 247">
+            <a:extLst>
+              <a:ext uri="{FF2B5EF4-FFF2-40B4-BE49-F238E27FC236}">
+                <a16:creationId xmlns:a16="http://schemas.microsoft.com/office/drawing/2014/main" id="{0F54E405-C2FD-447D-8EAA-5173EC5285AE}"/>
+              </a:ext>
+            </a:extLst>
+          </p:cNvPr>
+          <p:cNvSpPr txBox="1"/>
+          <p:nvPr/>
+        </p:nvSpPr>
+        <p:spPr>
+          <a:xfrm>
+            <a:off x="3513692" y="5477227"/>
+            <a:ext cx="189257" cy="178683"/>
+          </a:xfrm>
+          <a:prstGeom prst="rect">
+            <a:avLst/>
+          </a:prstGeom>
+          <a:noFill/>
+        </p:spPr>
+        <p:txBody>
+          <a:bodyPr wrap="square" lIns="0" tIns="0" rIns="0" bIns="0" rtlCol="0">
+            <a:noAutofit/>
+          </a:bodyPr>
+          <a:lstStyle/>
+          <a:p>
+            <a:pPr algn="ctr"/>
+            <a:r>
+              <a:rPr lang="en-US" sz="1100" dirty="0">
+                <a:solidFill>
+                  <a:srgbClr val="7030A0"/>
+                </a:solidFill>
+              </a:rPr>
+              <a:t>1</a:t>
+            </a:r>
+            <a:endParaRPr lang="en-SG" sz="1100" dirty="0">
+              <a:solidFill>
+                <a:srgbClr val="7030A0"/>
+              </a:solidFill>
+            </a:endParaRPr>
+          </a:p>
+        </p:txBody>
+      </p:sp>
+      <p:sp>
+        <p:nvSpPr>
+          <p:cNvPr id="249" name="TextBox 248">
+            <a:extLst>
+              <a:ext uri="{FF2B5EF4-FFF2-40B4-BE49-F238E27FC236}">
+                <a16:creationId xmlns:a16="http://schemas.microsoft.com/office/drawing/2014/main" id="{F0266D95-A335-49C2-9439-12A11B74C230}"/>
+              </a:ext>
+            </a:extLst>
+          </p:cNvPr>
+          <p:cNvSpPr txBox="1"/>
+          <p:nvPr/>
+        </p:nvSpPr>
+        <p:spPr>
+          <a:xfrm>
+            <a:off x="5323976" y="5516280"/>
             <a:ext cx="189257" cy="178683"/>
           </a:xfrm>
           <a:prstGeom prst="rect">
@@ -5450,14 +9032,251 @@
       </p:sp>
       <p:sp>
         <p:nvSpPr>
-          <p:cNvPr id="55" name="Rectangle 8"/>
+          <p:cNvPr id="250" name="TextBox 249">
+            <a:extLst>
+              <a:ext uri="{FF2B5EF4-FFF2-40B4-BE49-F238E27FC236}">
+                <a16:creationId xmlns:a16="http://schemas.microsoft.com/office/drawing/2014/main" id="{849DEF94-9CF8-4D7E-A045-9C9D5C4CC920}"/>
+              </a:ext>
+            </a:extLst>
+          </p:cNvPr>
+          <p:cNvSpPr txBox="1"/>
+          <p:nvPr/>
+        </p:nvSpPr>
+        <p:spPr>
+          <a:xfrm>
+            <a:off x="1748887" y="5172181"/>
+            <a:ext cx="78378" cy="193767"/>
+          </a:xfrm>
+          <a:prstGeom prst="rect">
+            <a:avLst/>
+          </a:prstGeom>
+          <a:noFill/>
+        </p:spPr>
+        <p:txBody>
+          <a:bodyPr wrap="square" lIns="0" tIns="0" rIns="0" bIns="0" rtlCol="0">
+            <a:noAutofit/>
+          </a:bodyPr>
+          <a:lstStyle/>
+          <a:p>
+            <a:pPr algn="ctr"/>
+            <a:r>
+              <a:rPr lang="en-US" sz="1100" dirty="0">
+                <a:solidFill>
+                  <a:srgbClr val="7030A0"/>
+                </a:solidFill>
+              </a:rPr>
+              <a:t>1</a:t>
+            </a:r>
+            <a:endParaRPr lang="en-SG" sz="1100" dirty="0">
+              <a:solidFill>
+                <a:srgbClr val="7030A0"/>
+              </a:solidFill>
+            </a:endParaRPr>
+          </a:p>
+        </p:txBody>
+      </p:sp>
+      <p:sp>
+        <p:nvSpPr>
+          <p:cNvPr id="251" name="TextBox 250">
+            <a:extLst>
+              <a:ext uri="{FF2B5EF4-FFF2-40B4-BE49-F238E27FC236}">
+                <a16:creationId xmlns:a16="http://schemas.microsoft.com/office/drawing/2014/main" id="{BCACB29C-1E67-4FB2-A6E2-E03B800F5F9A}"/>
+              </a:ext>
+            </a:extLst>
+          </p:cNvPr>
+          <p:cNvSpPr txBox="1"/>
+          <p:nvPr/>
+        </p:nvSpPr>
+        <p:spPr>
+          <a:xfrm>
+            <a:off x="5638616" y="5623189"/>
+            <a:ext cx="189257" cy="178683"/>
+          </a:xfrm>
+          <a:prstGeom prst="rect">
+            <a:avLst/>
+          </a:prstGeom>
+          <a:noFill/>
+        </p:spPr>
+        <p:txBody>
+          <a:bodyPr wrap="square" lIns="0" tIns="0" rIns="0" bIns="0" rtlCol="0">
+            <a:noAutofit/>
+          </a:bodyPr>
+          <a:lstStyle/>
+          <a:p>
+            <a:pPr algn="ctr"/>
+            <a:r>
+              <a:rPr lang="en-US" sz="1100" dirty="0">
+                <a:solidFill>
+                  <a:srgbClr val="7030A0"/>
+                </a:solidFill>
+              </a:rPr>
+              <a:t>1</a:t>
+            </a:r>
+            <a:endParaRPr lang="en-SG" sz="1100" dirty="0">
+              <a:solidFill>
+                <a:srgbClr val="7030A0"/>
+              </a:solidFill>
+            </a:endParaRPr>
+          </a:p>
+        </p:txBody>
+      </p:sp>
+      <p:sp>
+        <p:nvSpPr>
+          <p:cNvPr id="252" name="TextBox 251">
+            <a:extLst>
+              <a:ext uri="{FF2B5EF4-FFF2-40B4-BE49-F238E27FC236}">
+                <a16:creationId xmlns:a16="http://schemas.microsoft.com/office/drawing/2014/main" id="{A27E199F-3423-48B9-A822-4E22F537770A}"/>
+              </a:ext>
+            </a:extLst>
+          </p:cNvPr>
+          <p:cNvSpPr txBox="1"/>
+          <p:nvPr/>
+        </p:nvSpPr>
+        <p:spPr>
+          <a:xfrm>
+            <a:off x="5838361" y="4925833"/>
+            <a:ext cx="189257" cy="178683"/>
+          </a:xfrm>
+          <a:prstGeom prst="rect">
+            <a:avLst/>
+          </a:prstGeom>
+          <a:noFill/>
+        </p:spPr>
+        <p:txBody>
+          <a:bodyPr wrap="square" lIns="0" tIns="0" rIns="0" bIns="0" rtlCol="0">
+            <a:noAutofit/>
+          </a:bodyPr>
+          <a:lstStyle/>
+          <a:p>
+            <a:pPr algn="ctr"/>
+            <a:endParaRPr lang="en-SG" sz="1100" dirty="0">
+              <a:solidFill>
+                <a:srgbClr val="7030A0"/>
+              </a:solidFill>
+            </a:endParaRPr>
+          </a:p>
+        </p:txBody>
+      </p:sp>
+      <p:cxnSp>
+        <p:nvCxnSpPr>
+          <p:cNvPr id="253" name="Elbow Connector 63">
+            <a:extLst>
+              <a:ext uri="{FF2B5EF4-FFF2-40B4-BE49-F238E27FC236}">
+                <a16:creationId xmlns:a16="http://schemas.microsoft.com/office/drawing/2014/main" id="{210D8B25-A344-4FDF-9FA0-30B0A7BF4638}"/>
+              </a:ext>
+            </a:extLst>
+          </p:cNvPr>
+          <p:cNvCxnSpPr>
+            <a:cxnSpLocks/>
+            <a:endCxn id="231" idx="0"/>
+          </p:cNvCxnSpPr>
+          <p:nvPr/>
+        </p:nvCxnSpPr>
+        <p:spPr>
+          <a:xfrm rot="16200000" flipH="1">
+            <a:off x="2542791" y="5097095"/>
+            <a:ext cx="312356" cy="1"/>
+          </a:xfrm>
+          <a:prstGeom prst="bentConnector3">
+            <a:avLst>
+              <a:gd name="adj1" fmla="val 50000"/>
+            </a:avLst>
+          </a:prstGeom>
+          <a:ln w="19050">
+            <a:solidFill>
+              <a:srgbClr val="7030A0"/>
+            </a:solidFill>
+            <a:prstDash val="sysDot"/>
+            <a:headEnd type="none" w="med" len="med"/>
+            <a:tailEnd type="none" w="med" len="med"/>
+          </a:ln>
+          <a:effectLst/>
+        </p:spPr>
+        <p:style>
+          <a:lnRef idx="1">
+            <a:schemeClr val="accent2"/>
+          </a:lnRef>
+          <a:fillRef idx="2">
+            <a:schemeClr val="accent2"/>
+          </a:fillRef>
+          <a:effectRef idx="1">
+            <a:schemeClr val="accent2"/>
+          </a:effectRef>
+          <a:fontRef idx="minor">
+            <a:schemeClr val="dk1"/>
+          </a:fontRef>
+        </p:style>
+      </p:cxnSp>
+      <p:sp>
+        <p:nvSpPr>
+          <p:cNvPr id="254" name="Isosceles Triangle 102">
+            <a:extLst>
+              <a:ext uri="{FF2B5EF4-FFF2-40B4-BE49-F238E27FC236}">
+                <a16:creationId xmlns:a16="http://schemas.microsoft.com/office/drawing/2014/main" id="{31F8C064-38D3-4E26-B7CE-A0DC9700E736}"/>
+              </a:ext>
+            </a:extLst>
+          </p:cNvPr>
           <p:cNvSpPr/>
           <p:nvPr/>
         </p:nvSpPr>
         <p:spPr>
-          <a:xfrm>
-            <a:off x="3170181" y="1998350"/>
-            <a:ext cx="1060683" cy="364396"/>
+          <a:xfrm rot="10800000" flipV="1">
+            <a:off x="2551396" y="4794939"/>
+            <a:ext cx="282387" cy="157062"/>
+          </a:xfrm>
+          <a:prstGeom prst="triangle">
+            <a:avLst/>
+          </a:prstGeom>
+          <a:ln w="19050">
+            <a:solidFill>
+              <a:srgbClr val="7030A0"/>
+            </a:solidFill>
+          </a:ln>
+          <a:effectLst/>
+        </p:spPr>
+        <p:style>
+          <a:lnRef idx="1">
+            <a:schemeClr val="accent4"/>
+          </a:lnRef>
+          <a:fillRef idx="2">
+            <a:schemeClr val="accent4"/>
+          </a:fillRef>
+          <a:effectRef idx="1">
+            <a:schemeClr val="accent4"/>
+          </a:effectRef>
+          <a:fontRef idx="minor">
+            <a:schemeClr val="dk1"/>
+          </a:fontRef>
+        </p:style>
+        <p:txBody>
+          <a:bodyPr rtlCol="0" anchor="ctr"/>
+          <a:lstStyle/>
+          <a:p>
+            <a:pPr algn="ctr"/>
+            <a:endParaRPr lang="en-SG" sz="1050" b="1">
+              <a:solidFill>
+                <a:srgbClr val="92D050"/>
+              </a:solidFill>
+            </a:endParaRPr>
+          </a:p>
+        </p:txBody>
+      </p:sp>
+      <p:sp>
+        <p:nvSpPr>
+          <p:cNvPr id="255" name="Rectangle 8">
+            <a:extLst>
+              <a:ext uri="{FF2B5EF4-FFF2-40B4-BE49-F238E27FC236}">
+                <a16:creationId xmlns:a16="http://schemas.microsoft.com/office/drawing/2014/main" id="{17ADBDFB-7A16-4912-95C0-0244508E6223}"/>
+              </a:ext>
+            </a:extLst>
+          </p:cNvPr>
+          <p:cNvSpPr/>
+          <p:nvPr/>
+        </p:nvSpPr>
+        <p:spPr>
+          <a:xfrm>
+            <a:off x="3701068" y="4421257"/>
+            <a:ext cx="1604123" cy="364396"/>
           </a:xfrm>
           <a:prstGeom prst="rect">
             <a:avLst/>
@@ -5488,13 +9307,28 @@
           <a:lstStyle/>
           <a:p>
             <a:pPr algn="ctr"/>
+            <a:r>
+              <a:rPr lang="en-US" sz="1050" dirty="0">
+                <a:solidFill>
+                  <a:srgbClr val="7030A0"/>
+                </a:solidFill>
+              </a:rPr>
+              <a:t>&lt;&lt;interface&gt;&gt;</a:t>
+            </a:r>
+            <a:br>
+              <a:rPr lang="en-US" sz="1050" dirty="0">
+                <a:solidFill>
+                  <a:srgbClr val="7030A0"/>
+                </a:solidFill>
+              </a:rPr>
+            </a:br>
             <a:r>
               <a:rPr lang="en-US" sz="1050" dirty="0" err="1">
                 <a:solidFill>
                   <a:srgbClr val="7030A0"/>
                 </a:solidFill>
               </a:rPr>
-              <a:t>AddressBook</a:t>
+              <a:t>ReadOnlyExpensesList</a:t>
             </a:r>
             <a:endParaRPr lang="en-SG" sz="1050" dirty="0">
               <a:solidFill>
@@ -5504,56 +9338,83 @@
           </a:p>
         </p:txBody>
       </p:sp>
-      <p:cxnSp>
-        <p:nvCxnSpPr>
-          <p:cNvPr id="60" name="Straight Arrow Connector 59"/>
-          <p:cNvCxnSpPr>
-            <a:stCxn id="51" idx="1"/>
-            <a:endCxn id="49" idx="1"/>
-          </p:cNvCxnSpPr>
-          <p:nvPr/>
-        </p:nvCxnSpPr>
-        <p:spPr>
-          <a:xfrm>
-            <a:off x="4324972" y="3007222"/>
-            <a:ext cx="367678" cy="12320"/>
-          </a:xfrm>
-          <a:prstGeom prst="straightConnector1">
-            <a:avLst/>
-          </a:prstGeom>
-          <a:ln w="19050">
-            <a:solidFill>
-              <a:srgbClr val="7030A0"/>
-            </a:solidFill>
-            <a:headEnd type="none" w="med" len="med"/>
-            <a:tailEnd type="arrow" w="med" len="med"/>
-          </a:ln>
-          <a:effectLst/>
-        </p:spPr>
-        <p:style>
-          <a:lnRef idx="1">
-            <a:schemeClr val="accent2"/>
-          </a:lnRef>
-          <a:fillRef idx="2">
-            <a:schemeClr val="accent2"/>
-          </a:fillRef>
-          <a:effectRef idx="1">
-            <a:schemeClr val="accent2"/>
-          </a:effectRef>
-          <a:fontRef idx="minor">
-            <a:schemeClr val="dk1"/>
-          </a:fontRef>
-        </p:style>
-      </p:cxnSp>
-      <p:sp>
-        <p:nvSpPr>
-          <p:cNvPr id="68" name="Isosceles Triangle 102"/>
+      <p:sp>
+        <p:nvSpPr>
+          <p:cNvPr id="256" name="Rectangle 8">
+            <a:extLst>
+              <a:ext uri="{FF2B5EF4-FFF2-40B4-BE49-F238E27FC236}">
+                <a16:creationId xmlns:a16="http://schemas.microsoft.com/office/drawing/2014/main" id="{73793C04-443C-4797-8145-C20F6780A103}"/>
+              </a:ext>
+            </a:extLst>
+          </p:cNvPr>
           <p:cNvSpPr/>
           <p:nvPr/>
         </p:nvSpPr>
         <p:spPr>
-          <a:xfrm rot="16200000">
-            <a:off x="2669073" y="2069158"/>
+          <a:xfrm>
+            <a:off x="2162246" y="4419600"/>
+            <a:ext cx="1060683" cy="364396"/>
+          </a:xfrm>
+          <a:prstGeom prst="rect">
+            <a:avLst/>
+          </a:prstGeom>
+          <a:ln w="19050">
+            <a:solidFill>
+              <a:srgbClr val="7030A0"/>
+            </a:solidFill>
+          </a:ln>
+          <a:effectLst/>
+        </p:spPr>
+        <p:style>
+          <a:lnRef idx="1">
+            <a:schemeClr val="accent4"/>
+          </a:lnRef>
+          <a:fillRef idx="2">
+            <a:schemeClr val="accent4"/>
+          </a:fillRef>
+          <a:effectRef idx="1">
+            <a:schemeClr val="accent4"/>
+          </a:effectRef>
+          <a:fontRef idx="minor">
+            <a:schemeClr val="dk1"/>
+          </a:fontRef>
+        </p:style>
+        <p:txBody>
+          <a:bodyPr rtlCol="0" anchor="ctr"/>
+          <a:lstStyle/>
+          <a:p>
+            <a:pPr algn="ctr"/>
+            <a:r>
+              <a:rPr lang="en-US" sz="1050" dirty="0" err="1">
+                <a:solidFill>
+                  <a:srgbClr val="7030A0"/>
+                </a:solidFill>
+              </a:rPr>
+              <a:t>ExpensesList</a:t>
+            </a:r>
+            <a:endParaRPr lang="en-SG" sz="1050" dirty="0">
+              <a:solidFill>
+                <a:srgbClr val="7030A0"/>
+              </a:solidFill>
+            </a:endParaRPr>
+          </a:p>
+        </p:txBody>
+      </p:sp>
+      <p:sp>
+        <p:nvSpPr>
+          <p:cNvPr id="257" name="Isosceles Triangle 102">
+            <a:extLst>
+              <a:ext uri="{FF2B5EF4-FFF2-40B4-BE49-F238E27FC236}">
+                <a16:creationId xmlns:a16="http://schemas.microsoft.com/office/drawing/2014/main" id="{D689F180-039A-4DC6-9111-35266E8820A1}"/>
+              </a:ext>
+            </a:extLst>
+          </p:cNvPr>
+          <p:cNvSpPr/>
+          <p:nvPr/>
+        </p:nvSpPr>
+        <p:spPr>
+          <a:xfrm rot="5400000">
+            <a:off x="3459759" y="4511112"/>
             <a:ext cx="271014" cy="187417"/>
           </a:xfrm>
           <a:prstGeom prst="triangle">
@@ -5599,17 +9460,24 @@
       </p:sp>
       <p:cxnSp>
         <p:nvCxnSpPr>
-          <p:cNvPr id="69" name="Elbow Connector 63"/>
+          <p:cNvPr id="258" name="Elbow Connector 63">
+            <a:extLst>
+              <a:ext uri="{FF2B5EF4-FFF2-40B4-BE49-F238E27FC236}">
+                <a16:creationId xmlns:a16="http://schemas.microsoft.com/office/drawing/2014/main" id="{6EF6B24A-4813-49E2-89DF-FA118F845755}"/>
+              </a:ext>
+            </a:extLst>
+          </p:cNvPr>
           <p:cNvCxnSpPr>
-            <a:stCxn id="68" idx="3"/>
-            <a:endCxn id="55" idx="1"/>
+            <a:cxnSpLocks/>
+            <a:stCxn id="284" idx="1"/>
+            <a:endCxn id="285" idx="3"/>
           </p:cNvCxnSpPr>
           <p:nvPr/>
         </p:nvCxnSpPr>
         <p:spPr>
-          <a:xfrm>
-            <a:off x="2898289" y="2177727"/>
-            <a:ext cx="271892" cy="2821"/>
+          <a:xfrm rot="10800000">
+            <a:off x="3224023" y="6125799"/>
+            <a:ext cx="478139" cy="1657"/>
           </a:xfrm>
           <a:prstGeom prst="bentConnector3">
             <a:avLst>
@@ -5641,10 +9509,1645 @@
           </a:fontRef>
         </p:style>
       </p:cxnSp>
+      <p:cxnSp>
+        <p:nvCxnSpPr>
+          <p:cNvPr id="259" name="Elbow Connector 106">
+            <a:extLst>
+              <a:ext uri="{FF2B5EF4-FFF2-40B4-BE49-F238E27FC236}">
+                <a16:creationId xmlns:a16="http://schemas.microsoft.com/office/drawing/2014/main" id="{EC85F2E6-7F2F-4C5F-AA15-DA82911AD864}"/>
+              </a:ext>
+            </a:extLst>
+          </p:cNvPr>
+          <p:cNvCxnSpPr>
+            <a:cxnSpLocks/>
+            <a:endCxn id="266" idx="2"/>
+          </p:cNvCxnSpPr>
+          <p:nvPr/>
+        </p:nvCxnSpPr>
+        <p:spPr>
+          <a:xfrm flipV="1">
+            <a:off x="1604997" y="7147189"/>
+            <a:ext cx="4334123" cy="143002"/>
+          </a:xfrm>
+          <a:prstGeom prst="bentConnector2">
+            <a:avLst/>
+          </a:prstGeom>
+          <a:ln w="19050">
+            <a:solidFill>
+              <a:srgbClr val="7030A0"/>
+            </a:solidFill>
+            <a:prstDash val="solid"/>
+            <a:headEnd type="none" w="med" len="med"/>
+            <a:tailEnd type="arrow" w="med" len="med"/>
+          </a:ln>
+          <a:effectLst/>
+        </p:spPr>
+        <p:style>
+          <a:lnRef idx="1">
+            <a:schemeClr val="accent2"/>
+          </a:lnRef>
+          <a:fillRef idx="2">
+            <a:schemeClr val="accent2"/>
+          </a:fillRef>
+          <a:effectRef idx="1">
+            <a:schemeClr val="accent2"/>
+          </a:effectRef>
+          <a:fontRef idx="minor">
+            <a:schemeClr val="dk1"/>
+          </a:fontRef>
+        </p:style>
+      </p:cxnSp>
+      <p:sp>
+        <p:nvSpPr>
+          <p:cNvPr id="260" name="Rectangle 8">
+            <a:extLst>
+              <a:ext uri="{FF2B5EF4-FFF2-40B4-BE49-F238E27FC236}">
+                <a16:creationId xmlns:a16="http://schemas.microsoft.com/office/drawing/2014/main" id="{9DBAF44F-E02A-4E7D-B493-BE390D600428}"/>
+              </a:ext>
+            </a:extLst>
+          </p:cNvPr>
+          <p:cNvSpPr/>
+          <p:nvPr/>
+        </p:nvSpPr>
+        <p:spPr>
+          <a:xfrm>
+            <a:off x="1976219" y="6777274"/>
+            <a:ext cx="1447688" cy="346760"/>
+          </a:xfrm>
+          <a:prstGeom prst="rect">
+            <a:avLst/>
+          </a:prstGeom>
+          <a:ln w="19050">
+            <a:solidFill>
+              <a:srgbClr val="7030A0"/>
+            </a:solidFill>
+          </a:ln>
+          <a:effectLst/>
+        </p:spPr>
+        <p:style>
+          <a:lnRef idx="1">
+            <a:schemeClr val="accent4"/>
+          </a:lnRef>
+          <a:fillRef idx="2">
+            <a:schemeClr val="accent4"/>
+          </a:fillRef>
+          <a:effectRef idx="1">
+            <a:schemeClr val="accent4"/>
+          </a:effectRef>
+          <a:fontRef idx="minor">
+            <a:schemeClr val="dk1"/>
+          </a:fontRef>
+        </p:style>
+        <p:txBody>
+          <a:bodyPr rtlCol="0" anchor="ctr"/>
+          <a:lstStyle/>
+          <a:p>
+            <a:pPr algn="ctr"/>
+            <a:r>
+              <a:rPr lang="en-US" sz="1050" dirty="0" err="1">
+                <a:solidFill>
+                  <a:srgbClr val="7030A0"/>
+                </a:solidFill>
+              </a:rPr>
+              <a:t>VersionedRecruitmentList</a:t>
+            </a:r>
+            <a:endParaRPr lang="en-SG" sz="1050" dirty="0">
+              <a:solidFill>
+                <a:srgbClr val="7030A0"/>
+              </a:solidFill>
+            </a:endParaRPr>
+          </a:p>
+        </p:txBody>
+      </p:sp>
+      <p:cxnSp>
+        <p:nvCxnSpPr>
+          <p:cNvPr id="261" name="Straight Arrow Connector 260">
+            <a:extLst>
+              <a:ext uri="{FF2B5EF4-FFF2-40B4-BE49-F238E27FC236}">
+                <a16:creationId xmlns:a16="http://schemas.microsoft.com/office/drawing/2014/main" id="{11B02481-E8D3-4B5F-AE6F-8AB8E939F400}"/>
+              </a:ext>
+            </a:extLst>
+          </p:cNvPr>
+          <p:cNvCxnSpPr>
+            <a:stCxn id="262" idx="3"/>
+            <a:endCxn id="260" idx="1"/>
+          </p:cNvCxnSpPr>
+          <p:nvPr/>
+        </p:nvCxnSpPr>
+        <p:spPr>
+          <a:xfrm>
+            <a:off x="1814173" y="6945396"/>
+            <a:ext cx="162046" cy="5258"/>
+          </a:xfrm>
+          <a:prstGeom prst="straightConnector1">
+            <a:avLst/>
+          </a:prstGeom>
+          <a:ln w="19050">
+            <a:solidFill>
+              <a:srgbClr val="7030A0"/>
+            </a:solidFill>
+            <a:headEnd type="none" w="med" len="med"/>
+            <a:tailEnd type="arrow" w="med" len="med"/>
+          </a:ln>
+          <a:effectLst/>
+        </p:spPr>
+        <p:style>
+          <a:lnRef idx="1">
+            <a:schemeClr val="accent2"/>
+          </a:lnRef>
+          <a:fillRef idx="2">
+            <a:schemeClr val="accent2"/>
+          </a:fillRef>
+          <a:effectRef idx="1">
+            <a:schemeClr val="accent2"/>
+          </a:effectRef>
+          <a:fontRef idx="minor">
+            <a:schemeClr val="dk1"/>
+          </a:fontRef>
+        </p:style>
+      </p:cxnSp>
+      <p:sp>
+        <p:nvSpPr>
+          <p:cNvPr id="262" name="Flowchart: Decision 96">
+            <a:extLst>
+              <a:ext uri="{FF2B5EF4-FFF2-40B4-BE49-F238E27FC236}">
+                <a16:creationId xmlns:a16="http://schemas.microsoft.com/office/drawing/2014/main" id="{FC247E52-A9F6-4478-94AC-FA55AA1C0DAE}"/>
+              </a:ext>
+            </a:extLst>
+          </p:cNvPr>
+          <p:cNvSpPr/>
+          <p:nvPr/>
+        </p:nvSpPr>
+        <p:spPr>
+          <a:xfrm>
+            <a:off x="1578125" y="6858706"/>
+            <a:ext cx="236048" cy="173380"/>
+          </a:xfrm>
+          <a:prstGeom prst="flowChartDecision">
+            <a:avLst/>
+          </a:prstGeom>
+          <a:noFill/>
+          <a:ln w="19050">
+            <a:solidFill>
+              <a:srgbClr val="7030A0"/>
+            </a:solidFill>
+          </a:ln>
+          <a:effectLst/>
+        </p:spPr>
+        <p:style>
+          <a:lnRef idx="1">
+            <a:schemeClr val="accent6"/>
+          </a:lnRef>
+          <a:fillRef idx="2">
+            <a:schemeClr val="accent6"/>
+          </a:fillRef>
+          <a:effectRef idx="1">
+            <a:schemeClr val="accent6"/>
+          </a:effectRef>
+          <a:fontRef idx="minor">
+            <a:schemeClr val="dk1"/>
+          </a:fontRef>
+        </p:style>
+        <p:txBody>
+          <a:bodyPr rtlCol="0" anchor="ctr"/>
+          <a:lstStyle/>
+          <a:p>
+            <a:pPr algn="ctr"/>
+            <a:endParaRPr lang="en-US" sz="1050"/>
+          </a:p>
+        </p:txBody>
+      </p:sp>
+      <p:sp>
+        <p:nvSpPr>
+          <p:cNvPr id="263" name="Rectangle 8">
+            <a:extLst>
+              <a:ext uri="{FF2B5EF4-FFF2-40B4-BE49-F238E27FC236}">
+                <a16:creationId xmlns:a16="http://schemas.microsoft.com/office/drawing/2014/main" id="{CCD90F65-E5FD-42C4-B293-6E20BD7F00E8}"/>
+              </a:ext>
+            </a:extLst>
+          </p:cNvPr>
+          <p:cNvSpPr/>
+          <p:nvPr/>
+        </p:nvSpPr>
+        <p:spPr>
+          <a:xfrm>
+            <a:off x="3858310" y="6805797"/>
+            <a:ext cx="1250682" cy="346760"/>
+          </a:xfrm>
+          <a:prstGeom prst="rect">
+            <a:avLst/>
+          </a:prstGeom>
+          <a:ln w="19050">
+            <a:solidFill>
+              <a:srgbClr val="7030A0"/>
+            </a:solidFill>
+          </a:ln>
+          <a:effectLst/>
+        </p:spPr>
+        <p:style>
+          <a:lnRef idx="1">
+            <a:schemeClr val="accent4"/>
+          </a:lnRef>
+          <a:fillRef idx="2">
+            <a:schemeClr val="accent4"/>
+          </a:fillRef>
+          <a:effectRef idx="1">
+            <a:schemeClr val="accent4"/>
+          </a:effectRef>
+          <a:fontRef idx="minor">
+            <a:schemeClr val="dk1"/>
+          </a:fontRef>
+        </p:style>
+        <p:txBody>
+          <a:bodyPr rtlCol="0" anchor="ctr"/>
+          <a:lstStyle/>
+          <a:p>
+            <a:pPr algn="ctr"/>
+            <a:r>
+              <a:rPr lang="en-US" sz="1050" dirty="0" err="1">
+                <a:solidFill>
+                  <a:srgbClr val="7030A0"/>
+                </a:solidFill>
+              </a:rPr>
+              <a:t>UniqueRecruitmentList</a:t>
+            </a:r>
+            <a:endParaRPr lang="en-SG" sz="1050" dirty="0">
+              <a:solidFill>
+                <a:srgbClr val="7030A0"/>
+              </a:solidFill>
+            </a:endParaRPr>
+          </a:p>
+        </p:txBody>
+      </p:sp>
+      <p:sp>
+        <p:nvSpPr>
+          <p:cNvPr id="264" name="Flowchart: Decision 263">
+            <a:extLst>
+              <a:ext uri="{FF2B5EF4-FFF2-40B4-BE49-F238E27FC236}">
+                <a16:creationId xmlns:a16="http://schemas.microsoft.com/office/drawing/2014/main" id="{8595F0F2-6235-4798-B9C9-CAF7EF2AA624}"/>
+              </a:ext>
+            </a:extLst>
+          </p:cNvPr>
+          <p:cNvSpPr/>
+          <p:nvPr/>
+        </p:nvSpPr>
+        <p:spPr>
+          <a:xfrm>
+            <a:off x="3423059" y="6890564"/>
+            <a:ext cx="236048" cy="173380"/>
+          </a:xfrm>
+          <a:prstGeom prst="flowChartDecision">
+            <a:avLst/>
+          </a:prstGeom>
+          <a:solidFill>
+            <a:srgbClr val="7030A0"/>
+          </a:solidFill>
+          <a:ln w="19050">
+            <a:solidFill>
+              <a:srgbClr val="7030A0"/>
+            </a:solidFill>
+          </a:ln>
+          <a:effectLst/>
+        </p:spPr>
+        <p:style>
+          <a:lnRef idx="1">
+            <a:schemeClr val="accent6"/>
+          </a:lnRef>
+          <a:fillRef idx="2">
+            <a:schemeClr val="accent6"/>
+          </a:fillRef>
+          <a:effectRef idx="1">
+            <a:schemeClr val="accent6"/>
+          </a:effectRef>
+          <a:fontRef idx="minor">
+            <a:schemeClr val="dk1"/>
+          </a:fontRef>
+        </p:style>
+        <p:txBody>
+          <a:bodyPr rtlCol="0" anchor="ctr"/>
+          <a:lstStyle/>
+          <a:p>
+            <a:pPr algn="ctr"/>
+            <a:endParaRPr lang="en-US" sz="1050"/>
+          </a:p>
+        </p:txBody>
+      </p:sp>
+      <p:cxnSp>
+        <p:nvCxnSpPr>
+          <p:cNvPr id="265" name="Elbow Connector 29">
+            <a:extLst>
+              <a:ext uri="{FF2B5EF4-FFF2-40B4-BE49-F238E27FC236}">
+                <a16:creationId xmlns:a16="http://schemas.microsoft.com/office/drawing/2014/main" id="{C1367C09-1362-41E2-87CD-ADBF8CA9499D}"/>
+              </a:ext>
+            </a:extLst>
+          </p:cNvPr>
+          <p:cNvCxnSpPr>
+            <a:cxnSpLocks/>
+            <a:stCxn id="264" idx="3"/>
+            <a:endCxn id="263" idx="1"/>
+          </p:cNvCxnSpPr>
+          <p:nvPr/>
+        </p:nvCxnSpPr>
+        <p:spPr>
+          <a:xfrm>
+            <a:off x="3659107" y="6977254"/>
+            <a:ext cx="199203" cy="1923"/>
+          </a:xfrm>
+          <a:prstGeom prst="bentConnector3">
+            <a:avLst/>
+          </a:prstGeom>
+          <a:ln w="19050">
+            <a:solidFill>
+              <a:srgbClr val="7030A0"/>
+            </a:solidFill>
+            <a:headEnd type="none" w="med" len="med"/>
+            <a:tailEnd type="arrow" w="med" len="med"/>
+          </a:ln>
+          <a:effectLst/>
+        </p:spPr>
+        <p:style>
+          <a:lnRef idx="1">
+            <a:schemeClr val="accent2"/>
+          </a:lnRef>
+          <a:fillRef idx="2">
+            <a:schemeClr val="accent2"/>
+          </a:fillRef>
+          <a:effectRef idx="1">
+            <a:schemeClr val="accent2"/>
+          </a:effectRef>
+          <a:fontRef idx="minor">
+            <a:schemeClr val="dk1"/>
+          </a:fontRef>
+        </p:style>
+      </p:cxnSp>
+      <p:sp>
+        <p:nvSpPr>
+          <p:cNvPr id="266" name="Rectangle 8">
+            <a:extLst>
+              <a:ext uri="{FF2B5EF4-FFF2-40B4-BE49-F238E27FC236}">
+                <a16:creationId xmlns:a16="http://schemas.microsoft.com/office/drawing/2014/main" id="{87E0EF6F-DA88-4B63-92E6-1DA531944883}"/>
+              </a:ext>
+            </a:extLst>
+          </p:cNvPr>
+          <p:cNvSpPr/>
+          <p:nvPr/>
+        </p:nvSpPr>
+        <p:spPr>
+          <a:xfrm>
+            <a:off x="5498611" y="6800429"/>
+            <a:ext cx="881017" cy="346760"/>
+          </a:xfrm>
+          <a:prstGeom prst="rect">
+            <a:avLst/>
+          </a:prstGeom>
+          <a:ln w="19050">
+            <a:solidFill>
+              <a:srgbClr val="7030A0"/>
+            </a:solidFill>
+          </a:ln>
+          <a:effectLst/>
+        </p:spPr>
+        <p:style>
+          <a:lnRef idx="1">
+            <a:schemeClr val="accent4"/>
+          </a:lnRef>
+          <a:fillRef idx="2">
+            <a:schemeClr val="accent4"/>
+          </a:fillRef>
+          <a:effectRef idx="1">
+            <a:schemeClr val="accent4"/>
+          </a:effectRef>
+          <a:fontRef idx="minor">
+            <a:schemeClr val="dk1"/>
+          </a:fontRef>
+        </p:style>
+        <p:txBody>
+          <a:bodyPr rtlCol="0" anchor="ctr"/>
+          <a:lstStyle/>
+          <a:p>
+            <a:pPr algn="ctr"/>
+            <a:r>
+              <a:rPr lang="en-US" sz="1050" dirty="0">
+                <a:solidFill>
+                  <a:srgbClr val="7030A0"/>
+                </a:solidFill>
+              </a:rPr>
+              <a:t>Recruitment</a:t>
+            </a:r>
+            <a:endParaRPr lang="en-SG" sz="1050" dirty="0">
+              <a:solidFill>
+                <a:srgbClr val="7030A0"/>
+              </a:solidFill>
+            </a:endParaRPr>
+          </a:p>
+        </p:txBody>
+      </p:sp>
+      <p:sp>
+        <p:nvSpPr>
+          <p:cNvPr id="267" name="Flowchart: Decision 96">
+            <a:extLst>
+              <a:ext uri="{FF2B5EF4-FFF2-40B4-BE49-F238E27FC236}">
+                <a16:creationId xmlns:a16="http://schemas.microsoft.com/office/drawing/2014/main" id="{B953016D-96F4-410F-A26B-6FFD607C8755}"/>
+              </a:ext>
+            </a:extLst>
+          </p:cNvPr>
+          <p:cNvSpPr/>
+          <p:nvPr/>
+        </p:nvSpPr>
+        <p:spPr>
+          <a:xfrm>
+            <a:off x="5108273" y="6883428"/>
+            <a:ext cx="236048" cy="173380"/>
+          </a:xfrm>
+          <a:prstGeom prst="flowChartDecision">
+            <a:avLst/>
+          </a:prstGeom>
+          <a:noFill/>
+          <a:ln w="19050">
+            <a:solidFill>
+              <a:srgbClr val="7030A0"/>
+            </a:solidFill>
+          </a:ln>
+          <a:effectLst/>
+        </p:spPr>
+        <p:style>
+          <a:lnRef idx="1">
+            <a:schemeClr val="accent6"/>
+          </a:lnRef>
+          <a:fillRef idx="2">
+            <a:schemeClr val="accent6"/>
+          </a:fillRef>
+          <a:effectRef idx="1">
+            <a:schemeClr val="accent6"/>
+          </a:effectRef>
+          <a:fontRef idx="minor">
+            <a:schemeClr val="dk1"/>
+          </a:fontRef>
+        </p:style>
+        <p:txBody>
+          <a:bodyPr rtlCol="0" anchor="ctr"/>
+          <a:lstStyle/>
+          <a:p>
+            <a:pPr algn="ctr"/>
+            <a:endParaRPr lang="en-US" sz="1050"/>
+          </a:p>
+        </p:txBody>
+      </p:sp>
+      <p:cxnSp>
+        <p:nvCxnSpPr>
+          <p:cNvPr id="268" name="Elbow Connector 63">
+            <a:extLst>
+              <a:ext uri="{FF2B5EF4-FFF2-40B4-BE49-F238E27FC236}">
+                <a16:creationId xmlns:a16="http://schemas.microsoft.com/office/drawing/2014/main" id="{AC1F5C1E-7128-4845-BAE6-CC3F51AF465C}"/>
+              </a:ext>
+            </a:extLst>
+          </p:cNvPr>
+          <p:cNvCxnSpPr>
+            <a:cxnSpLocks/>
+            <a:stCxn id="267" idx="3"/>
+            <a:endCxn id="266" idx="1"/>
+          </p:cNvCxnSpPr>
+          <p:nvPr/>
+        </p:nvCxnSpPr>
+        <p:spPr>
+          <a:xfrm>
+            <a:off x="5344321" y="6970118"/>
+            <a:ext cx="154290" cy="3691"/>
+          </a:xfrm>
+          <a:prstGeom prst="bentConnector3">
+            <a:avLst/>
+          </a:prstGeom>
+          <a:ln w="19050">
+            <a:solidFill>
+              <a:srgbClr val="7030A0"/>
+            </a:solidFill>
+            <a:headEnd type="none" w="med" len="med"/>
+            <a:tailEnd type="arrow" w="med" len="med"/>
+          </a:ln>
+          <a:effectLst/>
+        </p:spPr>
+        <p:style>
+          <a:lnRef idx="1">
+            <a:schemeClr val="accent2"/>
+          </a:lnRef>
+          <a:fillRef idx="2">
+            <a:schemeClr val="accent2"/>
+          </a:fillRef>
+          <a:effectRef idx="1">
+            <a:schemeClr val="accent2"/>
+          </a:effectRef>
+          <a:fontRef idx="minor">
+            <a:schemeClr val="dk1"/>
+          </a:fontRef>
+        </p:style>
+      </p:cxnSp>
+      <p:sp>
+        <p:nvSpPr>
+          <p:cNvPr id="269" name="Flowchart: Decision 96">
+            <a:extLst>
+              <a:ext uri="{FF2B5EF4-FFF2-40B4-BE49-F238E27FC236}">
+                <a16:creationId xmlns:a16="http://schemas.microsoft.com/office/drawing/2014/main" id="{1FA57F59-F3C3-44A5-96C8-DB77881D389B}"/>
+              </a:ext>
+            </a:extLst>
+          </p:cNvPr>
+          <p:cNvSpPr/>
+          <p:nvPr/>
+        </p:nvSpPr>
+        <p:spPr>
+          <a:xfrm>
+            <a:off x="6400800" y="6890564"/>
+            <a:ext cx="236048" cy="173380"/>
+          </a:xfrm>
+          <a:prstGeom prst="flowChartDecision">
+            <a:avLst/>
+          </a:prstGeom>
+          <a:solidFill>
+            <a:srgbClr val="7030A0"/>
+          </a:solidFill>
+          <a:ln w="19050">
+            <a:solidFill>
+              <a:srgbClr val="7030A0"/>
+            </a:solidFill>
+          </a:ln>
+          <a:effectLst/>
+        </p:spPr>
+        <p:style>
+          <a:lnRef idx="1">
+            <a:schemeClr val="accent6"/>
+          </a:lnRef>
+          <a:fillRef idx="2">
+            <a:schemeClr val="accent6"/>
+          </a:fillRef>
+          <a:effectRef idx="1">
+            <a:schemeClr val="accent6"/>
+          </a:effectRef>
+          <a:fontRef idx="minor">
+            <a:schemeClr val="dk1"/>
+          </a:fontRef>
+        </p:style>
+        <p:txBody>
+          <a:bodyPr rtlCol="0" anchor="ctr"/>
+          <a:lstStyle/>
+          <a:p>
+            <a:pPr algn="ctr"/>
+            <a:endParaRPr lang="en-US" sz="1050"/>
+          </a:p>
+        </p:txBody>
+      </p:sp>
+      <p:sp>
+        <p:nvSpPr>
+          <p:cNvPr id="270" name="Rectangle 8">
+            <a:extLst>
+              <a:ext uri="{FF2B5EF4-FFF2-40B4-BE49-F238E27FC236}">
+                <a16:creationId xmlns:a16="http://schemas.microsoft.com/office/drawing/2014/main" id="{2B67ACDB-939D-46EF-ACD6-47CC9EDF81DD}"/>
+              </a:ext>
+            </a:extLst>
+          </p:cNvPr>
+          <p:cNvSpPr/>
+          <p:nvPr/>
+        </p:nvSpPr>
+        <p:spPr>
+          <a:xfrm>
+            <a:off x="7073635" y="6514645"/>
+            <a:ext cx="1044000" cy="288000"/>
+          </a:xfrm>
+          <a:prstGeom prst="rect">
+            <a:avLst/>
+          </a:prstGeom>
+          <a:ln w="19050">
+            <a:solidFill>
+              <a:srgbClr val="7030A0"/>
+            </a:solidFill>
+          </a:ln>
+          <a:effectLst/>
+        </p:spPr>
+        <p:style>
+          <a:lnRef idx="1">
+            <a:schemeClr val="accent4"/>
+          </a:lnRef>
+          <a:fillRef idx="2">
+            <a:schemeClr val="accent4"/>
+          </a:fillRef>
+          <a:effectRef idx="1">
+            <a:schemeClr val="accent4"/>
+          </a:effectRef>
+          <a:fontRef idx="minor">
+            <a:schemeClr val="dk1"/>
+          </a:fontRef>
+        </p:style>
+        <p:txBody>
+          <a:bodyPr rtlCol="0" anchor="ctr"/>
+          <a:lstStyle/>
+          <a:p>
+            <a:pPr algn="ctr"/>
+            <a:r>
+              <a:rPr lang="en-SG" sz="1050" dirty="0">
+                <a:solidFill>
+                  <a:srgbClr val="7030A0"/>
+                </a:solidFill>
+              </a:rPr>
+              <a:t>Post</a:t>
+            </a:r>
+          </a:p>
+        </p:txBody>
+      </p:sp>
+      <p:cxnSp>
+        <p:nvCxnSpPr>
+          <p:cNvPr id="271" name="Elbow Connector 80">
+            <a:extLst>
+              <a:ext uri="{FF2B5EF4-FFF2-40B4-BE49-F238E27FC236}">
+                <a16:creationId xmlns:a16="http://schemas.microsoft.com/office/drawing/2014/main" id="{0FC594D3-2C21-439C-B4E1-9304D30C0AB8}"/>
+              </a:ext>
+            </a:extLst>
+          </p:cNvPr>
+          <p:cNvCxnSpPr>
+            <a:cxnSpLocks/>
+            <a:stCxn id="269" idx="3"/>
+            <a:endCxn id="270" idx="1"/>
+          </p:cNvCxnSpPr>
+          <p:nvPr/>
+        </p:nvCxnSpPr>
+        <p:spPr>
+          <a:xfrm flipV="1">
+            <a:off x="6636848" y="6658645"/>
+            <a:ext cx="436787" cy="318609"/>
+          </a:xfrm>
+          <a:prstGeom prst="bentConnector3">
+            <a:avLst/>
+          </a:prstGeom>
+          <a:ln w="19050">
+            <a:solidFill>
+              <a:srgbClr val="7030A0"/>
+            </a:solidFill>
+            <a:headEnd type="none" w="med" len="med"/>
+            <a:tailEnd type="arrow" w="med" len="med"/>
+          </a:ln>
+          <a:effectLst/>
+        </p:spPr>
+        <p:style>
+          <a:lnRef idx="1">
+            <a:schemeClr val="accent2"/>
+          </a:lnRef>
+          <a:fillRef idx="2">
+            <a:schemeClr val="accent2"/>
+          </a:fillRef>
+          <a:effectRef idx="1">
+            <a:schemeClr val="accent2"/>
+          </a:effectRef>
+          <a:fontRef idx="minor">
+            <a:schemeClr val="dk1"/>
+          </a:fontRef>
+        </p:style>
+      </p:cxnSp>
+      <p:sp>
+        <p:nvSpPr>
+          <p:cNvPr id="272" name="Rectangle 8">
+            <a:extLst>
+              <a:ext uri="{FF2B5EF4-FFF2-40B4-BE49-F238E27FC236}">
+                <a16:creationId xmlns:a16="http://schemas.microsoft.com/office/drawing/2014/main" id="{21F3F1FE-13DC-4EC2-9A40-6EF94F1150A9}"/>
+              </a:ext>
+            </a:extLst>
+          </p:cNvPr>
+          <p:cNvSpPr/>
+          <p:nvPr/>
+        </p:nvSpPr>
+        <p:spPr>
+          <a:xfrm>
+            <a:off x="7073635" y="6837623"/>
+            <a:ext cx="1044000" cy="288000"/>
+          </a:xfrm>
+          <a:prstGeom prst="rect">
+            <a:avLst/>
+          </a:prstGeom>
+          <a:ln w="19050">
+            <a:solidFill>
+              <a:srgbClr val="7030A0"/>
+            </a:solidFill>
+          </a:ln>
+          <a:effectLst/>
+        </p:spPr>
+        <p:style>
+          <a:lnRef idx="1">
+            <a:schemeClr val="accent4"/>
+          </a:lnRef>
+          <a:fillRef idx="2">
+            <a:schemeClr val="accent4"/>
+          </a:fillRef>
+          <a:effectRef idx="1">
+            <a:schemeClr val="accent4"/>
+          </a:effectRef>
+          <a:fontRef idx="minor">
+            <a:schemeClr val="dk1"/>
+          </a:fontRef>
+        </p:style>
+        <p:txBody>
+          <a:bodyPr rtlCol="0" anchor="ctr"/>
+          <a:lstStyle/>
+          <a:p>
+            <a:pPr algn="ctr"/>
+            <a:r>
+              <a:rPr lang="en-US" sz="1050" dirty="0" err="1">
+                <a:solidFill>
+                  <a:srgbClr val="7030A0"/>
+                </a:solidFill>
+              </a:rPr>
+              <a:t>WorkExp</a:t>
+            </a:r>
+            <a:endParaRPr lang="en-SG" sz="1050" dirty="0">
+              <a:solidFill>
+                <a:srgbClr val="7030A0"/>
+              </a:solidFill>
+            </a:endParaRPr>
+          </a:p>
+        </p:txBody>
+      </p:sp>
+      <p:cxnSp>
+        <p:nvCxnSpPr>
+          <p:cNvPr id="273" name="Elbow Connector 83">
+            <a:extLst>
+              <a:ext uri="{FF2B5EF4-FFF2-40B4-BE49-F238E27FC236}">
+                <a16:creationId xmlns:a16="http://schemas.microsoft.com/office/drawing/2014/main" id="{E765FE0D-C49D-4DF5-8EEC-E89F0F8B601E}"/>
+              </a:ext>
+            </a:extLst>
+          </p:cNvPr>
+          <p:cNvCxnSpPr>
+            <a:cxnSpLocks/>
+            <a:stCxn id="269" idx="3"/>
+            <a:endCxn id="272" idx="1"/>
+          </p:cNvCxnSpPr>
+          <p:nvPr/>
+        </p:nvCxnSpPr>
+        <p:spPr>
+          <a:xfrm>
+            <a:off x="6636848" y="6977254"/>
+            <a:ext cx="436787" cy="4369"/>
+          </a:xfrm>
+          <a:prstGeom prst="bentConnector3">
+            <a:avLst/>
+          </a:prstGeom>
+          <a:ln w="19050">
+            <a:solidFill>
+              <a:srgbClr val="7030A0"/>
+            </a:solidFill>
+            <a:headEnd type="none" w="med" len="med"/>
+            <a:tailEnd type="arrow" w="med" len="med"/>
+          </a:ln>
+          <a:effectLst/>
+        </p:spPr>
+        <p:style>
+          <a:lnRef idx="1">
+            <a:schemeClr val="accent2"/>
+          </a:lnRef>
+          <a:fillRef idx="2">
+            <a:schemeClr val="accent2"/>
+          </a:fillRef>
+          <a:effectRef idx="1">
+            <a:schemeClr val="accent2"/>
+          </a:effectRef>
+          <a:fontRef idx="minor">
+            <a:schemeClr val="dk1"/>
+          </a:fontRef>
+        </p:style>
+      </p:cxnSp>
+      <p:sp>
+        <p:nvSpPr>
+          <p:cNvPr id="274" name="Rectangle 8">
+            <a:extLst>
+              <a:ext uri="{FF2B5EF4-FFF2-40B4-BE49-F238E27FC236}">
+                <a16:creationId xmlns:a16="http://schemas.microsoft.com/office/drawing/2014/main" id="{9BB347EC-7DA0-4250-A791-F7B384421647}"/>
+              </a:ext>
+            </a:extLst>
+          </p:cNvPr>
+          <p:cNvSpPr/>
+          <p:nvPr/>
+        </p:nvSpPr>
+        <p:spPr>
+          <a:xfrm>
+            <a:off x="7073635" y="7160600"/>
+            <a:ext cx="1044000" cy="288000"/>
+          </a:xfrm>
+          <a:prstGeom prst="rect">
+            <a:avLst/>
+          </a:prstGeom>
+          <a:ln w="19050">
+            <a:solidFill>
+              <a:srgbClr val="7030A0"/>
+            </a:solidFill>
+          </a:ln>
+          <a:effectLst/>
+        </p:spPr>
+        <p:style>
+          <a:lnRef idx="1">
+            <a:schemeClr val="accent4"/>
+          </a:lnRef>
+          <a:fillRef idx="2">
+            <a:schemeClr val="accent4"/>
+          </a:fillRef>
+          <a:effectRef idx="1">
+            <a:schemeClr val="accent4"/>
+          </a:effectRef>
+          <a:fontRef idx="minor">
+            <a:schemeClr val="dk1"/>
+          </a:fontRef>
+        </p:style>
+        <p:txBody>
+          <a:bodyPr rtlCol="0" anchor="ctr"/>
+          <a:lstStyle/>
+          <a:p>
+            <a:pPr algn="ctr"/>
+            <a:r>
+              <a:rPr lang="en-US" sz="1050" dirty="0" err="1">
+                <a:solidFill>
+                  <a:srgbClr val="7030A0"/>
+                </a:solidFill>
+              </a:rPr>
+              <a:t>JobDescription</a:t>
+            </a:r>
+            <a:endParaRPr lang="en-SG" sz="1050" dirty="0">
+              <a:solidFill>
+                <a:srgbClr val="7030A0"/>
+              </a:solidFill>
+            </a:endParaRPr>
+          </a:p>
+        </p:txBody>
+      </p:sp>
+      <p:cxnSp>
+        <p:nvCxnSpPr>
+          <p:cNvPr id="275" name="Elbow Connector 85">
+            <a:extLst>
+              <a:ext uri="{FF2B5EF4-FFF2-40B4-BE49-F238E27FC236}">
+                <a16:creationId xmlns:a16="http://schemas.microsoft.com/office/drawing/2014/main" id="{D0D9A5F9-53D2-4EB4-AD36-54B7A6EF2AE8}"/>
+              </a:ext>
+            </a:extLst>
+          </p:cNvPr>
+          <p:cNvCxnSpPr>
+            <a:cxnSpLocks/>
+            <a:stCxn id="269" idx="3"/>
+            <a:endCxn id="274" idx="1"/>
+          </p:cNvCxnSpPr>
+          <p:nvPr/>
+        </p:nvCxnSpPr>
+        <p:spPr>
+          <a:xfrm>
+            <a:off x="6636848" y="6977254"/>
+            <a:ext cx="436787" cy="327346"/>
+          </a:xfrm>
+          <a:prstGeom prst="bentConnector3">
+            <a:avLst/>
+          </a:prstGeom>
+          <a:ln w="19050">
+            <a:solidFill>
+              <a:srgbClr val="7030A0"/>
+            </a:solidFill>
+            <a:headEnd type="none" w="med" len="med"/>
+            <a:tailEnd type="arrow" w="med" len="med"/>
+          </a:ln>
+          <a:effectLst/>
+        </p:spPr>
+        <p:style>
+          <a:lnRef idx="1">
+            <a:schemeClr val="accent2"/>
+          </a:lnRef>
+          <a:fillRef idx="2">
+            <a:schemeClr val="accent2"/>
+          </a:fillRef>
+          <a:effectRef idx="1">
+            <a:schemeClr val="accent2"/>
+          </a:effectRef>
+          <a:fontRef idx="minor">
+            <a:schemeClr val="dk1"/>
+          </a:fontRef>
+        </p:style>
+      </p:cxnSp>
+      <p:sp>
+        <p:nvSpPr>
+          <p:cNvPr id="276" name="TextBox 275">
+            <a:extLst>
+              <a:ext uri="{FF2B5EF4-FFF2-40B4-BE49-F238E27FC236}">
+                <a16:creationId xmlns:a16="http://schemas.microsoft.com/office/drawing/2014/main" id="{6177F809-EBB8-404E-A53B-6FCB9023FA6A}"/>
+              </a:ext>
+            </a:extLst>
+          </p:cNvPr>
+          <p:cNvSpPr txBox="1"/>
+          <p:nvPr/>
+        </p:nvSpPr>
+        <p:spPr>
+          <a:xfrm>
+            <a:off x="5028257" y="7267660"/>
+            <a:ext cx="881018" cy="261610"/>
+          </a:xfrm>
+          <a:prstGeom prst="rect">
+            <a:avLst/>
+          </a:prstGeom>
+          <a:noFill/>
+        </p:spPr>
+        <p:txBody>
+          <a:bodyPr wrap="square" rtlCol="0">
+            <a:spAutoFit/>
+          </a:bodyPr>
+          <a:lstStyle/>
+          <a:p>
+            <a:pPr algn="r"/>
+            <a:r>
+              <a:rPr lang="en-US" sz="1100" dirty="0">
+                <a:solidFill>
+                  <a:srgbClr val="7030A0"/>
+                </a:solidFill>
+              </a:rPr>
+              <a:t>filtered list</a:t>
+            </a:r>
+            <a:endParaRPr lang="en-SG" sz="1100" dirty="0">
+              <a:solidFill>
+                <a:srgbClr val="7030A0"/>
+              </a:solidFill>
+            </a:endParaRPr>
+          </a:p>
+        </p:txBody>
+      </p:sp>
+      <p:sp>
+        <p:nvSpPr>
+          <p:cNvPr id="277" name="TextBox 276">
+            <a:extLst>
+              <a:ext uri="{FF2B5EF4-FFF2-40B4-BE49-F238E27FC236}">
+                <a16:creationId xmlns:a16="http://schemas.microsoft.com/office/drawing/2014/main" id="{1C3ACFAB-D88B-4651-9384-46C2BB08C617}"/>
+              </a:ext>
+            </a:extLst>
+          </p:cNvPr>
+          <p:cNvSpPr txBox="1"/>
+          <p:nvPr/>
+        </p:nvSpPr>
+        <p:spPr>
+          <a:xfrm>
+            <a:off x="3514785" y="7001227"/>
+            <a:ext cx="189257" cy="178683"/>
+          </a:xfrm>
+          <a:prstGeom prst="rect">
+            <a:avLst/>
+          </a:prstGeom>
+          <a:noFill/>
+        </p:spPr>
+        <p:txBody>
+          <a:bodyPr wrap="square" lIns="0" tIns="0" rIns="0" bIns="0" rtlCol="0">
+            <a:noAutofit/>
+          </a:bodyPr>
+          <a:lstStyle/>
+          <a:p>
+            <a:pPr algn="ctr"/>
+            <a:r>
+              <a:rPr lang="en-US" sz="1100" dirty="0">
+                <a:solidFill>
+                  <a:srgbClr val="7030A0"/>
+                </a:solidFill>
+              </a:rPr>
+              <a:t>1</a:t>
+            </a:r>
+            <a:endParaRPr lang="en-SG" sz="1100" dirty="0">
+              <a:solidFill>
+                <a:srgbClr val="7030A0"/>
+              </a:solidFill>
+            </a:endParaRPr>
+          </a:p>
+        </p:txBody>
+      </p:sp>
+      <p:sp>
+        <p:nvSpPr>
+          <p:cNvPr id="278" name="TextBox 277">
+            <a:extLst>
+              <a:ext uri="{FF2B5EF4-FFF2-40B4-BE49-F238E27FC236}">
+                <a16:creationId xmlns:a16="http://schemas.microsoft.com/office/drawing/2014/main" id="{B0656322-A379-49C9-950B-6278231CC82C}"/>
+              </a:ext>
+            </a:extLst>
+          </p:cNvPr>
+          <p:cNvSpPr txBox="1"/>
+          <p:nvPr/>
+        </p:nvSpPr>
+        <p:spPr>
+          <a:xfrm>
+            <a:off x="5325069" y="7040280"/>
+            <a:ext cx="189257" cy="178683"/>
+          </a:xfrm>
+          <a:prstGeom prst="rect">
+            <a:avLst/>
+          </a:prstGeom>
+          <a:noFill/>
+        </p:spPr>
+        <p:txBody>
+          <a:bodyPr wrap="square" lIns="0" tIns="0" rIns="0" bIns="0" rtlCol="0">
+            <a:noAutofit/>
+          </a:bodyPr>
+          <a:lstStyle/>
+          <a:p>
+            <a:pPr algn="ctr"/>
+            <a:r>
+              <a:rPr lang="en-US" sz="1100" dirty="0">
+                <a:solidFill>
+                  <a:srgbClr val="7030A0"/>
+                </a:solidFill>
+              </a:rPr>
+              <a:t>*</a:t>
+            </a:r>
+            <a:endParaRPr lang="en-SG" sz="1100" dirty="0">
+              <a:solidFill>
+                <a:srgbClr val="7030A0"/>
+              </a:solidFill>
+            </a:endParaRPr>
+          </a:p>
+        </p:txBody>
+      </p:sp>
+      <p:sp>
+        <p:nvSpPr>
+          <p:cNvPr id="279" name="TextBox 278">
+            <a:extLst>
+              <a:ext uri="{FF2B5EF4-FFF2-40B4-BE49-F238E27FC236}">
+                <a16:creationId xmlns:a16="http://schemas.microsoft.com/office/drawing/2014/main" id="{C08BF775-68C3-474E-8D6A-208F14F4C5F1}"/>
+              </a:ext>
+            </a:extLst>
+          </p:cNvPr>
+          <p:cNvSpPr txBox="1"/>
+          <p:nvPr/>
+        </p:nvSpPr>
+        <p:spPr>
+          <a:xfrm>
+            <a:off x="1749980" y="6696181"/>
+            <a:ext cx="78378" cy="193767"/>
+          </a:xfrm>
+          <a:prstGeom prst="rect">
+            <a:avLst/>
+          </a:prstGeom>
+          <a:noFill/>
+        </p:spPr>
+        <p:txBody>
+          <a:bodyPr wrap="square" lIns="0" tIns="0" rIns="0" bIns="0" rtlCol="0">
+            <a:noAutofit/>
+          </a:bodyPr>
+          <a:lstStyle/>
+          <a:p>
+            <a:pPr algn="ctr"/>
+            <a:r>
+              <a:rPr lang="en-US" sz="1100" dirty="0">
+                <a:solidFill>
+                  <a:srgbClr val="7030A0"/>
+                </a:solidFill>
+              </a:rPr>
+              <a:t>1</a:t>
+            </a:r>
+            <a:endParaRPr lang="en-SG" sz="1100" dirty="0">
+              <a:solidFill>
+                <a:srgbClr val="7030A0"/>
+              </a:solidFill>
+            </a:endParaRPr>
+          </a:p>
+        </p:txBody>
+      </p:sp>
+      <p:sp>
+        <p:nvSpPr>
+          <p:cNvPr id="280" name="TextBox 279">
+            <a:extLst>
+              <a:ext uri="{FF2B5EF4-FFF2-40B4-BE49-F238E27FC236}">
+                <a16:creationId xmlns:a16="http://schemas.microsoft.com/office/drawing/2014/main" id="{8B4B14B8-383F-44A7-9A07-734ECC0FE14C}"/>
+              </a:ext>
+            </a:extLst>
+          </p:cNvPr>
+          <p:cNvSpPr txBox="1"/>
+          <p:nvPr/>
+        </p:nvSpPr>
+        <p:spPr>
+          <a:xfrm>
+            <a:off x="5639709" y="7147189"/>
+            <a:ext cx="189257" cy="178683"/>
+          </a:xfrm>
+          <a:prstGeom prst="rect">
+            <a:avLst/>
+          </a:prstGeom>
+          <a:noFill/>
+        </p:spPr>
+        <p:txBody>
+          <a:bodyPr wrap="square" lIns="0" tIns="0" rIns="0" bIns="0" rtlCol="0">
+            <a:noAutofit/>
+          </a:bodyPr>
+          <a:lstStyle/>
+          <a:p>
+            <a:pPr algn="ctr"/>
+            <a:r>
+              <a:rPr lang="en-US" sz="1100" dirty="0">
+                <a:solidFill>
+                  <a:srgbClr val="7030A0"/>
+                </a:solidFill>
+              </a:rPr>
+              <a:t>1</a:t>
+            </a:r>
+            <a:endParaRPr lang="en-SG" sz="1100" dirty="0">
+              <a:solidFill>
+                <a:srgbClr val="7030A0"/>
+              </a:solidFill>
+            </a:endParaRPr>
+          </a:p>
+        </p:txBody>
+      </p:sp>
+      <p:sp>
+        <p:nvSpPr>
+          <p:cNvPr id="281" name="TextBox 280">
+            <a:extLst>
+              <a:ext uri="{FF2B5EF4-FFF2-40B4-BE49-F238E27FC236}">
+                <a16:creationId xmlns:a16="http://schemas.microsoft.com/office/drawing/2014/main" id="{6B9ACB0F-CD2F-4A41-8388-A33430921F38}"/>
+              </a:ext>
+            </a:extLst>
+          </p:cNvPr>
+          <p:cNvSpPr txBox="1"/>
+          <p:nvPr/>
+        </p:nvSpPr>
+        <p:spPr>
+          <a:xfrm>
+            <a:off x="5839454" y="6449833"/>
+            <a:ext cx="189257" cy="178683"/>
+          </a:xfrm>
+          <a:prstGeom prst="rect">
+            <a:avLst/>
+          </a:prstGeom>
+          <a:noFill/>
+        </p:spPr>
+        <p:txBody>
+          <a:bodyPr wrap="square" lIns="0" tIns="0" rIns="0" bIns="0" rtlCol="0">
+            <a:noAutofit/>
+          </a:bodyPr>
+          <a:lstStyle/>
+          <a:p>
+            <a:pPr algn="ctr"/>
+            <a:endParaRPr lang="en-SG" sz="1100" dirty="0">
+              <a:solidFill>
+                <a:srgbClr val="7030A0"/>
+              </a:solidFill>
+            </a:endParaRPr>
+          </a:p>
+        </p:txBody>
+      </p:sp>
+      <p:cxnSp>
+        <p:nvCxnSpPr>
+          <p:cNvPr id="282" name="Elbow Connector 63">
+            <a:extLst>
+              <a:ext uri="{FF2B5EF4-FFF2-40B4-BE49-F238E27FC236}">
+                <a16:creationId xmlns:a16="http://schemas.microsoft.com/office/drawing/2014/main" id="{83A1BC44-C227-45E3-B337-8CE723FCDE35}"/>
+              </a:ext>
+            </a:extLst>
+          </p:cNvPr>
+          <p:cNvCxnSpPr>
+            <a:cxnSpLocks/>
+            <a:endCxn id="260" idx="0"/>
+          </p:cNvCxnSpPr>
+          <p:nvPr/>
+        </p:nvCxnSpPr>
+        <p:spPr>
+          <a:xfrm rot="16200000" flipH="1">
+            <a:off x="2543884" y="6621095"/>
+            <a:ext cx="312356" cy="1"/>
+          </a:xfrm>
+          <a:prstGeom prst="bentConnector3">
+            <a:avLst>
+              <a:gd name="adj1" fmla="val 50000"/>
+            </a:avLst>
+          </a:prstGeom>
+          <a:ln w="19050">
+            <a:solidFill>
+              <a:srgbClr val="7030A0"/>
+            </a:solidFill>
+            <a:prstDash val="sysDot"/>
+            <a:headEnd type="none" w="med" len="med"/>
+            <a:tailEnd type="none" w="med" len="med"/>
+          </a:ln>
+          <a:effectLst/>
+        </p:spPr>
+        <p:style>
+          <a:lnRef idx="1">
+            <a:schemeClr val="accent2"/>
+          </a:lnRef>
+          <a:fillRef idx="2">
+            <a:schemeClr val="accent2"/>
+          </a:fillRef>
+          <a:effectRef idx="1">
+            <a:schemeClr val="accent2"/>
+          </a:effectRef>
+          <a:fontRef idx="minor">
+            <a:schemeClr val="dk1"/>
+          </a:fontRef>
+        </p:style>
+      </p:cxnSp>
+      <p:sp>
+        <p:nvSpPr>
+          <p:cNvPr id="283" name="Isosceles Triangle 102">
+            <a:extLst>
+              <a:ext uri="{FF2B5EF4-FFF2-40B4-BE49-F238E27FC236}">
+                <a16:creationId xmlns:a16="http://schemas.microsoft.com/office/drawing/2014/main" id="{F9B3C025-7B0F-4635-B486-5094075DED83}"/>
+              </a:ext>
+            </a:extLst>
+          </p:cNvPr>
+          <p:cNvSpPr/>
+          <p:nvPr/>
+        </p:nvSpPr>
+        <p:spPr>
+          <a:xfrm rot="10800000" flipV="1">
+            <a:off x="2552489" y="6318939"/>
+            <a:ext cx="282387" cy="157062"/>
+          </a:xfrm>
+          <a:prstGeom prst="triangle">
+            <a:avLst/>
+          </a:prstGeom>
+          <a:ln w="19050">
+            <a:solidFill>
+              <a:srgbClr val="7030A0"/>
+            </a:solidFill>
+          </a:ln>
+          <a:effectLst/>
+        </p:spPr>
+        <p:style>
+          <a:lnRef idx="1">
+            <a:schemeClr val="accent4"/>
+          </a:lnRef>
+          <a:fillRef idx="2">
+            <a:schemeClr val="accent4"/>
+          </a:fillRef>
+          <a:effectRef idx="1">
+            <a:schemeClr val="accent4"/>
+          </a:effectRef>
+          <a:fontRef idx="minor">
+            <a:schemeClr val="dk1"/>
+          </a:fontRef>
+        </p:style>
+        <p:txBody>
+          <a:bodyPr rtlCol="0" anchor="ctr"/>
+          <a:lstStyle/>
+          <a:p>
+            <a:pPr algn="ctr"/>
+            <a:endParaRPr lang="en-SG" sz="1050" b="1">
+              <a:solidFill>
+                <a:srgbClr val="92D050"/>
+              </a:solidFill>
+            </a:endParaRPr>
+          </a:p>
+        </p:txBody>
+      </p:sp>
+      <p:sp>
+        <p:nvSpPr>
+          <p:cNvPr id="284" name="Rectangle 8">
+            <a:extLst>
+              <a:ext uri="{FF2B5EF4-FFF2-40B4-BE49-F238E27FC236}">
+                <a16:creationId xmlns:a16="http://schemas.microsoft.com/office/drawing/2014/main" id="{CF33CE1F-89A7-43EE-8DB6-E9921B593974}"/>
+              </a:ext>
+            </a:extLst>
+          </p:cNvPr>
+          <p:cNvSpPr/>
+          <p:nvPr/>
+        </p:nvSpPr>
+        <p:spPr>
+          <a:xfrm>
+            <a:off x="3702161" y="5945257"/>
+            <a:ext cx="1607194" cy="364396"/>
+          </a:xfrm>
+          <a:prstGeom prst="rect">
+            <a:avLst/>
+          </a:prstGeom>
+          <a:ln w="19050">
+            <a:solidFill>
+              <a:srgbClr val="7030A0"/>
+            </a:solidFill>
+          </a:ln>
+          <a:effectLst/>
+        </p:spPr>
+        <p:style>
+          <a:lnRef idx="1">
+            <a:schemeClr val="accent4"/>
+          </a:lnRef>
+          <a:fillRef idx="2">
+            <a:schemeClr val="accent4"/>
+          </a:fillRef>
+          <a:effectRef idx="1">
+            <a:schemeClr val="accent4"/>
+          </a:effectRef>
+          <a:fontRef idx="minor">
+            <a:schemeClr val="dk1"/>
+          </a:fontRef>
+        </p:style>
+        <p:txBody>
+          <a:bodyPr rtlCol="0" anchor="ctr"/>
+          <a:lstStyle/>
+          <a:p>
+            <a:pPr algn="ctr"/>
+            <a:r>
+              <a:rPr lang="en-US" sz="1050" dirty="0">
+                <a:solidFill>
+                  <a:srgbClr val="7030A0"/>
+                </a:solidFill>
+              </a:rPr>
+              <a:t>&lt;&lt;interface&gt;&gt;</a:t>
+            </a:r>
+            <a:br>
+              <a:rPr lang="en-US" sz="1050" dirty="0">
+                <a:solidFill>
+                  <a:srgbClr val="7030A0"/>
+                </a:solidFill>
+              </a:rPr>
+            </a:br>
+            <a:r>
+              <a:rPr lang="en-US" sz="1050" dirty="0" err="1">
+                <a:solidFill>
+                  <a:srgbClr val="7030A0"/>
+                </a:solidFill>
+              </a:rPr>
+              <a:t>ReadOnlyRecruitmentList</a:t>
+            </a:r>
+            <a:endParaRPr lang="en-SG" sz="1050" dirty="0">
+              <a:solidFill>
+                <a:srgbClr val="7030A0"/>
+              </a:solidFill>
+            </a:endParaRPr>
+          </a:p>
+        </p:txBody>
+      </p:sp>
+      <p:sp>
+        <p:nvSpPr>
+          <p:cNvPr id="285" name="Rectangle 8">
+            <a:extLst>
+              <a:ext uri="{FF2B5EF4-FFF2-40B4-BE49-F238E27FC236}">
+                <a16:creationId xmlns:a16="http://schemas.microsoft.com/office/drawing/2014/main" id="{72F196F4-290F-4E73-B6F8-BA40F1522A19}"/>
+              </a:ext>
+            </a:extLst>
+          </p:cNvPr>
+          <p:cNvSpPr/>
+          <p:nvPr/>
+        </p:nvSpPr>
+        <p:spPr>
+          <a:xfrm>
+            <a:off x="2163339" y="5943600"/>
+            <a:ext cx="1060683" cy="364396"/>
+          </a:xfrm>
+          <a:prstGeom prst="rect">
+            <a:avLst/>
+          </a:prstGeom>
+          <a:ln w="19050">
+            <a:solidFill>
+              <a:srgbClr val="7030A0"/>
+            </a:solidFill>
+          </a:ln>
+          <a:effectLst/>
+        </p:spPr>
+        <p:style>
+          <a:lnRef idx="1">
+            <a:schemeClr val="accent4"/>
+          </a:lnRef>
+          <a:fillRef idx="2">
+            <a:schemeClr val="accent4"/>
+          </a:fillRef>
+          <a:effectRef idx="1">
+            <a:schemeClr val="accent4"/>
+          </a:effectRef>
+          <a:fontRef idx="minor">
+            <a:schemeClr val="dk1"/>
+          </a:fontRef>
+        </p:style>
+        <p:txBody>
+          <a:bodyPr rtlCol="0" anchor="ctr"/>
+          <a:lstStyle/>
+          <a:p>
+            <a:pPr algn="ctr"/>
+            <a:r>
+              <a:rPr lang="en-US" sz="1050" dirty="0" err="1">
+                <a:solidFill>
+                  <a:srgbClr val="7030A0"/>
+                </a:solidFill>
+              </a:rPr>
+              <a:t>RecruitmentList</a:t>
+            </a:r>
+            <a:endParaRPr lang="en-SG" sz="1050" dirty="0">
+              <a:solidFill>
+                <a:srgbClr val="7030A0"/>
+              </a:solidFill>
+            </a:endParaRPr>
+          </a:p>
+        </p:txBody>
+      </p:sp>
+      <p:sp>
+        <p:nvSpPr>
+          <p:cNvPr id="286" name="Isosceles Triangle 102">
+            <a:extLst>
+              <a:ext uri="{FF2B5EF4-FFF2-40B4-BE49-F238E27FC236}">
+                <a16:creationId xmlns:a16="http://schemas.microsoft.com/office/drawing/2014/main" id="{DDC4342B-92A3-4DCD-877C-EE3AF52AA1F6}"/>
+              </a:ext>
+            </a:extLst>
+          </p:cNvPr>
+          <p:cNvSpPr/>
+          <p:nvPr/>
+        </p:nvSpPr>
+        <p:spPr>
+          <a:xfrm rot="5400000">
+            <a:off x="3460852" y="6035112"/>
+            <a:ext cx="271014" cy="187417"/>
+          </a:xfrm>
+          <a:prstGeom prst="triangle">
+            <a:avLst>
+              <a:gd name="adj" fmla="val 44517"/>
+            </a:avLst>
+          </a:prstGeom>
+          <a:solidFill>
+            <a:schemeClr val="accent4">
+              <a:lumMod val="20000"/>
+              <a:lumOff val="80000"/>
+            </a:schemeClr>
+          </a:solidFill>
+          <a:ln w="19050">
+            <a:solidFill>
+              <a:srgbClr val="7030A0"/>
+            </a:solidFill>
+          </a:ln>
+          <a:effectLst/>
+        </p:spPr>
+        <p:style>
+          <a:lnRef idx="1">
+            <a:schemeClr val="accent6"/>
+          </a:lnRef>
+          <a:fillRef idx="2">
+            <a:schemeClr val="accent6"/>
+          </a:fillRef>
+          <a:effectRef idx="1">
+            <a:schemeClr val="accent6"/>
+          </a:effectRef>
+          <a:fontRef idx="minor">
+            <a:schemeClr val="dk1"/>
+          </a:fontRef>
+        </p:style>
+        <p:txBody>
+          <a:bodyPr rtlCol="0" anchor="ctr"/>
+          <a:lstStyle/>
+          <a:p>
+            <a:pPr algn="ctr"/>
+            <a:endParaRPr lang="en-SG" sz="1050"/>
+          </a:p>
+        </p:txBody>
+      </p:sp>
+      <p:cxnSp>
+        <p:nvCxnSpPr>
+          <p:cNvPr id="290" name="Elbow Connector 80">
+            <a:extLst>
+              <a:ext uri="{FF2B5EF4-FFF2-40B4-BE49-F238E27FC236}">
+                <a16:creationId xmlns:a16="http://schemas.microsoft.com/office/drawing/2014/main" id="{A30F19C2-2B5A-4A98-9739-4A25612ADCA1}"/>
+              </a:ext>
+            </a:extLst>
+          </p:cNvPr>
+          <p:cNvCxnSpPr>
+            <a:cxnSpLocks/>
+            <a:stCxn id="240" idx="3"/>
+            <a:endCxn id="143" idx="1"/>
+          </p:cNvCxnSpPr>
+          <p:nvPr/>
+        </p:nvCxnSpPr>
+        <p:spPr>
+          <a:xfrm flipV="1">
+            <a:off x="6466715" y="3313619"/>
+            <a:ext cx="424984" cy="2139635"/>
+          </a:xfrm>
+          <a:prstGeom prst="bentConnector3">
+            <a:avLst>
+              <a:gd name="adj1" fmla="val 11899"/>
+            </a:avLst>
+          </a:prstGeom>
+          <a:ln w="19050">
+            <a:solidFill>
+              <a:srgbClr val="7030A0"/>
+            </a:solidFill>
+            <a:headEnd type="none" w="med" len="med"/>
+            <a:tailEnd type="arrow" w="med" len="med"/>
+          </a:ln>
+          <a:effectLst/>
+        </p:spPr>
+        <p:style>
+          <a:lnRef idx="1">
+            <a:schemeClr val="accent2"/>
+          </a:lnRef>
+          <a:fillRef idx="2">
+            <a:schemeClr val="accent2"/>
+          </a:fillRef>
+          <a:effectRef idx="1">
+            <a:schemeClr val="accent2"/>
+          </a:effectRef>
+          <a:fontRef idx="minor">
+            <a:schemeClr val="dk1"/>
+          </a:fontRef>
+        </p:style>
+      </p:cxnSp>
+      <p:sp>
+        <p:nvSpPr>
+          <p:cNvPr id="293" name="Rectangle 8">
+            <a:extLst>
+              <a:ext uri="{FF2B5EF4-FFF2-40B4-BE49-F238E27FC236}">
+                <a16:creationId xmlns:a16="http://schemas.microsoft.com/office/drawing/2014/main" id="{6C740877-6768-4F05-8935-24C4888B230A}"/>
+              </a:ext>
+            </a:extLst>
+          </p:cNvPr>
+          <p:cNvSpPr/>
+          <p:nvPr/>
+        </p:nvSpPr>
+        <p:spPr>
+          <a:xfrm>
+            <a:off x="6904594" y="4663116"/>
+            <a:ext cx="1476000" cy="288000"/>
+          </a:xfrm>
+          <a:prstGeom prst="rect">
+            <a:avLst/>
+          </a:prstGeom>
+          <a:ln w="19050">
+            <a:solidFill>
+              <a:srgbClr val="7030A0"/>
+            </a:solidFill>
+          </a:ln>
+          <a:effectLst/>
+        </p:spPr>
+        <p:style>
+          <a:lnRef idx="1">
+            <a:schemeClr val="accent4"/>
+          </a:lnRef>
+          <a:fillRef idx="2">
+            <a:schemeClr val="accent4"/>
+          </a:fillRef>
+          <a:effectRef idx="1">
+            <a:schemeClr val="accent4"/>
+          </a:effectRef>
+          <a:fontRef idx="minor">
+            <a:schemeClr val="dk1"/>
+          </a:fontRef>
+        </p:style>
+        <p:txBody>
+          <a:bodyPr rtlCol="0" anchor="ctr"/>
+          <a:lstStyle/>
+          <a:p>
+            <a:pPr algn="ctr"/>
+            <a:r>
+              <a:rPr lang="en-US" sz="1050" dirty="0" err="1">
+                <a:solidFill>
+                  <a:srgbClr val="7030A0"/>
+                </a:solidFill>
+              </a:rPr>
+              <a:t>TravelExpenses</a:t>
+            </a:r>
+            <a:endParaRPr lang="en-SG" sz="1050" dirty="0">
+              <a:solidFill>
+                <a:srgbClr val="7030A0"/>
+              </a:solidFill>
+            </a:endParaRPr>
+          </a:p>
+        </p:txBody>
+      </p:sp>
+      <p:cxnSp>
+        <p:nvCxnSpPr>
+          <p:cNvPr id="294" name="Elbow Connector 80">
+            <a:extLst>
+              <a:ext uri="{FF2B5EF4-FFF2-40B4-BE49-F238E27FC236}">
+                <a16:creationId xmlns:a16="http://schemas.microsoft.com/office/drawing/2014/main" id="{692BCC46-15D0-4C2D-B95B-7199663718FF}"/>
+              </a:ext>
+            </a:extLst>
+          </p:cNvPr>
+          <p:cNvCxnSpPr>
+            <a:cxnSpLocks/>
+            <a:stCxn id="240" idx="3"/>
+            <a:endCxn id="293" idx="1"/>
+          </p:cNvCxnSpPr>
+          <p:nvPr/>
+        </p:nvCxnSpPr>
+        <p:spPr>
+          <a:xfrm flipV="1">
+            <a:off x="6466715" y="4807116"/>
+            <a:ext cx="437879" cy="646138"/>
+          </a:xfrm>
+          <a:prstGeom prst="bentConnector3">
+            <a:avLst>
+              <a:gd name="adj1" fmla="val 50000"/>
+            </a:avLst>
+          </a:prstGeom>
+          <a:ln w="19050">
+            <a:solidFill>
+              <a:srgbClr val="7030A0"/>
+            </a:solidFill>
+            <a:headEnd type="none" w="med" len="med"/>
+            <a:tailEnd type="arrow" w="med" len="med"/>
+          </a:ln>
+          <a:effectLst/>
+        </p:spPr>
+        <p:style>
+          <a:lnRef idx="1">
+            <a:schemeClr val="accent2"/>
+          </a:lnRef>
+          <a:fillRef idx="2">
+            <a:schemeClr val="accent2"/>
+          </a:fillRef>
+          <a:effectRef idx="1">
+            <a:schemeClr val="accent2"/>
+          </a:effectRef>
+          <a:fontRef idx="minor">
+            <a:schemeClr val="dk1"/>
+          </a:fontRef>
+        </p:style>
+      </p:cxnSp>
     </p:spTree>
     <p:extLst>
       <p:ext uri="{BB962C8B-B14F-4D97-AF65-F5344CB8AC3E}">
-        <p14:creationId xmlns:p14="http://schemas.microsoft.com/office/powerpoint/2010/main" val="2396968029"/>
+        <p14:creationId xmlns:p14="http://schemas.microsoft.com/office/powerpoint/2010/main" val="619122292"/>
       </p:ext>
     </p:extLst>
   </p:cSld>

--- a/docs/diagrams/ModelComponentClassDiagram.pptx
+++ b/docs/diagrams/ModelComponentClassDiagram.pptx
@@ -208,7 +208,7 @@
           <a:p>
             <a:fld id="{F5CC4B3F-88C1-4FFA-B1B6-F41C21DC6924}" type="datetimeFigureOut">
               <a:rPr lang="en-US" smtClean="0"/>
-              <a:t>11/9/2018</a:t>
+              <a:t>11/10/2018</a:t>
             </a:fld>
             <a:endParaRPr lang="en-US"/>
           </a:p>
@@ -654,7 +654,7 @@
           <a:p>
             <a:fld id="{78C97017-6FC3-485B-9764-EAC9E56C1D49}" type="datetimeFigureOut">
               <a:rPr lang="en-US" smtClean="0"/>
-              <a:t>11/9/2018</a:t>
+              <a:t>11/10/2018</a:t>
             </a:fld>
             <a:endParaRPr lang="en-US"/>
           </a:p>
@@ -822,7 +822,7 @@
           <a:p>
             <a:fld id="{78C97017-6FC3-485B-9764-EAC9E56C1D49}" type="datetimeFigureOut">
               <a:rPr lang="en-US" smtClean="0"/>
-              <a:t>11/9/2018</a:t>
+              <a:t>11/10/2018</a:t>
             </a:fld>
             <a:endParaRPr lang="en-US"/>
           </a:p>
@@ -1000,7 +1000,7 @@
           <a:p>
             <a:fld id="{78C97017-6FC3-485B-9764-EAC9E56C1D49}" type="datetimeFigureOut">
               <a:rPr lang="en-US" smtClean="0"/>
-              <a:t>11/9/2018</a:t>
+              <a:t>11/10/2018</a:t>
             </a:fld>
             <a:endParaRPr lang="en-US"/>
           </a:p>
@@ -1168,7 +1168,7 @@
           <a:p>
             <a:fld id="{78C97017-6FC3-485B-9764-EAC9E56C1D49}" type="datetimeFigureOut">
               <a:rPr lang="en-US" smtClean="0"/>
-              <a:t>11/9/2018</a:t>
+              <a:t>11/10/2018</a:t>
             </a:fld>
             <a:endParaRPr lang="en-US"/>
           </a:p>
@@ -1413,7 +1413,7 @@
           <a:p>
             <a:fld id="{78C97017-6FC3-485B-9764-EAC9E56C1D49}" type="datetimeFigureOut">
               <a:rPr lang="en-US" smtClean="0"/>
-              <a:t>11/9/2018</a:t>
+              <a:t>11/10/2018</a:t>
             </a:fld>
             <a:endParaRPr lang="en-US"/>
           </a:p>
@@ -1698,7 +1698,7 @@
           <a:p>
             <a:fld id="{78C97017-6FC3-485B-9764-EAC9E56C1D49}" type="datetimeFigureOut">
               <a:rPr lang="en-US" smtClean="0"/>
-              <a:t>11/9/2018</a:t>
+              <a:t>11/10/2018</a:t>
             </a:fld>
             <a:endParaRPr lang="en-US"/>
           </a:p>
@@ -2117,7 +2117,7 @@
           <a:p>
             <a:fld id="{78C97017-6FC3-485B-9764-EAC9E56C1D49}" type="datetimeFigureOut">
               <a:rPr lang="en-US" smtClean="0"/>
-              <a:t>11/9/2018</a:t>
+              <a:t>11/10/2018</a:t>
             </a:fld>
             <a:endParaRPr lang="en-US"/>
           </a:p>
@@ -2234,7 +2234,7 @@
           <a:p>
             <a:fld id="{78C97017-6FC3-485B-9764-EAC9E56C1D49}" type="datetimeFigureOut">
               <a:rPr lang="en-US" smtClean="0"/>
-              <a:t>11/9/2018</a:t>
+              <a:t>11/10/2018</a:t>
             </a:fld>
             <a:endParaRPr lang="en-US"/>
           </a:p>
@@ -2329,7 +2329,7 @@
           <a:p>
             <a:fld id="{78C97017-6FC3-485B-9764-EAC9E56C1D49}" type="datetimeFigureOut">
               <a:rPr lang="en-US" smtClean="0"/>
-              <a:t>11/9/2018</a:t>
+              <a:t>11/10/2018</a:t>
             </a:fld>
             <a:endParaRPr lang="en-US"/>
           </a:p>
@@ -2604,7 +2604,7 @@
           <a:p>
             <a:fld id="{78C97017-6FC3-485B-9764-EAC9E56C1D49}" type="datetimeFigureOut">
               <a:rPr lang="en-US" smtClean="0"/>
-              <a:t>11/9/2018</a:t>
+              <a:t>11/10/2018</a:t>
             </a:fld>
             <a:endParaRPr lang="en-US"/>
           </a:p>
@@ -2856,7 +2856,7 @@
           <a:p>
             <a:fld id="{78C97017-6FC3-485B-9764-EAC9E56C1D49}" type="datetimeFigureOut">
               <a:rPr lang="en-US" smtClean="0"/>
-              <a:t>11/9/2018</a:t>
+              <a:t>11/10/2018</a:t>
             </a:fld>
             <a:endParaRPr lang="en-US"/>
           </a:p>
@@ -3067,7 +3067,7 @@
           <a:p>
             <a:fld id="{78C97017-6FC3-485B-9764-EAC9E56C1D49}" type="datetimeFigureOut">
               <a:rPr lang="en-US" smtClean="0"/>
-              <a:t>11/9/2018</a:t>
+              <a:t>11/10/2018</a:t>
             </a:fld>
             <a:endParaRPr lang="en-US"/>
           </a:p>
@@ -3456,8 +3456,8 @@
         </p:nvSpPr>
         <p:spPr>
           <a:xfrm>
-            <a:off x="111564" y="-98059"/>
-            <a:ext cx="8744174" cy="8317981"/>
+            <a:off x="228600" y="-98059"/>
+            <a:ext cx="8627138" cy="8317981"/>
           </a:xfrm>
           <a:prstGeom prst="roundRect">
             <a:avLst>
@@ -3598,7 +3598,7 @@
           <a:p>
             <a:pPr algn="ctr"/>
             <a:r>
-              <a:rPr lang="en-US" sz="1050" dirty="0" err="1">
+              <a:rPr lang="en-US" sz="1050" dirty="0">
                 <a:solidFill>
                   <a:schemeClr val="bg1"/>
                 </a:solidFill>
@@ -3657,7 +3657,7 @@
           <a:p>
             <a:pPr algn="ctr"/>
             <a:r>
-              <a:rPr lang="en-US" sz="1050" dirty="0" err="1">
+              <a:rPr lang="en-US" sz="1050" dirty="0">
                 <a:solidFill>
                   <a:schemeClr val="bg1"/>
                 </a:solidFill>
@@ -4042,7 +4042,7 @@
           <a:p>
             <a:pPr algn="ctr"/>
             <a:r>
-              <a:rPr lang="en-US" sz="1050" dirty="0" err="1">
+              <a:rPr lang="en-US" sz="1050" dirty="0">
                 <a:solidFill>
                   <a:srgbClr val="7030A0"/>
                 </a:solidFill>
@@ -4184,7 +4184,7 @@
           <a:p>
             <a:pPr algn="ctr"/>
             <a:r>
-              <a:rPr lang="en-US" sz="1050" dirty="0" err="1">
+              <a:rPr lang="en-US" sz="1050" dirty="0">
                 <a:solidFill>
                   <a:srgbClr val="7030A0"/>
                 </a:solidFill>
@@ -4963,7 +4963,7 @@
               </a:rPr>
             </a:br>
             <a:r>
-              <a:rPr lang="en-US" sz="1050" dirty="0" err="1">
+              <a:rPr lang="en-US" sz="1050" dirty="0">
                 <a:solidFill>
                   <a:srgbClr val="7030A0"/>
                 </a:solidFill>
@@ -5556,7 +5556,7 @@
               </a:rPr>
             </a:br>
             <a:r>
-              <a:rPr lang="en-US" sz="1050" dirty="0" err="1">
+              <a:rPr lang="en-US" sz="1050" dirty="0">
                 <a:solidFill>
                   <a:srgbClr val="7030A0"/>
                 </a:solidFill>
@@ -5612,7 +5612,7 @@
           <a:p>
             <a:pPr algn="ctr"/>
             <a:r>
-              <a:rPr lang="en-US" sz="1050" dirty="0" err="1">
+              <a:rPr lang="en-US" sz="1050" dirty="0">
                 <a:solidFill>
                   <a:srgbClr val="7030A0"/>
                 </a:solidFill>
@@ -5824,7 +5824,7 @@
           <a:p>
             <a:pPr algn="ctr"/>
             <a:r>
-              <a:rPr lang="en-US" sz="1050" dirty="0" err="1">
+              <a:rPr lang="en-US" sz="1050" dirty="0">
                 <a:solidFill>
                   <a:srgbClr val="7030A0"/>
                 </a:solidFill>
@@ -5984,7 +5984,7 @@
           <a:p>
             <a:pPr algn="ctr"/>
             <a:r>
-              <a:rPr lang="en-US" sz="1050" dirty="0" err="1">
+              <a:rPr lang="en-US" sz="1050" dirty="0">
                 <a:solidFill>
                   <a:srgbClr val="7030A0"/>
                 </a:solidFill>
@@ -7122,7 +7122,7 @@
               </a:rPr>
             </a:br>
             <a:r>
-              <a:rPr lang="en-US" sz="1050" dirty="0" err="1">
+              <a:rPr lang="en-US" sz="1050" dirty="0">
                 <a:solidFill>
                   <a:srgbClr val="7030A0"/>
                 </a:solidFill>
@@ -7184,7 +7184,7 @@
           <a:p>
             <a:pPr algn="ctr"/>
             <a:r>
-              <a:rPr lang="en-US" sz="1050" dirty="0" err="1">
+              <a:rPr lang="en-US" sz="1050" dirty="0">
                 <a:solidFill>
                   <a:srgbClr val="7030A0"/>
                 </a:solidFill>
@@ -7304,7 +7304,7 @@
           <a:p>
             <a:pPr algn="ctr"/>
             <a:r>
-              <a:rPr lang="en-US" sz="1050" dirty="0" err="1">
+              <a:rPr lang="en-US" sz="1050" dirty="0">
                 <a:solidFill>
                   <a:srgbClr val="7030A0"/>
                 </a:solidFill>
@@ -7614,7 +7614,7 @@
           <a:p>
             <a:pPr algn="ctr"/>
             <a:r>
-              <a:rPr lang="en-US" sz="1050" dirty="0" err="1">
+              <a:rPr lang="en-US" sz="1050" dirty="0">
                 <a:solidFill>
                   <a:srgbClr val="7030A0"/>
                 </a:solidFill>
@@ -8075,7 +8075,7 @@
           <a:p>
             <a:pPr algn="ctr"/>
             <a:r>
-              <a:rPr lang="en-US" sz="1050" dirty="0" err="1">
+              <a:rPr lang="en-US" sz="1050" dirty="0">
                 <a:solidFill>
                   <a:srgbClr val="7030A0"/>
                 </a:solidFill>
@@ -8235,7 +8235,7 @@
           <a:p>
             <a:pPr algn="ctr"/>
             <a:r>
-              <a:rPr lang="en-US" sz="1050" dirty="0" err="1">
+              <a:rPr lang="en-US" sz="1050" dirty="0">
                 <a:solidFill>
                   <a:srgbClr val="7030A0"/>
                 </a:solidFill>
@@ -8612,7 +8612,7 @@
           <a:p>
             <a:pPr algn="ctr"/>
             <a:r>
-              <a:rPr lang="en-US" sz="1050" dirty="0" err="1">
+              <a:rPr lang="en-US" sz="1050" dirty="0">
                 <a:solidFill>
                   <a:srgbClr val="7030A0"/>
                 </a:solidFill>
@@ -8722,7 +8722,7 @@
           <a:p>
             <a:pPr algn="ctr"/>
             <a:r>
-              <a:rPr lang="en-US" sz="1050" dirty="0" err="1">
+              <a:rPr lang="en-US" sz="1050" dirty="0">
                 <a:solidFill>
                   <a:srgbClr val="7030A0"/>
                 </a:solidFill>
@@ -8832,7 +8832,7 @@
           <a:p>
             <a:pPr algn="ctr"/>
             <a:r>
-              <a:rPr lang="en-US" sz="1050" dirty="0" err="1">
+              <a:rPr lang="en-US" sz="1050" dirty="0">
                 <a:solidFill>
                   <a:srgbClr val="7030A0"/>
                 </a:solidFill>
@@ -9323,7 +9323,7 @@
               </a:rPr>
             </a:br>
             <a:r>
-              <a:rPr lang="en-US" sz="1050" dirty="0" err="1">
+              <a:rPr lang="en-US" sz="1050" dirty="0">
                 <a:solidFill>
                   <a:srgbClr val="7030A0"/>
                 </a:solidFill>
@@ -9385,7 +9385,7 @@
           <a:p>
             <a:pPr algn="ctr"/>
             <a:r>
-              <a:rPr lang="en-US" sz="1050" dirty="0" err="1">
+              <a:rPr lang="en-US" sz="1050" dirty="0">
                 <a:solidFill>
                   <a:srgbClr val="7030A0"/>
                 </a:solidFill>
@@ -9604,7 +9604,7 @@
           <a:p>
             <a:pPr algn="ctr"/>
             <a:r>
-              <a:rPr lang="en-US" sz="1050" dirty="0" err="1">
+              <a:rPr lang="en-US" sz="1050" dirty="0">
                 <a:solidFill>
                   <a:srgbClr val="7030A0"/>
                 </a:solidFill>
@@ -9764,7 +9764,7 @@
           <a:p>
             <a:pPr algn="ctr"/>
             <a:r>
-              <a:rPr lang="en-US" sz="1050" dirty="0" err="1">
+              <a:rPr lang="en-US" sz="1050" dirty="0">
                 <a:solidFill>
                   <a:srgbClr val="7030A0"/>
                 </a:solidFill>
@@ -10246,7 +10246,7 @@
           <a:p>
             <a:pPr algn="ctr"/>
             <a:r>
-              <a:rPr lang="en-US" sz="1050" dirty="0" err="1">
+              <a:rPr lang="en-US" sz="1050" dirty="0">
                 <a:solidFill>
                   <a:srgbClr val="7030A0"/>
                 </a:solidFill>
@@ -10356,7 +10356,7 @@
           <a:p>
             <a:pPr algn="ctr"/>
             <a:r>
-              <a:rPr lang="en-US" sz="1050" dirty="0" err="1">
+              <a:rPr lang="en-US" sz="1050" dirty="0">
                 <a:solidFill>
                   <a:srgbClr val="7030A0"/>
                 </a:solidFill>
@@ -10847,7 +10847,7 @@
               </a:rPr>
             </a:br>
             <a:r>
-              <a:rPr lang="en-US" sz="1050" dirty="0" err="1">
+              <a:rPr lang="en-US" sz="1050" dirty="0">
                 <a:solidFill>
                   <a:srgbClr val="7030A0"/>
                 </a:solidFill>
@@ -10909,7 +10909,7 @@
           <a:p>
             <a:pPr algn="ctr"/>
             <a:r>
-              <a:rPr lang="en-US" sz="1050" dirty="0" err="1">
+              <a:rPr lang="en-US" sz="1050" dirty="0">
                 <a:solidFill>
                   <a:srgbClr val="7030A0"/>
                 </a:solidFill>
@@ -11079,7 +11079,7 @@
           <a:p>
             <a:pPr algn="ctr"/>
             <a:r>
-              <a:rPr lang="en-US" sz="1050" dirty="0" err="1">
+              <a:rPr lang="en-US" sz="1050" dirty="0">
                 <a:solidFill>
                   <a:srgbClr val="7030A0"/>
                 </a:solidFill>
